--- a/Report/Misc/Journal.pptx
+++ b/Report/Misc/Journal.pptx
@@ -10,6 +10,13 @@
     <p:sldId id="257" r:id="rId5"/>
     <p:sldId id="258" r:id="rId6"/>
     <p:sldId id="259" r:id="rId7"/>
+    <p:sldId id="260" r:id="rId8"/>
+    <p:sldId id="261" r:id="rId9"/>
+    <p:sldId id="262" r:id="rId10"/>
+    <p:sldId id="263" r:id="rId11"/>
+    <p:sldId id="264" r:id="rId12"/>
+    <p:sldId id="265" r:id="rId13"/>
+    <p:sldId id="266" r:id="rId14"/>
   </p:sldIdLst>
   <p:sldSz cx="10080625" cy="7559675"/>
   <p:notesSz cx="7559675" cy="10691812"/>
@@ -57,7 +64,7 @@
       </p:grpSpPr>
       <p:sp>
         <p:nvSpPr>
-          <p:cNvPr id="30" name="PlaceHolder 1"/>
+          <p:cNvPr id="24" name="PlaceHolder 1"/>
           <p:cNvSpPr>
             <a:spLocks noGrp="1"/>
           </p:cNvSpPr>
@@ -68,27 +75,27 @@
         <p:spPr>
           <a:xfrm>
             <a:off x="360000" y="360000"/>
-            <a:ext cx="9360000" cy="900000"/>
-          </a:xfrm>
-          <a:prstGeom prst="rect">
-            <a:avLst/>
-          </a:prstGeom>
-        </p:spPr>
-        <p:txBody>
-          <a:bodyPr lIns="0" rIns="0" tIns="0" bIns="0" anchor="b"/>
-          <a:p>
-            <a:endParaRPr b="1" lang="en-GB" sz="3200" spc="-1" strike="noStrike">
-              <a:solidFill>
-                <a:srgbClr val="ffffff"/>
-              </a:solidFill>
-              <a:latin typeface="Source Sans Pro Black"/>
-            </a:endParaRPr>
-          </a:p>
-        </p:txBody>
-      </p:sp>
-      <p:sp>
-        <p:nvSpPr>
-          <p:cNvPr id="31" name="PlaceHolder 2"/>
+            <a:ext cx="9359640" cy="899640"/>
+          </a:xfrm>
+          <a:prstGeom prst="rect">
+            <a:avLst/>
+          </a:prstGeom>
+        </p:spPr>
+        <p:txBody>
+          <a:bodyPr lIns="0" rIns="0" tIns="0" bIns="0" anchor="ctr"/>
+          <a:p>
+            <a:endParaRPr b="0" lang="en-US" sz="1400" spc="-1" strike="noStrike">
+              <a:solidFill>
+                <a:srgbClr val="000000"/>
+              </a:solidFill>
+              <a:latin typeface="Arial"/>
+            </a:endParaRPr>
+          </a:p>
+        </p:txBody>
+      </p:sp>
+      <p:sp>
+        <p:nvSpPr>
+          <p:cNvPr id="25" name="PlaceHolder 2"/>
           <p:cNvSpPr>
             <a:spLocks noGrp="1"/>
           </p:cNvSpPr>
@@ -99,7 +106,7 @@
         <p:spPr>
           <a:xfrm>
             <a:off x="360000" y="1980000"/>
-            <a:ext cx="9180000" cy="2232000"/>
+            <a:ext cx="9179640" cy="2232000"/>
           </a:xfrm>
           <a:prstGeom prst="rect">
             <a:avLst/>
@@ -110,18 +117,18 @@
             <a:normAutofit/>
           </a:bodyPr>
           <a:p>
-            <a:endParaRPr b="1" lang="en-GB" sz="2600" spc="-1" strike="noStrike">
-              <a:solidFill>
-                <a:srgbClr val="1c1c1c"/>
-              </a:solidFill>
-              <a:latin typeface="Source Sans Pro Semibold"/>
-            </a:endParaRPr>
-          </a:p>
-        </p:txBody>
-      </p:sp>
-      <p:sp>
-        <p:nvSpPr>
-          <p:cNvPr id="32" name="PlaceHolder 3"/>
+            <a:endParaRPr b="0" lang="en-US" sz="1400" spc="-1" strike="noStrike">
+              <a:solidFill>
+                <a:srgbClr val="000000"/>
+              </a:solidFill>
+              <a:latin typeface="Arial"/>
+            </a:endParaRPr>
+          </a:p>
+        </p:txBody>
+      </p:sp>
+      <p:sp>
+        <p:nvSpPr>
+          <p:cNvPr id="26" name="PlaceHolder 3"/>
           <p:cNvSpPr>
             <a:spLocks noGrp="1"/>
           </p:cNvSpPr>
@@ -132,7 +139,7 @@
         <p:spPr>
           <a:xfrm>
             <a:off x="360000" y="4424400"/>
-            <a:ext cx="9180000" cy="2232000"/>
+            <a:ext cx="9179640" cy="2232000"/>
           </a:xfrm>
           <a:prstGeom prst="rect">
             <a:avLst/>
@@ -143,11 +150,11 @@
             <a:normAutofit/>
           </a:bodyPr>
           <a:p>
-            <a:endParaRPr b="1" lang="en-GB" sz="2600" spc="-1" strike="noStrike">
-              <a:solidFill>
-                <a:srgbClr val="1c1c1c"/>
-              </a:solidFill>
-              <a:latin typeface="Source Sans Pro Semibold"/>
+            <a:endParaRPr b="0" lang="en-US" sz="1400" spc="-1" strike="noStrike">
+              <a:solidFill>
+                <a:srgbClr val="000000"/>
+              </a:solidFill>
+              <a:latin typeface="Arial"/>
             </a:endParaRPr>
           </a:p>
         </p:txBody>
@@ -176,7 +183,7 @@
       </p:grpSpPr>
       <p:sp>
         <p:nvSpPr>
-          <p:cNvPr id="33" name="PlaceHolder 1"/>
+          <p:cNvPr id="27" name="PlaceHolder 1"/>
           <p:cNvSpPr>
             <a:spLocks noGrp="1"/>
           </p:cNvSpPr>
@@ -187,27 +194,27 @@
         <p:spPr>
           <a:xfrm>
             <a:off x="360000" y="360000"/>
-            <a:ext cx="9360000" cy="900000"/>
-          </a:xfrm>
-          <a:prstGeom prst="rect">
-            <a:avLst/>
-          </a:prstGeom>
-        </p:spPr>
-        <p:txBody>
-          <a:bodyPr lIns="0" rIns="0" tIns="0" bIns="0" anchor="b"/>
-          <a:p>
-            <a:endParaRPr b="1" lang="en-GB" sz="3200" spc="-1" strike="noStrike">
-              <a:solidFill>
-                <a:srgbClr val="ffffff"/>
-              </a:solidFill>
-              <a:latin typeface="Source Sans Pro Black"/>
-            </a:endParaRPr>
-          </a:p>
-        </p:txBody>
-      </p:sp>
-      <p:sp>
-        <p:nvSpPr>
-          <p:cNvPr id="34" name="PlaceHolder 2"/>
+            <a:ext cx="9359640" cy="899640"/>
+          </a:xfrm>
+          <a:prstGeom prst="rect">
+            <a:avLst/>
+          </a:prstGeom>
+        </p:spPr>
+        <p:txBody>
+          <a:bodyPr lIns="0" rIns="0" tIns="0" bIns="0" anchor="ctr"/>
+          <a:p>
+            <a:endParaRPr b="0" lang="en-US" sz="1400" spc="-1" strike="noStrike">
+              <a:solidFill>
+                <a:srgbClr val="000000"/>
+              </a:solidFill>
+              <a:latin typeface="Arial"/>
+            </a:endParaRPr>
+          </a:p>
+        </p:txBody>
+      </p:sp>
+      <p:sp>
+        <p:nvSpPr>
+          <p:cNvPr id="28" name="PlaceHolder 2"/>
           <p:cNvSpPr>
             <a:spLocks noGrp="1"/>
           </p:cNvSpPr>
@@ -229,18 +236,18 @@
             <a:normAutofit/>
           </a:bodyPr>
           <a:p>
-            <a:endParaRPr b="1" lang="en-GB" sz="2600" spc="-1" strike="noStrike">
-              <a:solidFill>
-                <a:srgbClr val="1c1c1c"/>
-              </a:solidFill>
-              <a:latin typeface="Source Sans Pro Semibold"/>
-            </a:endParaRPr>
-          </a:p>
-        </p:txBody>
-      </p:sp>
-      <p:sp>
-        <p:nvSpPr>
-          <p:cNvPr id="35" name="PlaceHolder 3"/>
+            <a:endParaRPr b="0" lang="en-US" sz="1400" spc="-1" strike="noStrike">
+              <a:solidFill>
+                <a:srgbClr val="000000"/>
+              </a:solidFill>
+              <a:latin typeface="Arial"/>
+            </a:endParaRPr>
+          </a:p>
+        </p:txBody>
+      </p:sp>
+      <p:sp>
+        <p:nvSpPr>
+          <p:cNvPr id="29" name="PlaceHolder 3"/>
           <p:cNvSpPr>
             <a:spLocks noGrp="1"/>
           </p:cNvSpPr>
@@ -262,18 +269,18 @@
             <a:normAutofit/>
           </a:bodyPr>
           <a:p>
-            <a:endParaRPr b="1" lang="en-GB" sz="2600" spc="-1" strike="noStrike">
-              <a:solidFill>
-                <a:srgbClr val="1c1c1c"/>
-              </a:solidFill>
-              <a:latin typeface="Source Sans Pro Semibold"/>
-            </a:endParaRPr>
-          </a:p>
-        </p:txBody>
-      </p:sp>
-      <p:sp>
-        <p:nvSpPr>
-          <p:cNvPr id="36" name="PlaceHolder 4"/>
+            <a:endParaRPr b="0" lang="en-US" sz="1400" spc="-1" strike="noStrike">
+              <a:solidFill>
+                <a:srgbClr val="000000"/>
+              </a:solidFill>
+              <a:latin typeface="Arial"/>
+            </a:endParaRPr>
+          </a:p>
+        </p:txBody>
+      </p:sp>
+      <p:sp>
+        <p:nvSpPr>
+          <p:cNvPr id="30" name="PlaceHolder 4"/>
           <p:cNvSpPr>
             <a:spLocks noGrp="1"/>
           </p:cNvSpPr>
@@ -295,18 +302,18 @@
             <a:normAutofit/>
           </a:bodyPr>
           <a:p>
-            <a:endParaRPr b="1" lang="en-GB" sz="2600" spc="-1" strike="noStrike">
-              <a:solidFill>
-                <a:srgbClr val="1c1c1c"/>
-              </a:solidFill>
-              <a:latin typeface="Source Sans Pro Semibold"/>
-            </a:endParaRPr>
-          </a:p>
-        </p:txBody>
-      </p:sp>
-      <p:sp>
-        <p:nvSpPr>
-          <p:cNvPr id="37" name="PlaceHolder 5"/>
+            <a:endParaRPr b="0" lang="en-US" sz="1400" spc="-1" strike="noStrike">
+              <a:solidFill>
+                <a:srgbClr val="000000"/>
+              </a:solidFill>
+              <a:latin typeface="Arial"/>
+            </a:endParaRPr>
+          </a:p>
+        </p:txBody>
+      </p:sp>
+      <p:sp>
+        <p:nvSpPr>
+          <p:cNvPr id="31" name="PlaceHolder 5"/>
           <p:cNvSpPr>
             <a:spLocks noGrp="1"/>
           </p:cNvSpPr>
@@ -328,11 +335,11 @@
             <a:normAutofit/>
           </a:bodyPr>
           <a:p>
-            <a:endParaRPr b="1" lang="en-GB" sz="2600" spc="-1" strike="noStrike">
-              <a:solidFill>
-                <a:srgbClr val="1c1c1c"/>
-              </a:solidFill>
-              <a:latin typeface="Source Sans Pro Semibold"/>
+            <a:endParaRPr b="0" lang="en-US" sz="1400" spc="-1" strike="noStrike">
+              <a:solidFill>
+                <a:srgbClr val="000000"/>
+              </a:solidFill>
+              <a:latin typeface="Arial"/>
             </a:endParaRPr>
           </a:p>
         </p:txBody>
@@ -361,7 +368,7 @@
       </p:grpSpPr>
       <p:sp>
         <p:nvSpPr>
-          <p:cNvPr id="38" name="PlaceHolder 1"/>
+          <p:cNvPr id="32" name="PlaceHolder 1"/>
           <p:cNvSpPr>
             <a:spLocks noGrp="1"/>
           </p:cNvSpPr>
@@ -372,27 +379,27 @@
         <p:spPr>
           <a:xfrm>
             <a:off x="360000" y="360000"/>
-            <a:ext cx="9360000" cy="900000"/>
-          </a:xfrm>
-          <a:prstGeom prst="rect">
-            <a:avLst/>
-          </a:prstGeom>
-        </p:spPr>
-        <p:txBody>
-          <a:bodyPr lIns="0" rIns="0" tIns="0" bIns="0" anchor="b"/>
-          <a:p>
-            <a:endParaRPr b="1" lang="en-GB" sz="3200" spc="-1" strike="noStrike">
-              <a:solidFill>
-                <a:srgbClr val="ffffff"/>
-              </a:solidFill>
-              <a:latin typeface="Source Sans Pro Black"/>
-            </a:endParaRPr>
-          </a:p>
-        </p:txBody>
-      </p:sp>
-      <p:sp>
-        <p:nvSpPr>
-          <p:cNvPr id="39" name="PlaceHolder 2"/>
+            <a:ext cx="9359640" cy="899640"/>
+          </a:xfrm>
+          <a:prstGeom prst="rect">
+            <a:avLst/>
+          </a:prstGeom>
+        </p:spPr>
+        <p:txBody>
+          <a:bodyPr lIns="0" rIns="0" tIns="0" bIns="0" anchor="ctr"/>
+          <a:p>
+            <a:endParaRPr b="0" lang="en-US" sz="1400" spc="-1" strike="noStrike">
+              <a:solidFill>
+                <a:srgbClr val="000000"/>
+              </a:solidFill>
+              <a:latin typeface="Arial"/>
+            </a:endParaRPr>
+          </a:p>
+        </p:txBody>
+      </p:sp>
+      <p:sp>
+        <p:nvSpPr>
+          <p:cNvPr id="33" name="PlaceHolder 2"/>
           <p:cNvSpPr>
             <a:spLocks noGrp="1"/>
           </p:cNvSpPr>
@@ -414,18 +421,18 @@
             <a:normAutofit/>
           </a:bodyPr>
           <a:p>
-            <a:endParaRPr b="1" lang="en-GB" sz="2600" spc="-1" strike="noStrike">
-              <a:solidFill>
-                <a:srgbClr val="1c1c1c"/>
-              </a:solidFill>
-              <a:latin typeface="Source Sans Pro Semibold"/>
-            </a:endParaRPr>
-          </a:p>
-        </p:txBody>
-      </p:sp>
-      <p:sp>
-        <p:nvSpPr>
-          <p:cNvPr id="40" name="PlaceHolder 3"/>
+            <a:endParaRPr b="0" lang="en-US" sz="1400" spc="-1" strike="noStrike">
+              <a:solidFill>
+                <a:srgbClr val="000000"/>
+              </a:solidFill>
+              <a:latin typeface="Arial"/>
+            </a:endParaRPr>
+          </a:p>
+        </p:txBody>
+      </p:sp>
+      <p:sp>
+        <p:nvSpPr>
+          <p:cNvPr id="34" name="PlaceHolder 3"/>
           <p:cNvSpPr>
             <a:spLocks noGrp="1"/>
           </p:cNvSpPr>
@@ -447,18 +454,18 @@
             <a:normAutofit/>
           </a:bodyPr>
           <a:p>
-            <a:endParaRPr b="1" lang="en-GB" sz="2600" spc="-1" strike="noStrike">
-              <a:solidFill>
-                <a:srgbClr val="1c1c1c"/>
-              </a:solidFill>
-              <a:latin typeface="Source Sans Pro Semibold"/>
-            </a:endParaRPr>
-          </a:p>
-        </p:txBody>
-      </p:sp>
-      <p:sp>
-        <p:nvSpPr>
-          <p:cNvPr id="41" name="PlaceHolder 4"/>
+            <a:endParaRPr b="0" lang="en-US" sz="1400" spc="-1" strike="noStrike">
+              <a:solidFill>
+                <a:srgbClr val="000000"/>
+              </a:solidFill>
+              <a:latin typeface="Arial"/>
+            </a:endParaRPr>
+          </a:p>
+        </p:txBody>
+      </p:sp>
+      <p:sp>
+        <p:nvSpPr>
+          <p:cNvPr id="35" name="PlaceHolder 4"/>
           <p:cNvSpPr>
             <a:spLocks noGrp="1"/>
           </p:cNvSpPr>
@@ -480,18 +487,18 @@
             <a:normAutofit/>
           </a:bodyPr>
           <a:p>
-            <a:endParaRPr b="1" lang="en-GB" sz="2600" spc="-1" strike="noStrike">
-              <a:solidFill>
-                <a:srgbClr val="1c1c1c"/>
-              </a:solidFill>
-              <a:latin typeface="Source Sans Pro Semibold"/>
-            </a:endParaRPr>
-          </a:p>
-        </p:txBody>
-      </p:sp>
-      <p:sp>
-        <p:nvSpPr>
-          <p:cNvPr id="42" name="PlaceHolder 5"/>
+            <a:endParaRPr b="0" lang="en-US" sz="1400" spc="-1" strike="noStrike">
+              <a:solidFill>
+                <a:srgbClr val="000000"/>
+              </a:solidFill>
+              <a:latin typeface="Arial"/>
+            </a:endParaRPr>
+          </a:p>
+        </p:txBody>
+      </p:sp>
+      <p:sp>
+        <p:nvSpPr>
+          <p:cNvPr id="36" name="PlaceHolder 5"/>
           <p:cNvSpPr>
             <a:spLocks noGrp="1"/>
           </p:cNvSpPr>
@@ -513,18 +520,18 @@
             <a:normAutofit/>
           </a:bodyPr>
           <a:p>
-            <a:endParaRPr b="1" lang="en-GB" sz="2600" spc="-1" strike="noStrike">
-              <a:solidFill>
-                <a:srgbClr val="1c1c1c"/>
-              </a:solidFill>
-              <a:latin typeface="Source Sans Pro Semibold"/>
-            </a:endParaRPr>
-          </a:p>
-        </p:txBody>
-      </p:sp>
-      <p:sp>
-        <p:nvSpPr>
-          <p:cNvPr id="43" name="PlaceHolder 6"/>
+            <a:endParaRPr b="0" lang="en-US" sz="1400" spc="-1" strike="noStrike">
+              <a:solidFill>
+                <a:srgbClr val="000000"/>
+              </a:solidFill>
+              <a:latin typeface="Arial"/>
+            </a:endParaRPr>
+          </a:p>
+        </p:txBody>
+      </p:sp>
+      <p:sp>
+        <p:nvSpPr>
+          <p:cNvPr id="37" name="PlaceHolder 6"/>
           <p:cNvSpPr>
             <a:spLocks noGrp="1"/>
           </p:cNvSpPr>
@@ -546,18 +553,18 @@
             <a:normAutofit/>
           </a:bodyPr>
           <a:p>
-            <a:endParaRPr b="1" lang="en-GB" sz="2600" spc="-1" strike="noStrike">
-              <a:solidFill>
-                <a:srgbClr val="1c1c1c"/>
-              </a:solidFill>
-              <a:latin typeface="Source Sans Pro Semibold"/>
-            </a:endParaRPr>
-          </a:p>
-        </p:txBody>
-      </p:sp>
-      <p:sp>
-        <p:nvSpPr>
-          <p:cNvPr id="44" name="PlaceHolder 7"/>
+            <a:endParaRPr b="0" lang="en-US" sz="1400" spc="-1" strike="noStrike">
+              <a:solidFill>
+                <a:srgbClr val="000000"/>
+              </a:solidFill>
+              <a:latin typeface="Arial"/>
+            </a:endParaRPr>
+          </a:p>
+        </p:txBody>
+      </p:sp>
+      <p:sp>
+        <p:nvSpPr>
+          <p:cNvPr id="38" name="PlaceHolder 7"/>
           <p:cNvSpPr>
             <a:spLocks noGrp="1"/>
           </p:cNvSpPr>
@@ -579,11 +586,11 @@
             <a:normAutofit/>
           </a:bodyPr>
           <a:p>
-            <a:endParaRPr b="1" lang="en-GB" sz="2600" spc="-1" strike="noStrike">
-              <a:solidFill>
-                <a:srgbClr val="1c1c1c"/>
-              </a:solidFill>
-              <a:latin typeface="Source Sans Pro Semibold"/>
+            <a:endParaRPr b="0" lang="en-US" sz="1400" spc="-1" strike="noStrike">
+              <a:solidFill>
+                <a:srgbClr val="000000"/>
+              </a:solidFill>
+              <a:latin typeface="Arial"/>
             </a:endParaRPr>
           </a:p>
         </p:txBody>
@@ -634,7 +641,7 @@
       </p:grpSpPr>
       <p:sp>
         <p:nvSpPr>
-          <p:cNvPr id="51" name="PlaceHolder 1"/>
+          <p:cNvPr id="45" name="PlaceHolder 1"/>
           <p:cNvSpPr>
             <a:spLocks noGrp="1"/>
           </p:cNvSpPr>
@@ -645,27 +652,27 @@
         <p:spPr>
           <a:xfrm>
             <a:off x="360000" y="360000"/>
-            <a:ext cx="9360000" cy="900000"/>
-          </a:xfrm>
-          <a:prstGeom prst="rect">
-            <a:avLst/>
-          </a:prstGeom>
-        </p:spPr>
-        <p:txBody>
-          <a:bodyPr lIns="0" rIns="0" tIns="0" bIns="0" anchor="b"/>
-          <a:p>
-            <a:endParaRPr b="1" lang="en-GB" sz="3200" spc="-1" strike="noStrike">
-              <a:solidFill>
-                <a:srgbClr val="ffffff"/>
-              </a:solidFill>
-              <a:latin typeface="Source Sans Pro Black"/>
-            </a:endParaRPr>
-          </a:p>
-        </p:txBody>
-      </p:sp>
-      <p:sp>
-        <p:nvSpPr>
-          <p:cNvPr id="52" name="PlaceHolder 2"/>
+            <a:ext cx="9359640" cy="899640"/>
+          </a:xfrm>
+          <a:prstGeom prst="rect">
+            <a:avLst/>
+          </a:prstGeom>
+        </p:spPr>
+        <p:txBody>
+          <a:bodyPr lIns="0" rIns="0" tIns="0" bIns="0" anchor="ctr"/>
+          <a:p>
+            <a:endParaRPr b="0" lang="en-US" sz="1400" spc="-1" strike="noStrike">
+              <a:solidFill>
+                <a:srgbClr val="000000"/>
+              </a:solidFill>
+              <a:latin typeface="Arial"/>
+            </a:endParaRPr>
+          </a:p>
+        </p:txBody>
+      </p:sp>
+      <p:sp>
+        <p:nvSpPr>
+          <p:cNvPr id="46" name="PlaceHolder 2"/>
           <p:cNvSpPr>
             <a:spLocks noGrp="1"/>
           </p:cNvSpPr>
@@ -676,20 +683,18 @@
         <p:spPr>
           <a:xfrm>
             <a:off x="360000" y="1980000"/>
-            <a:ext cx="9180000" cy="4680000"/>
-          </a:xfrm>
-          <a:prstGeom prst="rect">
-            <a:avLst/>
-          </a:prstGeom>
-        </p:spPr>
-        <p:txBody>
-          <a:bodyPr lIns="0" rIns="0" tIns="0" bIns="0"/>
-          <a:p>
-            <a:endParaRPr b="0" lang="en-GB" sz="2600" spc="-1" strike="noStrike">
-              <a:solidFill>
-                <a:srgbClr val="1c1c1c"/>
-              </a:solidFill>
-              <a:latin typeface="Source Sans Pro Light"/>
+            <a:ext cx="9179640" cy="4679640"/>
+          </a:xfrm>
+          <a:prstGeom prst="rect">
+            <a:avLst/>
+          </a:prstGeom>
+        </p:spPr>
+        <p:txBody>
+          <a:bodyPr lIns="0" rIns="0" tIns="0" bIns="0" anchor="ctr"/>
+          <a:p>
+            <a:pPr algn="ctr"/>
+            <a:endParaRPr b="0" lang="en-US" sz="3200" spc="-1" strike="noStrike">
+              <a:latin typeface="Cambria"/>
             </a:endParaRPr>
           </a:p>
         </p:txBody>
@@ -718,7 +723,7 @@
       </p:grpSpPr>
       <p:sp>
         <p:nvSpPr>
-          <p:cNvPr id="53" name="PlaceHolder 1"/>
+          <p:cNvPr id="47" name="PlaceHolder 1"/>
           <p:cNvSpPr>
             <a:spLocks noGrp="1"/>
           </p:cNvSpPr>
@@ -729,27 +734,27 @@
         <p:spPr>
           <a:xfrm>
             <a:off x="360000" y="360000"/>
-            <a:ext cx="9360000" cy="900000"/>
-          </a:xfrm>
-          <a:prstGeom prst="rect">
-            <a:avLst/>
-          </a:prstGeom>
-        </p:spPr>
-        <p:txBody>
-          <a:bodyPr lIns="0" rIns="0" tIns="0" bIns="0" anchor="b"/>
-          <a:p>
-            <a:endParaRPr b="1" lang="en-GB" sz="3200" spc="-1" strike="noStrike">
-              <a:solidFill>
-                <a:srgbClr val="ffffff"/>
-              </a:solidFill>
-              <a:latin typeface="Source Sans Pro Black"/>
-            </a:endParaRPr>
-          </a:p>
-        </p:txBody>
-      </p:sp>
-      <p:sp>
-        <p:nvSpPr>
-          <p:cNvPr id="54" name="PlaceHolder 2"/>
+            <a:ext cx="9359640" cy="899640"/>
+          </a:xfrm>
+          <a:prstGeom prst="rect">
+            <a:avLst/>
+          </a:prstGeom>
+        </p:spPr>
+        <p:txBody>
+          <a:bodyPr lIns="0" rIns="0" tIns="0" bIns="0" anchor="ctr"/>
+          <a:p>
+            <a:endParaRPr b="0" lang="en-US" sz="1400" spc="-1" strike="noStrike">
+              <a:solidFill>
+                <a:srgbClr val="000000"/>
+              </a:solidFill>
+              <a:latin typeface="Arial"/>
+            </a:endParaRPr>
+          </a:p>
+        </p:txBody>
+      </p:sp>
+      <p:sp>
+        <p:nvSpPr>
+          <p:cNvPr id="48" name="PlaceHolder 2"/>
           <p:cNvSpPr>
             <a:spLocks noGrp="1"/>
           </p:cNvSpPr>
@@ -760,7 +765,7 @@
         <p:spPr>
           <a:xfrm>
             <a:off x="360000" y="1980000"/>
-            <a:ext cx="9180000" cy="4680000"/>
+            <a:ext cx="9179640" cy="4679640"/>
           </a:xfrm>
           <a:prstGeom prst="rect">
             <a:avLst/>
@@ -771,11 +776,11 @@
             <a:normAutofit/>
           </a:bodyPr>
           <a:p>
-            <a:endParaRPr b="1" lang="en-GB" sz="2600" spc="-1" strike="noStrike">
-              <a:solidFill>
-                <a:srgbClr val="1c1c1c"/>
-              </a:solidFill>
-              <a:latin typeface="Source Sans Pro Semibold"/>
+            <a:endParaRPr b="0" lang="en-US" sz="1400" spc="-1" strike="noStrike">
+              <a:solidFill>
+                <a:srgbClr val="000000"/>
+              </a:solidFill>
+              <a:latin typeface="Arial"/>
             </a:endParaRPr>
           </a:p>
         </p:txBody>
@@ -804,7 +809,7 @@
       </p:grpSpPr>
       <p:sp>
         <p:nvSpPr>
-          <p:cNvPr id="55" name="PlaceHolder 1"/>
+          <p:cNvPr id="49" name="PlaceHolder 1"/>
           <p:cNvSpPr>
             <a:spLocks noGrp="1"/>
           </p:cNvSpPr>
@@ -815,27 +820,27 @@
         <p:spPr>
           <a:xfrm>
             <a:off x="360000" y="360000"/>
-            <a:ext cx="9360000" cy="900000"/>
-          </a:xfrm>
-          <a:prstGeom prst="rect">
-            <a:avLst/>
-          </a:prstGeom>
-        </p:spPr>
-        <p:txBody>
-          <a:bodyPr lIns="0" rIns="0" tIns="0" bIns="0" anchor="b"/>
-          <a:p>
-            <a:endParaRPr b="1" lang="en-GB" sz="3200" spc="-1" strike="noStrike">
-              <a:solidFill>
-                <a:srgbClr val="ffffff"/>
-              </a:solidFill>
-              <a:latin typeface="Source Sans Pro Black"/>
-            </a:endParaRPr>
-          </a:p>
-        </p:txBody>
-      </p:sp>
-      <p:sp>
-        <p:nvSpPr>
-          <p:cNvPr id="56" name="PlaceHolder 2"/>
+            <a:ext cx="9359640" cy="899640"/>
+          </a:xfrm>
+          <a:prstGeom prst="rect">
+            <a:avLst/>
+          </a:prstGeom>
+        </p:spPr>
+        <p:txBody>
+          <a:bodyPr lIns="0" rIns="0" tIns="0" bIns="0" anchor="ctr"/>
+          <a:p>
+            <a:endParaRPr b="0" lang="en-US" sz="1400" spc="-1" strike="noStrike">
+              <a:solidFill>
+                <a:srgbClr val="000000"/>
+              </a:solidFill>
+              <a:latin typeface="Arial"/>
+            </a:endParaRPr>
+          </a:p>
+        </p:txBody>
+      </p:sp>
+      <p:sp>
+        <p:nvSpPr>
+          <p:cNvPr id="50" name="PlaceHolder 2"/>
           <p:cNvSpPr>
             <a:spLocks noGrp="1"/>
           </p:cNvSpPr>
@@ -846,7 +851,7 @@
         <p:spPr>
           <a:xfrm>
             <a:off x="360000" y="1980000"/>
-            <a:ext cx="4479480" cy="4680000"/>
+            <a:ext cx="4479480" cy="4679640"/>
           </a:xfrm>
           <a:prstGeom prst="rect">
             <a:avLst/>
@@ -857,18 +862,18 @@
             <a:normAutofit/>
           </a:bodyPr>
           <a:p>
-            <a:endParaRPr b="1" lang="en-GB" sz="2600" spc="-1" strike="noStrike">
-              <a:solidFill>
-                <a:srgbClr val="1c1c1c"/>
-              </a:solidFill>
-              <a:latin typeface="Source Sans Pro Semibold"/>
-            </a:endParaRPr>
-          </a:p>
-        </p:txBody>
-      </p:sp>
-      <p:sp>
-        <p:nvSpPr>
-          <p:cNvPr id="57" name="PlaceHolder 3"/>
+            <a:endParaRPr b="0" lang="en-US" sz="1400" spc="-1" strike="noStrike">
+              <a:solidFill>
+                <a:srgbClr val="000000"/>
+              </a:solidFill>
+              <a:latin typeface="Arial"/>
+            </a:endParaRPr>
+          </a:p>
+        </p:txBody>
+      </p:sp>
+      <p:sp>
+        <p:nvSpPr>
+          <p:cNvPr id="51" name="PlaceHolder 3"/>
           <p:cNvSpPr>
             <a:spLocks noGrp="1"/>
           </p:cNvSpPr>
@@ -879,7 +884,7 @@
         <p:spPr>
           <a:xfrm>
             <a:off x="5063760" y="1980000"/>
-            <a:ext cx="4479480" cy="4680000"/>
+            <a:ext cx="4479480" cy="4679640"/>
           </a:xfrm>
           <a:prstGeom prst="rect">
             <a:avLst/>
@@ -890,11 +895,11 @@
             <a:normAutofit/>
           </a:bodyPr>
           <a:p>
-            <a:endParaRPr b="1" lang="en-GB" sz="2600" spc="-1" strike="noStrike">
-              <a:solidFill>
-                <a:srgbClr val="1c1c1c"/>
-              </a:solidFill>
-              <a:latin typeface="Source Sans Pro Semibold"/>
+            <a:endParaRPr b="0" lang="en-US" sz="1400" spc="-1" strike="noStrike">
+              <a:solidFill>
+                <a:srgbClr val="000000"/>
+              </a:solidFill>
+              <a:latin typeface="Arial"/>
             </a:endParaRPr>
           </a:p>
         </p:txBody>
@@ -923,7 +928,7 @@
       </p:grpSpPr>
       <p:sp>
         <p:nvSpPr>
-          <p:cNvPr id="58" name="PlaceHolder 1"/>
+          <p:cNvPr id="52" name="PlaceHolder 1"/>
           <p:cNvSpPr>
             <a:spLocks noGrp="1"/>
           </p:cNvSpPr>
@@ -934,20 +939,20 @@
         <p:spPr>
           <a:xfrm>
             <a:off x="360000" y="360000"/>
-            <a:ext cx="9360000" cy="900000"/>
-          </a:xfrm>
-          <a:prstGeom prst="rect">
-            <a:avLst/>
-          </a:prstGeom>
-        </p:spPr>
-        <p:txBody>
-          <a:bodyPr lIns="0" rIns="0" tIns="0" bIns="0" anchor="b"/>
-          <a:p>
-            <a:endParaRPr b="1" lang="en-GB" sz="3200" spc="-1" strike="noStrike">
-              <a:solidFill>
-                <a:srgbClr val="ffffff"/>
-              </a:solidFill>
-              <a:latin typeface="Source Sans Pro Black"/>
+            <a:ext cx="9359640" cy="899640"/>
+          </a:xfrm>
+          <a:prstGeom prst="rect">
+            <a:avLst/>
+          </a:prstGeom>
+        </p:spPr>
+        <p:txBody>
+          <a:bodyPr lIns="0" rIns="0" tIns="0" bIns="0" anchor="ctr"/>
+          <a:p>
+            <a:endParaRPr b="0" lang="en-US" sz="1400" spc="-1" strike="noStrike">
+              <a:solidFill>
+                <a:srgbClr val="000000"/>
+              </a:solidFill>
+              <a:latin typeface="Arial"/>
             </a:endParaRPr>
           </a:p>
         </p:txBody>
@@ -976,7 +981,7 @@
       </p:grpSpPr>
       <p:sp>
         <p:nvSpPr>
-          <p:cNvPr id="59" name="PlaceHolder 1"/>
+          <p:cNvPr id="53" name="PlaceHolder 1"/>
           <p:cNvSpPr>
             <a:spLocks noGrp="1"/>
           </p:cNvSpPr>
@@ -987,20 +992,18 @@
         <p:spPr>
           <a:xfrm>
             <a:off x="360000" y="360000"/>
-            <a:ext cx="9360000" cy="4173120"/>
-          </a:xfrm>
-          <a:prstGeom prst="rect">
-            <a:avLst/>
-          </a:prstGeom>
-        </p:spPr>
-        <p:txBody>
-          <a:bodyPr lIns="0" rIns="0" tIns="0" bIns="0"/>
-          <a:p>
-            <a:endParaRPr b="0" lang="en-GB" sz="2600" spc="-1" strike="noStrike">
-              <a:solidFill>
-                <a:srgbClr val="1c1c1c"/>
-              </a:solidFill>
-              <a:latin typeface="Source Sans Pro Light"/>
+            <a:ext cx="9359640" cy="4171680"/>
+          </a:xfrm>
+          <a:prstGeom prst="rect">
+            <a:avLst/>
+          </a:prstGeom>
+        </p:spPr>
+        <p:txBody>
+          <a:bodyPr lIns="0" rIns="0" tIns="0" bIns="0" anchor="ctr"/>
+          <a:p>
+            <a:pPr algn="ctr"/>
+            <a:endParaRPr b="0" lang="en-US" sz="3200" spc="-1" strike="noStrike">
+              <a:latin typeface="Cambria"/>
             </a:endParaRPr>
           </a:p>
         </p:txBody>
@@ -1029,7 +1032,7 @@
       </p:grpSpPr>
       <p:sp>
         <p:nvSpPr>
-          <p:cNvPr id="60" name="PlaceHolder 1"/>
+          <p:cNvPr id="54" name="PlaceHolder 1"/>
           <p:cNvSpPr>
             <a:spLocks noGrp="1"/>
           </p:cNvSpPr>
@@ -1040,27 +1043,27 @@
         <p:spPr>
           <a:xfrm>
             <a:off x="360000" y="360000"/>
-            <a:ext cx="9360000" cy="900000"/>
-          </a:xfrm>
-          <a:prstGeom prst="rect">
-            <a:avLst/>
-          </a:prstGeom>
-        </p:spPr>
-        <p:txBody>
-          <a:bodyPr lIns="0" rIns="0" tIns="0" bIns="0" anchor="b"/>
-          <a:p>
-            <a:endParaRPr b="1" lang="en-GB" sz="3200" spc="-1" strike="noStrike">
-              <a:solidFill>
-                <a:srgbClr val="ffffff"/>
-              </a:solidFill>
-              <a:latin typeface="Source Sans Pro Black"/>
-            </a:endParaRPr>
-          </a:p>
-        </p:txBody>
-      </p:sp>
-      <p:sp>
-        <p:nvSpPr>
-          <p:cNvPr id="61" name="PlaceHolder 2"/>
+            <a:ext cx="9359640" cy="899640"/>
+          </a:xfrm>
+          <a:prstGeom prst="rect">
+            <a:avLst/>
+          </a:prstGeom>
+        </p:spPr>
+        <p:txBody>
+          <a:bodyPr lIns="0" rIns="0" tIns="0" bIns="0" anchor="ctr"/>
+          <a:p>
+            <a:endParaRPr b="0" lang="en-US" sz="1400" spc="-1" strike="noStrike">
+              <a:solidFill>
+                <a:srgbClr val="000000"/>
+              </a:solidFill>
+              <a:latin typeface="Arial"/>
+            </a:endParaRPr>
+          </a:p>
+        </p:txBody>
+      </p:sp>
+      <p:sp>
+        <p:nvSpPr>
+          <p:cNvPr id="55" name="PlaceHolder 2"/>
           <p:cNvSpPr>
             <a:spLocks noGrp="1"/>
           </p:cNvSpPr>
@@ -1082,18 +1085,18 @@
             <a:normAutofit/>
           </a:bodyPr>
           <a:p>
-            <a:endParaRPr b="1" lang="en-GB" sz="2600" spc="-1" strike="noStrike">
-              <a:solidFill>
-                <a:srgbClr val="1c1c1c"/>
-              </a:solidFill>
-              <a:latin typeface="Source Sans Pro Semibold"/>
-            </a:endParaRPr>
-          </a:p>
-        </p:txBody>
-      </p:sp>
-      <p:sp>
-        <p:nvSpPr>
-          <p:cNvPr id="62" name="PlaceHolder 3"/>
+            <a:endParaRPr b="0" lang="en-US" sz="1400" spc="-1" strike="noStrike">
+              <a:solidFill>
+                <a:srgbClr val="000000"/>
+              </a:solidFill>
+              <a:latin typeface="Arial"/>
+            </a:endParaRPr>
+          </a:p>
+        </p:txBody>
+      </p:sp>
+      <p:sp>
+        <p:nvSpPr>
+          <p:cNvPr id="56" name="PlaceHolder 3"/>
           <p:cNvSpPr>
             <a:spLocks noGrp="1"/>
           </p:cNvSpPr>
@@ -1104,7 +1107,7 @@
         <p:spPr>
           <a:xfrm>
             <a:off x="5063760" y="1980000"/>
-            <a:ext cx="4479480" cy="4680000"/>
+            <a:ext cx="4479480" cy="4679640"/>
           </a:xfrm>
           <a:prstGeom prst="rect">
             <a:avLst/>
@@ -1115,18 +1118,18 @@
             <a:normAutofit/>
           </a:bodyPr>
           <a:p>
-            <a:endParaRPr b="1" lang="en-GB" sz="2600" spc="-1" strike="noStrike">
-              <a:solidFill>
-                <a:srgbClr val="1c1c1c"/>
-              </a:solidFill>
-              <a:latin typeface="Source Sans Pro Semibold"/>
-            </a:endParaRPr>
-          </a:p>
-        </p:txBody>
-      </p:sp>
-      <p:sp>
-        <p:nvSpPr>
-          <p:cNvPr id="63" name="PlaceHolder 4"/>
+            <a:endParaRPr b="0" lang="en-US" sz="1400" spc="-1" strike="noStrike">
+              <a:solidFill>
+                <a:srgbClr val="000000"/>
+              </a:solidFill>
+              <a:latin typeface="Arial"/>
+            </a:endParaRPr>
+          </a:p>
+        </p:txBody>
+      </p:sp>
+      <p:sp>
+        <p:nvSpPr>
+          <p:cNvPr id="57" name="PlaceHolder 4"/>
           <p:cNvSpPr>
             <a:spLocks noGrp="1"/>
           </p:cNvSpPr>
@@ -1148,11 +1151,11 @@
             <a:normAutofit/>
           </a:bodyPr>
           <a:p>
-            <a:endParaRPr b="1" lang="en-GB" sz="2600" spc="-1" strike="noStrike">
-              <a:solidFill>
-                <a:srgbClr val="1c1c1c"/>
-              </a:solidFill>
-              <a:latin typeface="Source Sans Pro Semibold"/>
+            <a:endParaRPr b="0" lang="en-US" sz="1400" spc="-1" strike="noStrike">
+              <a:solidFill>
+                <a:srgbClr val="000000"/>
+              </a:solidFill>
+              <a:latin typeface="Arial"/>
             </a:endParaRPr>
           </a:p>
         </p:txBody>
@@ -1181,7 +1184,7 @@
       </p:grpSpPr>
       <p:sp>
         <p:nvSpPr>
-          <p:cNvPr id="9" name="PlaceHolder 1"/>
+          <p:cNvPr id="3" name="PlaceHolder 1"/>
           <p:cNvSpPr>
             <a:spLocks noGrp="1"/>
           </p:cNvSpPr>
@@ -1192,27 +1195,27 @@
         <p:spPr>
           <a:xfrm>
             <a:off x="360000" y="360000"/>
-            <a:ext cx="9360000" cy="900000"/>
-          </a:xfrm>
-          <a:prstGeom prst="rect">
-            <a:avLst/>
-          </a:prstGeom>
-        </p:spPr>
-        <p:txBody>
-          <a:bodyPr lIns="0" rIns="0" tIns="0" bIns="0" anchor="b"/>
-          <a:p>
-            <a:endParaRPr b="1" lang="en-GB" sz="3200" spc="-1" strike="noStrike">
-              <a:solidFill>
-                <a:srgbClr val="ffffff"/>
-              </a:solidFill>
-              <a:latin typeface="Source Sans Pro Black"/>
-            </a:endParaRPr>
-          </a:p>
-        </p:txBody>
-      </p:sp>
-      <p:sp>
-        <p:nvSpPr>
-          <p:cNvPr id="10" name="PlaceHolder 2"/>
+            <a:ext cx="9359640" cy="899640"/>
+          </a:xfrm>
+          <a:prstGeom prst="rect">
+            <a:avLst/>
+          </a:prstGeom>
+        </p:spPr>
+        <p:txBody>
+          <a:bodyPr lIns="0" rIns="0" tIns="0" bIns="0" anchor="ctr"/>
+          <a:p>
+            <a:endParaRPr b="0" lang="en-US" sz="1400" spc="-1" strike="noStrike">
+              <a:solidFill>
+                <a:srgbClr val="000000"/>
+              </a:solidFill>
+              <a:latin typeface="Arial"/>
+            </a:endParaRPr>
+          </a:p>
+        </p:txBody>
+      </p:sp>
+      <p:sp>
+        <p:nvSpPr>
+          <p:cNvPr id="4" name="PlaceHolder 2"/>
           <p:cNvSpPr>
             <a:spLocks noGrp="1"/>
           </p:cNvSpPr>
@@ -1223,20 +1226,18 @@
         <p:spPr>
           <a:xfrm>
             <a:off x="360000" y="1980000"/>
-            <a:ext cx="9180000" cy="4680000"/>
-          </a:xfrm>
-          <a:prstGeom prst="rect">
-            <a:avLst/>
-          </a:prstGeom>
-        </p:spPr>
-        <p:txBody>
-          <a:bodyPr lIns="0" rIns="0" tIns="0" bIns="0"/>
-          <a:p>
-            <a:endParaRPr b="0" lang="en-GB" sz="2600" spc="-1" strike="noStrike">
-              <a:solidFill>
-                <a:srgbClr val="1c1c1c"/>
-              </a:solidFill>
-              <a:latin typeface="Source Sans Pro Light"/>
+            <a:ext cx="9179640" cy="4679640"/>
+          </a:xfrm>
+          <a:prstGeom prst="rect">
+            <a:avLst/>
+          </a:prstGeom>
+        </p:spPr>
+        <p:txBody>
+          <a:bodyPr lIns="0" rIns="0" tIns="0" bIns="0" anchor="ctr"/>
+          <a:p>
+            <a:pPr algn="ctr"/>
+            <a:endParaRPr b="0" lang="en-US" sz="3200" spc="-1" strike="noStrike">
+              <a:latin typeface="Cambria"/>
             </a:endParaRPr>
           </a:p>
         </p:txBody>
@@ -1265,7 +1266,7 @@
       </p:grpSpPr>
       <p:sp>
         <p:nvSpPr>
-          <p:cNvPr id="64" name="PlaceHolder 1"/>
+          <p:cNvPr id="58" name="PlaceHolder 1"/>
           <p:cNvSpPr>
             <a:spLocks noGrp="1"/>
           </p:cNvSpPr>
@@ -1276,27 +1277,27 @@
         <p:spPr>
           <a:xfrm>
             <a:off x="360000" y="360000"/>
-            <a:ext cx="9360000" cy="900000"/>
-          </a:xfrm>
-          <a:prstGeom prst="rect">
-            <a:avLst/>
-          </a:prstGeom>
-        </p:spPr>
-        <p:txBody>
-          <a:bodyPr lIns="0" rIns="0" tIns="0" bIns="0" anchor="b"/>
-          <a:p>
-            <a:endParaRPr b="1" lang="en-GB" sz="3200" spc="-1" strike="noStrike">
-              <a:solidFill>
-                <a:srgbClr val="ffffff"/>
-              </a:solidFill>
-              <a:latin typeface="Source Sans Pro Black"/>
-            </a:endParaRPr>
-          </a:p>
-        </p:txBody>
-      </p:sp>
-      <p:sp>
-        <p:nvSpPr>
-          <p:cNvPr id="65" name="PlaceHolder 2"/>
+            <a:ext cx="9359640" cy="899640"/>
+          </a:xfrm>
+          <a:prstGeom prst="rect">
+            <a:avLst/>
+          </a:prstGeom>
+        </p:spPr>
+        <p:txBody>
+          <a:bodyPr lIns="0" rIns="0" tIns="0" bIns="0" anchor="ctr"/>
+          <a:p>
+            <a:endParaRPr b="0" lang="en-US" sz="1400" spc="-1" strike="noStrike">
+              <a:solidFill>
+                <a:srgbClr val="000000"/>
+              </a:solidFill>
+              <a:latin typeface="Arial"/>
+            </a:endParaRPr>
+          </a:p>
+        </p:txBody>
+      </p:sp>
+      <p:sp>
+        <p:nvSpPr>
+          <p:cNvPr id="59" name="PlaceHolder 2"/>
           <p:cNvSpPr>
             <a:spLocks noGrp="1"/>
           </p:cNvSpPr>
@@ -1307,7 +1308,7 @@
         <p:spPr>
           <a:xfrm>
             <a:off x="360000" y="1980000"/>
-            <a:ext cx="4479480" cy="4680000"/>
+            <a:ext cx="4479480" cy="4679640"/>
           </a:xfrm>
           <a:prstGeom prst="rect">
             <a:avLst/>
@@ -1318,18 +1319,18 @@
             <a:normAutofit/>
           </a:bodyPr>
           <a:p>
-            <a:endParaRPr b="1" lang="en-GB" sz="2600" spc="-1" strike="noStrike">
-              <a:solidFill>
-                <a:srgbClr val="1c1c1c"/>
-              </a:solidFill>
-              <a:latin typeface="Source Sans Pro Semibold"/>
-            </a:endParaRPr>
-          </a:p>
-        </p:txBody>
-      </p:sp>
-      <p:sp>
-        <p:nvSpPr>
-          <p:cNvPr id="66" name="PlaceHolder 3"/>
+            <a:endParaRPr b="0" lang="en-US" sz="1400" spc="-1" strike="noStrike">
+              <a:solidFill>
+                <a:srgbClr val="000000"/>
+              </a:solidFill>
+              <a:latin typeface="Arial"/>
+            </a:endParaRPr>
+          </a:p>
+        </p:txBody>
+      </p:sp>
+      <p:sp>
+        <p:nvSpPr>
+          <p:cNvPr id="60" name="PlaceHolder 3"/>
           <p:cNvSpPr>
             <a:spLocks noGrp="1"/>
           </p:cNvSpPr>
@@ -1351,18 +1352,18 @@
             <a:normAutofit/>
           </a:bodyPr>
           <a:p>
-            <a:endParaRPr b="1" lang="en-GB" sz="2600" spc="-1" strike="noStrike">
-              <a:solidFill>
-                <a:srgbClr val="1c1c1c"/>
-              </a:solidFill>
-              <a:latin typeface="Source Sans Pro Semibold"/>
-            </a:endParaRPr>
-          </a:p>
-        </p:txBody>
-      </p:sp>
-      <p:sp>
-        <p:nvSpPr>
-          <p:cNvPr id="67" name="PlaceHolder 4"/>
+            <a:endParaRPr b="0" lang="en-US" sz="1400" spc="-1" strike="noStrike">
+              <a:solidFill>
+                <a:srgbClr val="000000"/>
+              </a:solidFill>
+              <a:latin typeface="Arial"/>
+            </a:endParaRPr>
+          </a:p>
+        </p:txBody>
+      </p:sp>
+      <p:sp>
+        <p:nvSpPr>
+          <p:cNvPr id="61" name="PlaceHolder 4"/>
           <p:cNvSpPr>
             <a:spLocks noGrp="1"/>
           </p:cNvSpPr>
@@ -1384,11 +1385,11 @@
             <a:normAutofit/>
           </a:bodyPr>
           <a:p>
-            <a:endParaRPr b="1" lang="en-GB" sz="2600" spc="-1" strike="noStrike">
-              <a:solidFill>
-                <a:srgbClr val="1c1c1c"/>
-              </a:solidFill>
-              <a:latin typeface="Source Sans Pro Semibold"/>
+            <a:endParaRPr b="0" lang="en-US" sz="1400" spc="-1" strike="noStrike">
+              <a:solidFill>
+                <a:srgbClr val="000000"/>
+              </a:solidFill>
+              <a:latin typeface="Arial"/>
             </a:endParaRPr>
           </a:p>
         </p:txBody>
@@ -1417,7 +1418,7 @@
       </p:grpSpPr>
       <p:sp>
         <p:nvSpPr>
-          <p:cNvPr id="68" name="PlaceHolder 1"/>
+          <p:cNvPr id="62" name="PlaceHolder 1"/>
           <p:cNvSpPr>
             <a:spLocks noGrp="1"/>
           </p:cNvSpPr>
@@ -1428,27 +1429,27 @@
         <p:spPr>
           <a:xfrm>
             <a:off x="360000" y="360000"/>
-            <a:ext cx="9360000" cy="900000"/>
-          </a:xfrm>
-          <a:prstGeom prst="rect">
-            <a:avLst/>
-          </a:prstGeom>
-        </p:spPr>
-        <p:txBody>
-          <a:bodyPr lIns="0" rIns="0" tIns="0" bIns="0" anchor="b"/>
-          <a:p>
-            <a:endParaRPr b="1" lang="en-GB" sz="3200" spc="-1" strike="noStrike">
-              <a:solidFill>
-                <a:srgbClr val="ffffff"/>
-              </a:solidFill>
-              <a:latin typeface="Source Sans Pro Black"/>
-            </a:endParaRPr>
-          </a:p>
-        </p:txBody>
-      </p:sp>
-      <p:sp>
-        <p:nvSpPr>
-          <p:cNvPr id="69" name="PlaceHolder 2"/>
+            <a:ext cx="9359640" cy="899640"/>
+          </a:xfrm>
+          <a:prstGeom prst="rect">
+            <a:avLst/>
+          </a:prstGeom>
+        </p:spPr>
+        <p:txBody>
+          <a:bodyPr lIns="0" rIns="0" tIns="0" bIns="0" anchor="ctr"/>
+          <a:p>
+            <a:endParaRPr b="0" lang="en-US" sz="1400" spc="-1" strike="noStrike">
+              <a:solidFill>
+                <a:srgbClr val="000000"/>
+              </a:solidFill>
+              <a:latin typeface="Arial"/>
+            </a:endParaRPr>
+          </a:p>
+        </p:txBody>
+      </p:sp>
+      <p:sp>
+        <p:nvSpPr>
+          <p:cNvPr id="63" name="PlaceHolder 2"/>
           <p:cNvSpPr>
             <a:spLocks noGrp="1"/>
           </p:cNvSpPr>
@@ -1470,18 +1471,18 @@
             <a:normAutofit/>
           </a:bodyPr>
           <a:p>
-            <a:endParaRPr b="1" lang="en-GB" sz="2600" spc="-1" strike="noStrike">
-              <a:solidFill>
-                <a:srgbClr val="1c1c1c"/>
-              </a:solidFill>
-              <a:latin typeface="Source Sans Pro Semibold"/>
-            </a:endParaRPr>
-          </a:p>
-        </p:txBody>
-      </p:sp>
-      <p:sp>
-        <p:nvSpPr>
-          <p:cNvPr id="70" name="PlaceHolder 3"/>
+            <a:endParaRPr b="0" lang="en-US" sz="1400" spc="-1" strike="noStrike">
+              <a:solidFill>
+                <a:srgbClr val="000000"/>
+              </a:solidFill>
+              <a:latin typeface="Arial"/>
+            </a:endParaRPr>
+          </a:p>
+        </p:txBody>
+      </p:sp>
+      <p:sp>
+        <p:nvSpPr>
+          <p:cNvPr id="64" name="PlaceHolder 3"/>
           <p:cNvSpPr>
             <a:spLocks noGrp="1"/>
           </p:cNvSpPr>
@@ -1503,18 +1504,18 @@
             <a:normAutofit/>
           </a:bodyPr>
           <a:p>
-            <a:endParaRPr b="1" lang="en-GB" sz="2600" spc="-1" strike="noStrike">
-              <a:solidFill>
-                <a:srgbClr val="1c1c1c"/>
-              </a:solidFill>
-              <a:latin typeface="Source Sans Pro Semibold"/>
-            </a:endParaRPr>
-          </a:p>
-        </p:txBody>
-      </p:sp>
-      <p:sp>
-        <p:nvSpPr>
-          <p:cNvPr id="71" name="PlaceHolder 4"/>
+            <a:endParaRPr b="0" lang="en-US" sz="1400" spc="-1" strike="noStrike">
+              <a:solidFill>
+                <a:srgbClr val="000000"/>
+              </a:solidFill>
+              <a:latin typeface="Arial"/>
+            </a:endParaRPr>
+          </a:p>
+        </p:txBody>
+      </p:sp>
+      <p:sp>
+        <p:nvSpPr>
+          <p:cNvPr id="65" name="PlaceHolder 4"/>
           <p:cNvSpPr>
             <a:spLocks noGrp="1"/>
           </p:cNvSpPr>
@@ -1525,7 +1526,7 @@
         <p:spPr>
           <a:xfrm>
             <a:off x="360000" y="4424400"/>
-            <a:ext cx="9180000" cy="2232000"/>
+            <a:ext cx="9179640" cy="2232000"/>
           </a:xfrm>
           <a:prstGeom prst="rect">
             <a:avLst/>
@@ -1536,11 +1537,11 @@
             <a:normAutofit/>
           </a:bodyPr>
           <a:p>
-            <a:endParaRPr b="1" lang="en-GB" sz="2600" spc="-1" strike="noStrike">
-              <a:solidFill>
-                <a:srgbClr val="1c1c1c"/>
-              </a:solidFill>
-              <a:latin typeface="Source Sans Pro Semibold"/>
+            <a:endParaRPr b="0" lang="en-US" sz="1400" spc="-1" strike="noStrike">
+              <a:solidFill>
+                <a:srgbClr val="000000"/>
+              </a:solidFill>
+              <a:latin typeface="Arial"/>
             </a:endParaRPr>
           </a:p>
         </p:txBody>
@@ -1569,7 +1570,7 @@
       </p:grpSpPr>
       <p:sp>
         <p:nvSpPr>
-          <p:cNvPr id="72" name="PlaceHolder 1"/>
+          <p:cNvPr id="66" name="PlaceHolder 1"/>
           <p:cNvSpPr>
             <a:spLocks noGrp="1"/>
           </p:cNvSpPr>
@@ -1580,27 +1581,27 @@
         <p:spPr>
           <a:xfrm>
             <a:off x="360000" y="360000"/>
-            <a:ext cx="9360000" cy="900000"/>
-          </a:xfrm>
-          <a:prstGeom prst="rect">
-            <a:avLst/>
-          </a:prstGeom>
-        </p:spPr>
-        <p:txBody>
-          <a:bodyPr lIns="0" rIns="0" tIns="0" bIns="0" anchor="b"/>
-          <a:p>
-            <a:endParaRPr b="1" lang="en-GB" sz="3200" spc="-1" strike="noStrike">
-              <a:solidFill>
-                <a:srgbClr val="ffffff"/>
-              </a:solidFill>
-              <a:latin typeface="Source Sans Pro Black"/>
-            </a:endParaRPr>
-          </a:p>
-        </p:txBody>
-      </p:sp>
-      <p:sp>
-        <p:nvSpPr>
-          <p:cNvPr id="73" name="PlaceHolder 2"/>
+            <a:ext cx="9359640" cy="899640"/>
+          </a:xfrm>
+          <a:prstGeom prst="rect">
+            <a:avLst/>
+          </a:prstGeom>
+        </p:spPr>
+        <p:txBody>
+          <a:bodyPr lIns="0" rIns="0" tIns="0" bIns="0" anchor="ctr"/>
+          <a:p>
+            <a:endParaRPr b="0" lang="en-US" sz="1400" spc="-1" strike="noStrike">
+              <a:solidFill>
+                <a:srgbClr val="000000"/>
+              </a:solidFill>
+              <a:latin typeface="Arial"/>
+            </a:endParaRPr>
+          </a:p>
+        </p:txBody>
+      </p:sp>
+      <p:sp>
+        <p:nvSpPr>
+          <p:cNvPr id="67" name="PlaceHolder 2"/>
           <p:cNvSpPr>
             <a:spLocks noGrp="1"/>
           </p:cNvSpPr>
@@ -1611,7 +1612,7 @@
         <p:spPr>
           <a:xfrm>
             <a:off x="360000" y="1980000"/>
-            <a:ext cx="9180000" cy="2232000"/>
+            <a:ext cx="9179640" cy="2232000"/>
           </a:xfrm>
           <a:prstGeom prst="rect">
             <a:avLst/>
@@ -1622,18 +1623,18 @@
             <a:normAutofit/>
           </a:bodyPr>
           <a:p>
-            <a:endParaRPr b="1" lang="en-GB" sz="2600" spc="-1" strike="noStrike">
-              <a:solidFill>
-                <a:srgbClr val="1c1c1c"/>
-              </a:solidFill>
-              <a:latin typeface="Source Sans Pro Semibold"/>
-            </a:endParaRPr>
-          </a:p>
-        </p:txBody>
-      </p:sp>
-      <p:sp>
-        <p:nvSpPr>
-          <p:cNvPr id="74" name="PlaceHolder 3"/>
+            <a:endParaRPr b="0" lang="en-US" sz="1400" spc="-1" strike="noStrike">
+              <a:solidFill>
+                <a:srgbClr val="000000"/>
+              </a:solidFill>
+              <a:latin typeface="Arial"/>
+            </a:endParaRPr>
+          </a:p>
+        </p:txBody>
+      </p:sp>
+      <p:sp>
+        <p:nvSpPr>
+          <p:cNvPr id="68" name="PlaceHolder 3"/>
           <p:cNvSpPr>
             <a:spLocks noGrp="1"/>
           </p:cNvSpPr>
@@ -1644,7 +1645,7 @@
         <p:spPr>
           <a:xfrm>
             <a:off x="360000" y="4424400"/>
-            <a:ext cx="9180000" cy="2232000"/>
+            <a:ext cx="9179640" cy="2232000"/>
           </a:xfrm>
           <a:prstGeom prst="rect">
             <a:avLst/>
@@ -1655,11 +1656,11 @@
             <a:normAutofit/>
           </a:bodyPr>
           <a:p>
-            <a:endParaRPr b="1" lang="en-GB" sz="2600" spc="-1" strike="noStrike">
-              <a:solidFill>
-                <a:srgbClr val="1c1c1c"/>
-              </a:solidFill>
-              <a:latin typeface="Source Sans Pro Semibold"/>
+            <a:endParaRPr b="0" lang="en-US" sz="1400" spc="-1" strike="noStrike">
+              <a:solidFill>
+                <a:srgbClr val="000000"/>
+              </a:solidFill>
+              <a:latin typeface="Arial"/>
             </a:endParaRPr>
           </a:p>
         </p:txBody>
@@ -1688,7 +1689,7 @@
       </p:grpSpPr>
       <p:sp>
         <p:nvSpPr>
-          <p:cNvPr id="75" name="PlaceHolder 1"/>
+          <p:cNvPr id="69" name="PlaceHolder 1"/>
           <p:cNvSpPr>
             <a:spLocks noGrp="1"/>
           </p:cNvSpPr>
@@ -1699,27 +1700,27 @@
         <p:spPr>
           <a:xfrm>
             <a:off x="360000" y="360000"/>
-            <a:ext cx="9360000" cy="900000"/>
-          </a:xfrm>
-          <a:prstGeom prst="rect">
-            <a:avLst/>
-          </a:prstGeom>
-        </p:spPr>
-        <p:txBody>
-          <a:bodyPr lIns="0" rIns="0" tIns="0" bIns="0" anchor="b"/>
-          <a:p>
-            <a:endParaRPr b="1" lang="en-GB" sz="3200" spc="-1" strike="noStrike">
-              <a:solidFill>
-                <a:srgbClr val="ffffff"/>
-              </a:solidFill>
-              <a:latin typeface="Source Sans Pro Black"/>
-            </a:endParaRPr>
-          </a:p>
-        </p:txBody>
-      </p:sp>
-      <p:sp>
-        <p:nvSpPr>
-          <p:cNvPr id="76" name="PlaceHolder 2"/>
+            <a:ext cx="9359640" cy="899640"/>
+          </a:xfrm>
+          <a:prstGeom prst="rect">
+            <a:avLst/>
+          </a:prstGeom>
+        </p:spPr>
+        <p:txBody>
+          <a:bodyPr lIns="0" rIns="0" tIns="0" bIns="0" anchor="ctr"/>
+          <a:p>
+            <a:endParaRPr b="0" lang="en-US" sz="1400" spc="-1" strike="noStrike">
+              <a:solidFill>
+                <a:srgbClr val="000000"/>
+              </a:solidFill>
+              <a:latin typeface="Arial"/>
+            </a:endParaRPr>
+          </a:p>
+        </p:txBody>
+      </p:sp>
+      <p:sp>
+        <p:nvSpPr>
+          <p:cNvPr id="70" name="PlaceHolder 2"/>
           <p:cNvSpPr>
             <a:spLocks noGrp="1"/>
           </p:cNvSpPr>
@@ -1741,18 +1742,18 @@
             <a:normAutofit/>
           </a:bodyPr>
           <a:p>
-            <a:endParaRPr b="1" lang="en-GB" sz="2600" spc="-1" strike="noStrike">
-              <a:solidFill>
-                <a:srgbClr val="1c1c1c"/>
-              </a:solidFill>
-              <a:latin typeface="Source Sans Pro Semibold"/>
-            </a:endParaRPr>
-          </a:p>
-        </p:txBody>
-      </p:sp>
-      <p:sp>
-        <p:nvSpPr>
-          <p:cNvPr id="77" name="PlaceHolder 3"/>
+            <a:endParaRPr b="0" lang="en-US" sz="1400" spc="-1" strike="noStrike">
+              <a:solidFill>
+                <a:srgbClr val="000000"/>
+              </a:solidFill>
+              <a:latin typeface="Arial"/>
+            </a:endParaRPr>
+          </a:p>
+        </p:txBody>
+      </p:sp>
+      <p:sp>
+        <p:nvSpPr>
+          <p:cNvPr id="71" name="PlaceHolder 3"/>
           <p:cNvSpPr>
             <a:spLocks noGrp="1"/>
           </p:cNvSpPr>
@@ -1774,18 +1775,18 @@
             <a:normAutofit/>
           </a:bodyPr>
           <a:p>
-            <a:endParaRPr b="1" lang="en-GB" sz="2600" spc="-1" strike="noStrike">
-              <a:solidFill>
-                <a:srgbClr val="1c1c1c"/>
-              </a:solidFill>
-              <a:latin typeface="Source Sans Pro Semibold"/>
-            </a:endParaRPr>
-          </a:p>
-        </p:txBody>
-      </p:sp>
-      <p:sp>
-        <p:nvSpPr>
-          <p:cNvPr id="78" name="PlaceHolder 4"/>
+            <a:endParaRPr b="0" lang="en-US" sz="1400" spc="-1" strike="noStrike">
+              <a:solidFill>
+                <a:srgbClr val="000000"/>
+              </a:solidFill>
+              <a:latin typeface="Arial"/>
+            </a:endParaRPr>
+          </a:p>
+        </p:txBody>
+      </p:sp>
+      <p:sp>
+        <p:nvSpPr>
+          <p:cNvPr id="72" name="PlaceHolder 4"/>
           <p:cNvSpPr>
             <a:spLocks noGrp="1"/>
           </p:cNvSpPr>
@@ -1807,18 +1808,18 @@
             <a:normAutofit/>
           </a:bodyPr>
           <a:p>
-            <a:endParaRPr b="1" lang="en-GB" sz="2600" spc="-1" strike="noStrike">
-              <a:solidFill>
-                <a:srgbClr val="1c1c1c"/>
-              </a:solidFill>
-              <a:latin typeface="Source Sans Pro Semibold"/>
-            </a:endParaRPr>
-          </a:p>
-        </p:txBody>
-      </p:sp>
-      <p:sp>
-        <p:nvSpPr>
-          <p:cNvPr id="79" name="PlaceHolder 5"/>
+            <a:endParaRPr b="0" lang="en-US" sz="1400" spc="-1" strike="noStrike">
+              <a:solidFill>
+                <a:srgbClr val="000000"/>
+              </a:solidFill>
+              <a:latin typeface="Arial"/>
+            </a:endParaRPr>
+          </a:p>
+        </p:txBody>
+      </p:sp>
+      <p:sp>
+        <p:nvSpPr>
+          <p:cNvPr id="73" name="PlaceHolder 5"/>
           <p:cNvSpPr>
             <a:spLocks noGrp="1"/>
           </p:cNvSpPr>
@@ -1840,11 +1841,11 @@
             <a:normAutofit/>
           </a:bodyPr>
           <a:p>
-            <a:endParaRPr b="1" lang="en-GB" sz="2600" spc="-1" strike="noStrike">
-              <a:solidFill>
-                <a:srgbClr val="1c1c1c"/>
-              </a:solidFill>
-              <a:latin typeface="Source Sans Pro Semibold"/>
+            <a:endParaRPr b="0" lang="en-US" sz="1400" spc="-1" strike="noStrike">
+              <a:solidFill>
+                <a:srgbClr val="000000"/>
+              </a:solidFill>
+              <a:latin typeface="Arial"/>
             </a:endParaRPr>
           </a:p>
         </p:txBody>
@@ -1873,7 +1874,7 @@
       </p:grpSpPr>
       <p:sp>
         <p:nvSpPr>
-          <p:cNvPr id="80" name="PlaceHolder 1"/>
+          <p:cNvPr id="74" name="PlaceHolder 1"/>
           <p:cNvSpPr>
             <a:spLocks noGrp="1"/>
           </p:cNvSpPr>
@@ -1884,27 +1885,27 @@
         <p:spPr>
           <a:xfrm>
             <a:off x="360000" y="360000"/>
-            <a:ext cx="9360000" cy="900000"/>
-          </a:xfrm>
-          <a:prstGeom prst="rect">
-            <a:avLst/>
-          </a:prstGeom>
-        </p:spPr>
-        <p:txBody>
-          <a:bodyPr lIns="0" rIns="0" tIns="0" bIns="0" anchor="b"/>
-          <a:p>
-            <a:endParaRPr b="1" lang="en-GB" sz="3200" spc="-1" strike="noStrike">
-              <a:solidFill>
-                <a:srgbClr val="ffffff"/>
-              </a:solidFill>
-              <a:latin typeface="Source Sans Pro Black"/>
-            </a:endParaRPr>
-          </a:p>
-        </p:txBody>
-      </p:sp>
-      <p:sp>
-        <p:nvSpPr>
-          <p:cNvPr id="81" name="PlaceHolder 2"/>
+            <a:ext cx="9359640" cy="899640"/>
+          </a:xfrm>
+          <a:prstGeom prst="rect">
+            <a:avLst/>
+          </a:prstGeom>
+        </p:spPr>
+        <p:txBody>
+          <a:bodyPr lIns="0" rIns="0" tIns="0" bIns="0" anchor="ctr"/>
+          <a:p>
+            <a:endParaRPr b="0" lang="en-US" sz="1400" spc="-1" strike="noStrike">
+              <a:solidFill>
+                <a:srgbClr val="000000"/>
+              </a:solidFill>
+              <a:latin typeface="Arial"/>
+            </a:endParaRPr>
+          </a:p>
+        </p:txBody>
+      </p:sp>
+      <p:sp>
+        <p:nvSpPr>
+          <p:cNvPr id="75" name="PlaceHolder 2"/>
           <p:cNvSpPr>
             <a:spLocks noGrp="1"/>
           </p:cNvSpPr>
@@ -1926,18 +1927,18 @@
             <a:normAutofit/>
           </a:bodyPr>
           <a:p>
-            <a:endParaRPr b="1" lang="en-GB" sz="2600" spc="-1" strike="noStrike">
-              <a:solidFill>
-                <a:srgbClr val="1c1c1c"/>
-              </a:solidFill>
-              <a:latin typeface="Source Sans Pro Semibold"/>
-            </a:endParaRPr>
-          </a:p>
-        </p:txBody>
-      </p:sp>
-      <p:sp>
-        <p:nvSpPr>
-          <p:cNvPr id="82" name="PlaceHolder 3"/>
+            <a:endParaRPr b="0" lang="en-US" sz="1400" spc="-1" strike="noStrike">
+              <a:solidFill>
+                <a:srgbClr val="000000"/>
+              </a:solidFill>
+              <a:latin typeface="Arial"/>
+            </a:endParaRPr>
+          </a:p>
+        </p:txBody>
+      </p:sp>
+      <p:sp>
+        <p:nvSpPr>
+          <p:cNvPr id="76" name="PlaceHolder 3"/>
           <p:cNvSpPr>
             <a:spLocks noGrp="1"/>
           </p:cNvSpPr>
@@ -1959,18 +1960,18 @@
             <a:normAutofit/>
           </a:bodyPr>
           <a:p>
-            <a:endParaRPr b="1" lang="en-GB" sz="2600" spc="-1" strike="noStrike">
-              <a:solidFill>
-                <a:srgbClr val="1c1c1c"/>
-              </a:solidFill>
-              <a:latin typeface="Source Sans Pro Semibold"/>
-            </a:endParaRPr>
-          </a:p>
-        </p:txBody>
-      </p:sp>
-      <p:sp>
-        <p:nvSpPr>
-          <p:cNvPr id="83" name="PlaceHolder 4"/>
+            <a:endParaRPr b="0" lang="en-US" sz="1400" spc="-1" strike="noStrike">
+              <a:solidFill>
+                <a:srgbClr val="000000"/>
+              </a:solidFill>
+              <a:latin typeface="Arial"/>
+            </a:endParaRPr>
+          </a:p>
+        </p:txBody>
+      </p:sp>
+      <p:sp>
+        <p:nvSpPr>
+          <p:cNvPr id="77" name="PlaceHolder 4"/>
           <p:cNvSpPr>
             <a:spLocks noGrp="1"/>
           </p:cNvSpPr>
@@ -1992,18 +1993,18 @@
             <a:normAutofit/>
           </a:bodyPr>
           <a:p>
-            <a:endParaRPr b="1" lang="en-GB" sz="2600" spc="-1" strike="noStrike">
-              <a:solidFill>
-                <a:srgbClr val="1c1c1c"/>
-              </a:solidFill>
-              <a:latin typeface="Source Sans Pro Semibold"/>
-            </a:endParaRPr>
-          </a:p>
-        </p:txBody>
-      </p:sp>
-      <p:sp>
-        <p:nvSpPr>
-          <p:cNvPr id="84" name="PlaceHolder 5"/>
+            <a:endParaRPr b="0" lang="en-US" sz="1400" spc="-1" strike="noStrike">
+              <a:solidFill>
+                <a:srgbClr val="000000"/>
+              </a:solidFill>
+              <a:latin typeface="Arial"/>
+            </a:endParaRPr>
+          </a:p>
+        </p:txBody>
+      </p:sp>
+      <p:sp>
+        <p:nvSpPr>
+          <p:cNvPr id="78" name="PlaceHolder 5"/>
           <p:cNvSpPr>
             <a:spLocks noGrp="1"/>
           </p:cNvSpPr>
@@ -2025,18 +2026,18 @@
             <a:normAutofit/>
           </a:bodyPr>
           <a:p>
-            <a:endParaRPr b="1" lang="en-GB" sz="2600" spc="-1" strike="noStrike">
-              <a:solidFill>
-                <a:srgbClr val="1c1c1c"/>
-              </a:solidFill>
-              <a:latin typeface="Source Sans Pro Semibold"/>
-            </a:endParaRPr>
-          </a:p>
-        </p:txBody>
-      </p:sp>
-      <p:sp>
-        <p:nvSpPr>
-          <p:cNvPr id="85" name="PlaceHolder 6"/>
+            <a:endParaRPr b="0" lang="en-US" sz="1400" spc="-1" strike="noStrike">
+              <a:solidFill>
+                <a:srgbClr val="000000"/>
+              </a:solidFill>
+              <a:latin typeface="Arial"/>
+            </a:endParaRPr>
+          </a:p>
+        </p:txBody>
+      </p:sp>
+      <p:sp>
+        <p:nvSpPr>
+          <p:cNvPr id="79" name="PlaceHolder 6"/>
           <p:cNvSpPr>
             <a:spLocks noGrp="1"/>
           </p:cNvSpPr>
@@ -2058,18 +2059,18 @@
             <a:normAutofit/>
           </a:bodyPr>
           <a:p>
-            <a:endParaRPr b="1" lang="en-GB" sz="2600" spc="-1" strike="noStrike">
-              <a:solidFill>
-                <a:srgbClr val="1c1c1c"/>
-              </a:solidFill>
-              <a:latin typeface="Source Sans Pro Semibold"/>
-            </a:endParaRPr>
-          </a:p>
-        </p:txBody>
-      </p:sp>
-      <p:sp>
-        <p:nvSpPr>
-          <p:cNvPr id="86" name="PlaceHolder 7"/>
+            <a:endParaRPr b="0" lang="en-US" sz="1400" spc="-1" strike="noStrike">
+              <a:solidFill>
+                <a:srgbClr val="000000"/>
+              </a:solidFill>
+              <a:latin typeface="Arial"/>
+            </a:endParaRPr>
+          </a:p>
+        </p:txBody>
+      </p:sp>
+      <p:sp>
+        <p:nvSpPr>
+          <p:cNvPr id="80" name="PlaceHolder 7"/>
           <p:cNvSpPr>
             <a:spLocks noGrp="1"/>
           </p:cNvSpPr>
@@ -2091,11 +2092,11 @@
             <a:normAutofit/>
           </a:bodyPr>
           <a:p>
-            <a:endParaRPr b="1" lang="en-GB" sz="2600" spc="-1" strike="noStrike">
-              <a:solidFill>
-                <a:srgbClr val="1c1c1c"/>
-              </a:solidFill>
-              <a:latin typeface="Source Sans Pro Semibold"/>
+            <a:endParaRPr b="0" lang="en-US" sz="1400" spc="-1" strike="noStrike">
+              <a:solidFill>
+                <a:srgbClr val="000000"/>
+              </a:solidFill>
+              <a:latin typeface="Arial"/>
             </a:endParaRPr>
           </a:p>
         </p:txBody>
@@ -2124,7 +2125,7 @@
       </p:grpSpPr>
       <p:sp>
         <p:nvSpPr>
-          <p:cNvPr id="11" name="PlaceHolder 1"/>
+          <p:cNvPr id="5" name="PlaceHolder 1"/>
           <p:cNvSpPr>
             <a:spLocks noGrp="1"/>
           </p:cNvSpPr>
@@ -2135,27 +2136,27 @@
         <p:spPr>
           <a:xfrm>
             <a:off x="360000" y="360000"/>
-            <a:ext cx="9360000" cy="900000"/>
-          </a:xfrm>
-          <a:prstGeom prst="rect">
-            <a:avLst/>
-          </a:prstGeom>
-        </p:spPr>
-        <p:txBody>
-          <a:bodyPr lIns="0" rIns="0" tIns="0" bIns="0" anchor="b"/>
-          <a:p>
-            <a:endParaRPr b="1" lang="en-GB" sz="3200" spc="-1" strike="noStrike">
-              <a:solidFill>
-                <a:srgbClr val="ffffff"/>
-              </a:solidFill>
-              <a:latin typeface="Source Sans Pro Black"/>
-            </a:endParaRPr>
-          </a:p>
-        </p:txBody>
-      </p:sp>
-      <p:sp>
-        <p:nvSpPr>
-          <p:cNvPr id="12" name="PlaceHolder 2"/>
+            <a:ext cx="9359640" cy="899640"/>
+          </a:xfrm>
+          <a:prstGeom prst="rect">
+            <a:avLst/>
+          </a:prstGeom>
+        </p:spPr>
+        <p:txBody>
+          <a:bodyPr lIns="0" rIns="0" tIns="0" bIns="0" anchor="ctr"/>
+          <a:p>
+            <a:endParaRPr b="0" lang="en-US" sz="1400" spc="-1" strike="noStrike">
+              <a:solidFill>
+                <a:srgbClr val="000000"/>
+              </a:solidFill>
+              <a:latin typeface="Arial"/>
+            </a:endParaRPr>
+          </a:p>
+        </p:txBody>
+      </p:sp>
+      <p:sp>
+        <p:nvSpPr>
+          <p:cNvPr id="6" name="PlaceHolder 2"/>
           <p:cNvSpPr>
             <a:spLocks noGrp="1"/>
           </p:cNvSpPr>
@@ -2166,7 +2167,7 @@
         <p:spPr>
           <a:xfrm>
             <a:off x="360000" y="1980000"/>
-            <a:ext cx="9180000" cy="4680000"/>
+            <a:ext cx="9179640" cy="4679640"/>
           </a:xfrm>
           <a:prstGeom prst="rect">
             <a:avLst/>
@@ -2177,11 +2178,11 @@
             <a:normAutofit/>
           </a:bodyPr>
           <a:p>
-            <a:endParaRPr b="1" lang="en-GB" sz="2600" spc="-1" strike="noStrike">
-              <a:solidFill>
-                <a:srgbClr val="1c1c1c"/>
-              </a:solidFill>
-              <a:latin typeface="Source Sans Pro Semibold"/>
+            <a:endParaRPr b="0" lang="en-US" sz="1400" spc="-1" strike="noStrike">
+              <a:solidFill>
+                <a:srgbClr val="000000"/>
+              </a:solidFill>
+              <a:latin typeface="Arial"/>
             </a:endParaRPr>
           </a:p>
         </p:txBody>
@@ -2210,7 +2211,7 @@
       </p:grpSpPr>
       <p:sp>
         <p:nvSpPr>
-          <p:cNvPr id="13" name="PlaceHolder 1"/>
+          <p:cNvPr id="7" name="PlaceHolder 1"/>
           <p:cNvSpPr>
             <a:spLocks noGrp="1"/>
           </p:cNvSpPr>
@@ -2221,27 +2222,27 @@
         <p:spPr>
           <a:xfrm>
             <a:off x="360000" y="360000"/>
-            <a:ext cx="9360000" cy="900000"/>
-          </a:xfrm>
-          <a:prstGeom prst="rect">
-            <a:avLst/>
-          </a:prstGeom>
-        </p:spPr>
-        <p:txBody>
-          <a:bodyPr lIns="0" rIns="0" tIns="0" bIns="0" anchor="b"/>
-          <a:p>
-            <a:endParaRPr b="1" lang="en-GB" sz="3200" spc="-1" strike="noStrike">
-              <a:solidFill>
-                <a:srgbClr val="ffffff"/>
-              </a:solidFill>
-              <a:latin typeface="Source Sans Pro Black"/>
-            </a:endParaRPr>
-          </a:p>
-        </p:txBody>
-      </p:sp>
-      <p:sp>
-        <p:nvSpPr>
-          <p:cNvPr id="14" name="PlaceHolder 2"/>
+            <a:ext cx="9359640" cy="899640"/>
+          </a:xfrm>
+          <a:prstGeom prst="rect">
+            <a:avLst/>
+          </a:prstGeom>
+        </p:spPr>
+        <p:txBody>
+          <a:bodyPr lIns="0" rIns="0" tIns="0" bIns="0" anchor="ctr"/>
+          <a:p>
+            <a:endParaRPr b="0" lang="en-US" sz="1400" spc="-1" strike="noStrike">
+              <a:solidFill>
+                <a:srgbClr val="000000"/>
+              </a:solidFill>
+              <a:latin typeface="Arial"/>
+            </a:endParaRPr>
+          </a:p>
+        </p:txBody>
+      </p:sp>
+      <p:sp>
+        <p:nvSpPr>
+          <p:cNvPr id="8" name="PlaceHolder 2"/>
           <p:cNvSpPr>
             <a:spLocks noGrp="1"/>
           </p:cNvSpPr>
@@ -2252,7 +2253,7 @@
         <p:spPr>
           <a:xfrm>
             <a:off x="360000" y="1980000"/>
-            <a:ext cx="4479480" cy="4680000"/>
+            <a:ext cx="4479480" cy="4679640"/>
           </a:xfrm>
           <a:prstGeom prst="rect">
             <a:avLst/>
@@ -2263,18 +2264,18 @@
             <a:normAutofit/>
           </a:bodyPr>
           <a:p>
-            <a:endParaRPr b="1" lang="en-GB" sz="2600" spc="-1" strike="noStrike">
-              <a:solidFill>
-                <a:srgbClr val="1c1c1c"/>
-              </a:solidFill>
-              <a:latin typeface="Source Sans Pro Semibold"/>
-            </a:endParaRPr>
-          </a:p>
-        </p:txBody>
-      </p:sp>
-      <p:sp>
-        <p:nvSpPr>
-          <p:cNvPr id="15" name="PlaceHolder 3"/>
+            <a:endParaRPr b="0" lang="en-US" sz="1400" spc="-1" strike="noStrike">
+              <a:solidFill>
+                <a:srgbClr val="000000"/>
+              </a:solidFill>
+              <a:latin typeface="Arial"/>
+            </a:endParaRPr>
+          </a:p>
+        </p:txBody>
+      </p:sp>
+      <p:sp>
+        <p:nvSpPr>
+          <p:cNvPr id="9" name="PlaceHolder 3"/>
           <p:cNvSpPr>
             <a:spLocks noGrp="1"/>
           </p:cNvSpPr>
@@ -2285,7 +2286,7 @@
         <p:spPr>
           <a:xfrm>
             <a:off x="5063760" y="1980000"/>
-            <a:ext cx="4479480" cy="4680000"/>
+            <a:ext cx="4479480" cy="4679640"/>
           </a:xfrm>
           <a:prstGeom prst="rect">
             <a:avLst/>
@@ -2296,11 +2297,11 @@
             <a:normAutofit/>
           </a:bodyPr>
           <a:p>
-            <a:endParaRPr b="1" lang="en-GB" sz="2600" spc="-1" strike="noStrike">
-              <a:solidFill>
-                <a:srgbClr val="1c1c1c"/>
-              </a:solidFill>
-              <a:latin typeface="Source Sans Pro Semibold"/>
+            <a:endParaRPr b="0" lang="en-US" sz="1400" spc="-1" strike="noStrike">
+              <a:solidFill>
+                <a:srgbClr val="000000"/>
+              </a:solidFill>
+              <a:latin typeface="Arial"/>
             </a:endParaRPr>
           </a:p>
         </p:txBody>
@@ -2329,7 +2330,7 @@
       </p:grpSpPr>
       <p:sp>
         <p:nvSpPr>
-          <p:cNvPr id="16" name="PlaceHolder 1"/>
+          <p:cNvPr id="10" name="PlaceHolder 1"/>
           <p:cNvSpPr>
             <a:spLocks noGrp="1"/>
           </p:cNvSpPr>
@@ -2340,20 +2341,20 @@
         <p:spPr>
           <a:xfrm>
             <a:off x="360000" y="360000"/>
-            <a:ext cx="9360000" cy="900000"/>
-          </a:xfrm>
-          <a:prstGeom prst="rect">
-            <a:avLst/>
-          </a:prstGeom>
-        </p:spPr>
-        <p:txBody>
-          <a:bodyPr lIns="0" rIns="0" tIns="0" bIns="0" anchor="b"/>
-          <a:p>
-            <a:endParaRPr b="1" lang="en-GB" sz="3200" spc="-1" strike="noStrike">
-              <a:solidFill>
-                <a:srgbClr val="ffffff"/>
-              </a:solidFill>
-              <a:latin typeface="Source Sans Pro Black"/>
+            <a:ext cx="9359640" cy="899640"/>
+          </a:xfrm>
+          <a:prstGeom prst="rect">
+            <a:avLst/>
+          </a:prstGeom>
+        </p:spPr>
+        <p:txBody>
+          <a:bodyPr lIns="0" rIns="0" tIns="0" bIns="0" anchor="ctr"/>
+          <a:p>
+            <a:endParaRPr b="0" lang="en-US" sz="1400" spc="-1" strike="noStrike">
+              <a:solidFill>
+                <a:srgbClr val="000000"/>
+              </a:solidFill>
+              <a:latin typeface="Arial"/>
             </a:endParaRPr>
           </a:p>
         </p:txBody>
@@ -2382,7 +2383,7 @@
       </p:grpSpPr>
       <p:sp>
         <p:nvSpPr>
-          <p:cNvPr id="17" name="PlaceHolder 1"/>
+          <p:cNvPr id="11" name="PlaceHolder 1"/>
           <p:cNvSpPr>
             <a:spLocks noGrp="1"/>
           </p:cNvSpPr>
@@ -2393,20 +2394,18 @@
         <p:spPr>
           <a:xfrm>
             <a:off x="360000" y="360000"/>
-            <a:ext cx="9360000" cy="4173120"/>
-          </a:xfrm>
-          <a:prstGeom prst="rect">
-            <a:avLst/>
-          </a:prstGeom>
-        </p:spPr>
-        <p:txBody>
-          <a:bodyPr lIns="0" rIns="0" tIns="0" bIns="0"/>
-          <a:p>
-            <a:endParaRPr b="0" lang="en-GB" sz="2600" spc="-1" strike="noStrike">
-              <a:solidFill>
-                <a:srgbClr val="1c1c1c"/>
-              </a:solidFill>
-              <a:latin typeface="Source Sans Pro Light"/>
+            <a:ext cx="9359640" cy="4171680"/>
+          </a:xfrm>
+          <a:prstGeom prst="rect">
+            <a:avLst/>
+          </a:prstGeom>
+        </p:spPr>
+        <p:txBody>
+          <a:bodyPr lIns="0" rIns="0" tIns="0" bIns="0" anchor="ctr"/>
+          <a:p>
+            <a:pPr algn="ctr"/>
+            <a:endParaRPr b="0" lang="en-US" sz="3200" spc="-1" strike="noStrike">
+              <a:latin typeface="Cambria"/>
             </a:endParaRPr>
           </a:p>
         </p:txBody>
@@ -2435,7 +2434,7 @@
       </p:grpSpPr>
       <p:sp>
         <p:nvSpPr>
-          <p:cNvPr id="18" name="PlaceHolder 1"/>
+          <p:cNvPr id="12" name="PlaceHolder 1"/>
           <p:cNvSpPr>
             <a:spLocks noGrp="1"/>
           </p:cNvSpPr>
@@ -2446,27 +2445,27 @@
         <p:spPr>
           <a:xfrm>
             <a:off x="360000" y="360000"/>
-            <a:ext cx="9360000" cy="900000"/>
-          </a:xfrm>
-          <a:prstGeom prst="rect">
-            <a:avLst/>
-          </a:prstGeom>
-        </p:spPr>
-        <p:txBody>
-          <a:bodyPr lIns="0" rIns="0" tIns="0" bIns="0" anchor="b"/>
-          <a:p>
-            <a:endParaRPr b="1" lang="en-GB" sz="3200" spc="-1" strike="noStrike">
-              <a:solidFill>
-                <a:srgbClr val="ffffff"/>
-              </a:solidFill>
-              <a:latin typeface="Source Sans Pro Black"/>
-            </a:endParaRPr>
-          </a:p>
-        </p:txBody>
-      </p:sp>
-      <p:sp>
-        <p:nvSpPr>
-          <p:cNvPr id="19" name="PlaceHolder 2"/>
+            <a:ext cx="9359640" cy="899640"/>
+          </a:xfrm>
+          <a:prstGeom prst="rect">
+            <a:avLst/>
+          </a:prstGeom>
+        </p:spPr>
+        <p:txBody>
+          <a:bodyPr lIns="0" rIns="0" tIns="0" bIns="0" anchor="ctr"/>
+          <a:p>
+            <a:endParaRPr b="0" lang="en-US" sz="1400" spc="-1" strike="noStrike">
+              <a:solidFill>
+                <a:srgbClr val="000000"/>
+              </a:solidFill>
+              <a:latin typeface="Arial"/>
+            </a:endParaRPr>
+          </a:p>
+        </p:txBody>
+      </p:sp>
+      <p:sp>
+        <p:nvSpPr>
+          <p:cNvPr id="13" name="PlaceHolder 2"/>
           <p:cNvSpPr>
             <a:spLocks noGrp="1"/>
           </p:cNvSpPr>
@@ -2488,18 +2487,18 @@
             <a:normAutofit/>
           </a:bodyPr>
           <a:p>
-            <a:endParaRPr b="1" lang="en-GB" sz="2600" spc="-1" strike="noStrike">
-              <a:solidFill>
-                <a:srgbClr val="1c1c1c"/>
-              </a:solidFill>
-              <a:latin typeface="Source Sans Pro Semibold"/>
-            </a:endParaRPr>
-          </a:p>
-        </p:txBody>
-      </p:sp>
-      <p:sp>
-        <p:nvSpPr>
-          <p:cNvPr id="20" name="PlaceHolder 3"/>
+            <a:endParaRPr b="0" lang="en-US" sz="1400" spc="-1" strike="noStrike">
+              <a:solidFill>
+                <a:srgbClr val="000000"/>
+              </a:solidFill>
+              <a:latin typeface="Arial"/>
+            </a:endParaRPr>
+          </a:p>
+        </p:txBody>
+      </p:sp>
+      <p:sp>
+        <p:nvSpPr>
+          <p:cNvPr id="14" name="PlaceHolder 3"/>
           <p:cNvSpPr>
             <a:spLocks noGrp="1"/>
           </p:cNvSpPr>
@@ -2510,7 +2509,7 @@
         <p:spPr>
           <a:xfrm>
             <a:off x="5063760" y="1980000"/>
-            <a:ext cx="4479480" cy="4680000"/>
+            <a:ext cx="4479480" cy="4679640"/>
           </a:xfrm>
           <a:prstGeom prst="rect">
             <a:avLst/>
@@ -2521,18 +2520,18 @@
             <a:normAutofit/>
           </a:bodyPr>
           <a:p>
-            <a:endParaRPr b="1" lang="en-GB" sz="2600" spc="-1" strike="noStrike">
-              <a:solidFill>
-                <a:srgbClr val="1c1c1c"/>
-              </a:solidFill>
-              <a:latin typeface="Source Sans Pro Semibold"/>
-            </a:endParaRPr>
-          </a:p>
-        </p:txBody>
-      </p:sp>
-      <p:sp>
-        <p:nvSpPr>
-          <p:cNvPr id="21" name="PlaceHolder 4"/>
+            <a:endParaRPr b="0" lang="en-US" sz="1400" spc="-1" strike="noStrike">
+              <a:solidFill>
+                <a:srgbClr val="000000"/>
+              </a:solidFill>
+              <a:latin typeface="Arial"/>
+            </a:endParaRPr>
+          </a:p>
+        </p:txBody>
+      </p:sp>
+      <p:sp>
+        <p:nvSpPr>
+          <p:cNvPr id="15" name="PlaceHolder 4"/>
           <p:cNvSpPr>
             <a:spLocks noGrp="1"/>
           </p:cNvSpPr>
@@ -2554,11 +2553,11 @@
             <a:normAutofit/>
           </a:bodyPr>
           <a:p>
-            <a:endParaRPr b="1" lang="en-GB" sz="2600" spc="-1" strike="noStrike">
-              <a:solidFill>
-                <a:srgbClr val="1c1c1c"/>
-              </a:solidFill>
-              <a:latin typeface="Source Sans Pro Semibold"/>
+            <a:endParaRPr b="0" lang="en-US" sz="1400" spc="-1" strike="noStrike">
+              <a:solidFill>
+                <a:srgbClr val="000000"/>
+              </a:solidFill>
+              <a:latin typeface="Arial"/>
             </a:endParaRPr>
           </a:p>
         </p:txBody>
@@ -2587,7 +2586,7 @@
       </p:grpSpPr>
       <p:sp>
         <p:nvSpPr>
-          <p:cNvPr id="22" name="PlaceHolder 1"/>
+          <p:cNvPr id="16" name="PlaceHolder 1"/>
           <p:cNvSpPr>
             <a:spLocks noGrp="1"/>
           </p:cNvSpPr>
@@ -2598,27 +2597,27 @@
         <p:spPr>
           <a:xfrm>
             <a:off x="360000" y="360000"/>
-            <a:ext cx="9360000" cy="900000"/>
-          </a:xfrm>
-          <a:prstGeom prst="rect">
-            <a:avLst/>
-          </a:prstGeom>
-        </p:spPr>
-        <p:txBody>
-          <a:bodyPr lIns="0" rIns="0" tIns="0" bIns="0" anchor="b"/>
-          <a:p>
-            <a:endParaRPr b="1" lang="en-GB" sz="3200" spc="-1" strike="noStrike">
-              <a:solidFill>
-                <a:srgbClr val="ffffff"/>
-              </a:solidFill>
-              <a:latin typeface="Source Sans Pro Black"/>
-            </a:endParaRPr>
-          </a:p>
-        </p:txBody>
-      </p:sp>
-      <p:sp>
-        <p:nvSpPr>
-          <p:cNvPr id="23" name="PlaceHolder 2"/>
+            <a:ext cx="9359640" cy="899640"/>
+          </a:xfrm>
+          <a:prstGeom prst="rect">
+            <a:avLst/>
+          </a:prstGeom>
+        </p:spPr>
+        <p:txBody>
+          <a:bodyPr lIns="0" rIns="0" tIns="0" bIns="0" anchor="ctr"/>
+          <a:p>
+            <a:endParaRPr b="0" lang="en-US" sz="1400" spc="-1" strike="noStrike">
+              <a:solidFill>
+                <a:srgbClr val="000000"/>
+              </a:solidFill>
+              <a:latin typeface="Arial"/>
+            </a:endParaRPr>
+          </a:p>
+        </p:txBody>
+      </p:sp>
+      <p:sp>
+        <p:nvSpPr>
+          <p:cNvPr id="17" name="PlaceHolder 2"/>
           <p:cNvSpPr>
             <a:spLocks noGrp="1"/>
           </p:cNvSpPr>
@@ -2629,7 +2628,7 @@
         <p:spPr>
           <a:xfrm>
             <a:off x="360000" y="1980000"/>
-            <a:ext cx="4479480" cy="4680000"/>
+            <a:ext cx="4479480" cy="4679640"/>
           </a:xfrm>
           <a:prstGeom prst="rect">
             <a:avLst/>
@@ -2640,18 +2639,18 @@
             <a:normAutofit/>
           </a:bodyPr>
           <a:p>
-            <a:endParaRPr b="1" lang="en-GB" sz="2600" spc="-1" strike="noStrike">
-              <a:solidFill>
-                <a:srgbClr val="1c1c1c"/>
-              </a:solidFill>
-              <a:latin typeface="Source Sans Pro Semibold"/>
-            </a:endParaRPr>
-          </a:p>
-        </p:txBody>
-      </p:sp>
-      <p:sp>
-        <p:nvSpPr>
-          <p:cNvPr id="24" name="PlaceHolder 3"/>
+            <a:endParaRPr b="0" lang="en-US" sz="1400" spc="-1" strike="noStrike">
+              <a:solidFill>
+                <a:srgbClr val="000000"/>
+              </a:solidFill>
+              <a:latin typeface="Arial"/>
+            </a:endParaRPr>
+          </a:p>
+        </p:txBody>
+      </p:sp>
+      <p:sp>
+        <p:nvSpPr>
+          <p:cNvPr id="18" name="PlaceHolder 3"/>
           <p:cNvSpPr>
             <a:spLocks noGrp="1"/>
           </p:cNvSpPr>
@@ -2673,18 +2672,18 @@
             <a:normAutofit/>
           </a:bodyPr>
           <a:p>
-            <a:endParaRPr b="1" lang="en-GB" sz="2600" spc="-1" strike="noStrike">
-              <a:solidFill>
-                <a:srgbClr val="1c1c1c"/>
-              </a:solidFill>
-              <a:latin typeface="Source Sans Pro Semibold"/>
-            </a:endParaRPr>
-          </a:p>
-        </p:txBody>
-      </p:sp>
-      <p:sp>
-        <p:nvSpPr>
-          <p:cNvPr id="25" name="PlaceHolder 4"/>
+            <a:endParaRPr b="0" lang="en-US" sz="1400" spc="-1" strike="noStrike">
+              <a:solidFill>
+                <a:srgbClr val="000000"/>
+              </a:solidFill>
+              <a:latin typeface="Arial"/>
+            </a:endParaRPr>
+          </a:p>
+        </p:txBody>
+      </p:sp>
+      <p:sp>
+        <p:nvSpPr>
+          <p:cNvPr id="19" name="PlaceHolder 4"/>
           <p:cNvSpPr>
             <a:spLocks noGrp="1"/>
           </p:cNvSpPr>
@@ -2706,11 +2705,11 @@
             <a:normAutofit/>
           </a:bodyPr>
           <a:p>
-            <a:endParaRPr b="1" lang="en-GB" sz="2600" spc="-1" strike="noStrike">
-              <a:solidFill>
-                <a:srgbClr val="1c1c1c"/>
-              </a:solidFill>
-              <a:latin typeface="Source Sans Pro Semibold"/>
+            <a:endParaRPr b="0" lang="en-US" sz="1400" spc="-1" strike="noStrike">
+              <a:solidFill>
+                <a:srgbClr val="000000"/>
+              </a:solidFill>
+              <a:latin typeface="Arial"/>
             </a:endParaRPr>
           </a:p>
         </p:txBody>
@@ -2739,7 +2738,7 @@
       </p:grpSpPr>
       <p:sp>
         <p:nvSpPr>
-          <p:cNvPr id="26" name="PlaceHolder 1"/>
+          <p:cNvPr id="20" name="PlaceHolder 1"/>
           <p:cNvSpPr>
             <a:spLocks noGrp="1"/>
           </p:cNvSpPr>
@@ -2750,27 +2749,27 @@
         <p:spPr>
           <a:xfrm>
             <a:off x="360000" y="360000"/>
-            <a:ext cx="9360000" cy="900000"/>
-          </a:xfrm>
-          <a:prstGeom prst="rect">
-            <a:avLst/>
-          </a:prstGeom>
-        </p:spPr>
-        <p:txBody>
-          <a:bodyPr lIns="0" rIns="0" tIns="0" bIns="0" anchor="b"/>
-          <a:p>
-            <a:endParaRPr b="1" lang="en-GB" sz="3200" spc="-1" strike="noStrike">
-              <a:solidFill>
-                <a:srgbClr val="ffffff"/>
-              </a:solidFill>
-              <a:latin typeface="Source Sans Pro Black"/>
-            </a:endParaRPr>
-          </a:p>
-        </p:txBody>
-      </p:sp>
-      <p:sp>
-        <p:nvSpPr>
-          <p:cNvPr id="27" name="PlaceHolder 2"/>
+            <a:ext cx="9359640" cy="899640"/>
+          </a:xfrm>
+          <a:prstGeom prst="rect">
+            <a:avLst/>
+          </a:prstGeom>
+        </p:spPr>
+        <p:txBody>
+          <a:bodyPr lIns="0" rIns="0" tIns="0" bIns="0" anchor="ctr"/>
+          <a:p>
+            <a:endParaRPr b="0" lang="en-US" sz="1400" spc="-1" strike="noStrike">
+              <a:solidFill>
+                <a:srgbClr val="000000"/>
+              </a:solidFill>
+              <a:latin typeface="Arial"/>
+            </a:endParaRPr>
+          </a:p>
+        </p:txBody>
+      </p:sp>
+      <p:sp>
+        <p:nvSpPr>
+          <p:cNvPr id="21" name="PlaceHolder 2"/>
           <p:cNvSpPr>
             <a:spLocks noGrp="1"/>
           </p:cNvSpPr>
@@ -2792,18 +2791,18 @@
             <a:normAutofit/>
           </a:bodyPr>
           <a:p>
-            <a:endParaRPr b="1" lang="en-GB" sz="2600" spc="-1" strike="noStrike">
-              <a:solidFill>
-                <a:srgbClr val="1c1c1c"/>
-              </a:solidFill>
-              <a:latin typeface="Source Sans Pro Semibold"/>
-            </a:endParaRPr>
-          </a:p>
-        </p:txBody>
-      </p:sp>
-      <p:sp>
-        <p:nvSpPr>
-          <p:cNvPr id="28" name="PlaceHolder 3"/>
+            <a:endParaRPr b="0" lang="en-US" sz="1400" spc="-1" strike="noStrike">
+              <a:solidFill>
+                <a:srgbClr val="000000"/>
+              </a:solidFill>
+              <a:latin typeface="Arial"/>
+            </a:endParaRPr>
+          </a:p>
+        </p:txBody>
+      </p:sp>
+      <p:sp>
+        <p:nvSpPr>
+          <p:cNvPr id="22" name="PlaceHolder 3"/>
           <p:cNvSpPr>
             <a:spLocks noGrp="1"/>
           </p:cNvSpPr>
@@ -2825,18 +2824,18 @@
             <a:normAutofit/>
           </a:bodyPr>
           <a:p>
-            <a:endParaRPr b="1" lang="en-GB" sz="2600" spc="-1" strike="noStrike">
-              <a:solidFill>
-                <a:srgbClr val="1c1c1c"/>
-              </a:solidFill>
-              <a:latin typeface="Source Sans Pro Semibold"/>
-            </a:endParaRPr>
-          </a:p>
-        </p:txBody>
-      </p:sp>
-      <p:sp>
-        <p:nvSpPr>
-          <p:cNvPr id="29" name="PlaceHolder 4"/>
+            <a:endParaRPr b="0" lang="en-US" sz="1400" spc="-1" strike="noStrike">
+              <a:solidFill>
+                <a:srgbClr val="000000"/>
+              </a:solidFill>
+              <a:latin typeface="Arial"/>
+            </a:endParaRPr>
+          </a:p>
+        </p:txBody>
+      </p:sp>
+      <p:sp>
+        <p:nvSpPr>
+          <p:cNvPr id="23" name="PlaceHolder 4"/>
           <p:cNvSpPr>
             <a:spLocks noGrp="1"/>
           </p:cNvSpPr>
@@ -2847,7 +2846,7 @@
         <p:spPr>
           <a:xfrm>
             <a:off x="360000" y="4424400"/>
-            <a:ext cx="9180000" cy="2232000"/>
+            <a:ext cx="9179640" cy="2232000"/>
           </a:xfrm>
           <a:prstGeom prst="rect">
             <a:avLst/>
@@ -2858,11 +2857,11 @@
             <a:normAutofit/>
           </a:bodyPr>
           <a:p>
-            <a:endParaRPr b="1" lang="en-GB" sz="2600" spc="-1" strike="noStrike">
-              <a:solidFill>
-                <a:srgbClr val="1c1c1c"/>
-              </a:solidFill>
-              <a:latin typeface="Source Sans Pro Semibold"/>
+            <a:endParaRPr b="0" lang="en-US" sz="1400" spc="-1" strike="noStrike">
+              <a:solidFill>
+                <a:srgbClr val="000000"/>
+              </a:solidFill>
+              <a:latin typeface="Arial"/>
             </a:endParaRPr>
           </a:p>
         </p:txBody>
@@ -2897,8 +2896,8 @@
         </p:nvSpPr>
         <p:spPr>
           <a:xfrm>
-            <a:off x="0" y="180000"/>
-            <a:ext cx="9720000" cy="1260000"/>
+            <a:off x="0" y="3150000"/>
+            <a:ext cx="9719640" cy="1259640"/>
           </a:xfrm>
           <a:prstGeom prst="rect">
             <a:avLst/>
@@ -2906,7 +2905,7 @@
           <a:solidFill>
             <a:srgbClr val="e74c3c"/>
           </a:solidFill>
-          <a:ln w="72000">
+          <a:ln>
             <a:noFill/>
           </a:ln>
         </p:spPr>
@@ -2919,89 +2918,7 @@
       </p:sp>
       <p:sp>
         <p:nvSpPr>
-          <p:cNvPr id="1" name="CustomShape 2"/>
-          <p:cNvSpPr/>
-          <p:nvPr/>
-        </p:nvSpPr>
-        <p:spPr>
-          <a:xfrm>
-            <a:off x="7560000" y="6840000"/>
-            <a:ext cx="2520000" cy="540000"/>
-          </a:xfrm>
-          <a:prstGeom prst="rect">
-            <a:avLst/>
-          </a:prstGeom>
-          <a:solidFill>
-            <a:srgbClr val="e74c3c"/>
-          </a:solidFill>
-          <a:ln w="72000">
-            <a:noFill/>
-          </a:ln>
-        </p:spPr>
-        <p:style>
-          <a:lnRef idx="0"/>
-          <a:fillRef idx="0"/>
-          <a:effectRef idx="0"/>
-          <a:fontRef idx="minor"/>
-        </p:style>
-      </p:sp>
-      <p:sp>
-        <p:nvSpPr>
-          <p:cNvPr id="2" name="CustomShape 3"/>
-          <p:cNvSpPr/>
-          <p:nvPr/>
-        </p:nvSpPr>
-        <p:spPr>
-          <a:xfrm>
-            <a:off x="900000" y="6840000"/>
-            <a:ext cx="6480000" cy="540000"/>
-          </a:xfrm>
-          <a:prstGeom prst="rect">
-            <a:avLst/>
-          </a:prstGeom>
-          <a:solidFill>
-            <a:srgbClr val="bdc3c7"/>
-          </a:solidFill>
-          <a:ln w="72000">
-            <a:noFill/>
-          </a:ln>
-        </p:spPr>
-        <p:style>
-          <a:lnRef idx="0"/>
-          <a:fillRef idx="0"/>
-          <a:effectRef idx="0"/>
-          <a:fontRef idx="minor"/>
-        </p:style>
-      </p:sp>
-      <p:sp>
-        <p:nvSpPr>
-          <p:cNvPr id="3" name="CustomShape 4"/>
-          <p:cNvSpPr/>
-          <p:nvPr/>
-        </p:nvSpPr>
-        <p:spPr>
-          <a:xfrm>
-            <a:off x="180000" y="6840000"/>
-            <a:ext cx="540000" cy="540000"/>
-          </a:xfrm>
-          <a:prstGeom prst="rect">
-            <a:avLst/>
-          </a:prstGeom>
-          <a:noFill/>
-          <a:ln w="72000">
-            <a:noFill/>
-          </a:ln>
-        </p:spPr>
-        <p:style>
-          <a:lnRef idx="0"/>
-          <a:fillRef idx="0"/>
-          <a:effectRef idx="0"/>
-          <a:fontRef idx="minor"/>
-        </p:style>
-      </p:sp>
-      <p:sp>
-        <p:nvSpPr>
-          <p:cNvPr id="4" name="PlaceHolder 5"/>
+          <p:cNvPr id="1" name="PlaceHolder 2"/>
           <p:cNvSpPr>
             <a:spLocks noGrp="1"/>
           </p:cNvSpPr>
@@ -3012,7 +2929,7 @@
         <p:spPr>
           <a:xfrm>
             <a:off x="360000" y="360000"/>
-            <a:ext cx="9360000" cy="900000"/>
+            <a:ext cx="9359640" cy="899640"/>
           </a:xfrm>
           <a:prstGeom prst="rect">
             <a:avLst/>
@@ -3021,27 +2938,18 @@
         <p:txBody>
           <a:bodyPr lIns="0" rIns="0" tIns="0" bIns="0" anchor="b"/>
           <a:p>
-            <a:r>
-              <a:rPr b="1" lang="en-GB" sz="3200" spc="-1" strike="noStrike">
-                <a:solidFill>
-                  <a:srgbClr val="ffffff"/>
-                </a:solidFill>
-                <a:latin typeface="Source Sans Pro Black"/>
-              </a:rPr>
-              <a:t>Click to edit the title text format</a:t>
-            </a:r>
-            <a:endParaRPr b="1" lang="en-GB" sz="3200" spc="-1" strike="noStrike">
-              <a:solidFill>
-                <a:srgbClr val="ffffff"/>
-              </a:solidFill>
-              <a:latin typeface="Source Sans Pro Black"/>
-            </a:endParaRPr>
-          </a:p>
-        </p:txBody>
-      </p:sp>
-      <p:sp>
-        <p:nvSpPr>
-          <p:cNvPr id="5" name="PlaceHolder 6"/>
+            <a:endParaRPr b="0" lang="en-US" sz="1400" spc="-1" strike="noStrike">
+              <a:solidFill>
+                <a:srgbClr val="000000"/>
+              </a:solidFill>
+              <a:latin typeface="Arial"/>
+            </a:endParaRPr>
+          </a:p>
+        </p:txBody>
+      </p:sp>
+      <p:sp>
+        <p:nvSpPr>
+          <p:cNvPr id="2" name="PlaceHolder 3"/>
           <p:cNvSpPr>
             <a:spLocks noGrp="1"/>
           </p:cNvSpPr>
@@ -3051,8 +2959,8 @@
         </p:nvSpPr>
         <p:spPr>
           <a:xfrm>
-            <a:off x="360000" y="1980000"/>
-            <a:ext cx="9180000" cy="4680000"/>
+            <a:off x="504000" y="1768680"/>
+            <a:ext cx="9072000" cy="4384080"/>
           </a:xfrm>
           <a:prstGeom prst="rect">
             <a:avLst/>
@@ -3063,280 +2971,199 @@
             <a:normAutofit/>
           </a:bodyPr>
           <a:p>
-            <a:pPr>
-              <a:spcAft>
-                <a:spcPts val="1142"/>
-              </a:spcAft>
+            <a:pPr marL="432000" indent="-324000">
+              <a:spcBef>
+                <a:spcPts val="1417"/>
+              </a:spcBef>
+              <a:buClr>
+                <a:srgbClr val="000000"/>
+              </a:buClr>
+              <a:buSzPct val="45000"/>
+              <a:buFont typeface="Wingdings" charset="2"/>
+              <a:buChar char=""/>
             </a:pPr>
             <a:r>
-              <a:rPr b="1" lang="en-GB" sz="2600" spc="-1" strike="noStrike">
+              <a:rPr b="0" lang="en-US" sz="1400" spc="-1" strike="noStrike">
                 <a:solidFill>
-                  <a:srgbClr val="1c1c1c"/>
+                  <a:srgbClr val="000000"/>
                 </a:solidFill>
-                <a:latin typeface="Source Sans Pro Semibold"/>
+                <a:latin typeface="Arial"/>
               </a:rPr>
               <a:t>Click to edit the outline text format</a:t>
             </a:r>
-            <a:endParaRPr b="1" lang="en-GB" sz="2600" spc="-1" strike="noStrike">
-              <a:solidFill>
-                <a:srgbClr val="1c1c1c"/>
-              </a:solidFill>
-              <a:latin typeface="Source Sans Pro Semibold"/>
-            </a:endParaRPr>
-          </a:p>
-          <a:p>
-            <a:pPr lvl="1" marL="288000">
-              <a:spcAft>
+            <a:endParaRPr b="0" lang="en-US" sz="1400" spc="-1" strike="noStrike">
+              <a:solidFill>
+                <a:srgbClr val="000000"/>
+              </a:solidFill>
+              <a:latin typeface="Arial"/>
+            </a:endParaRPr>
+          </a:p>
+          <a:p>
+            <a:pPr lvl="1" marL="864000" indent="-324000">
+              <a:spcBef>
                 <a:spcPts val="1134"/>
-              </a:spcAft>
+              </a:spcBef>
+              <a:buClr>
+                <a:srgbClr val="000000"/>
+              </a:buClr>
+              <a:buSzPct val="75000"/>
+              <a:buFont typeface="Symbol" charset="2"/>
+              <a:buChar char=""/>
             </a:pPr>
             <a:r>
-              <a:rPr b="0" lang="en-GB" sz="2200" spc="-1" strike="noStrike">
+              <a:rPr b="0" lang="en-US" sz="1400" spc="-1" strike="noStrike">
                 <a:solidFill>
-                  <a:srgbClr val="1c1c1c"/>
+                  <a:srgbClr val="000000"/>
                 </a:solidFill>
-                <a:latin typeface="Source Sans Pro Light"/>
+                <a:latin typeface="Arial"/>
               </a:rPr>
               <a:t>Second Outline Level</a:t>
             </a:r>
-            <a:endParaRPr b="0" lang="en-GB" sz="2200" spc="-1" strike="noStrike">
-              <a:solidFill>
-                <a:srgbClr val="1c1c1c"/>
-              </a:solidFill>
-              <a:latin typeface="Source Sans Pro Light"/>
-            </a:endParaRPr>
-          </a:p>
-          <a:p>
-            <a:pPr lvl="2" marL="576000">
-              <a:spcAft>
+            <a:endParaRPr b="0" lang="en-US" sz="1400" spc="-1" strike="noStrike">
+              <a:solidFill>
+                <a:srgbClr val="000000"/>
+              </a:solidFill>
+              <a:latin typeface="Arial"/>
+            </a:endParaRPr>
+          </a:p>
+          <a:p>
+            <a:pPr lvl="2" marL="1296000" indent="-288000">
+              <a:spcBef>
                 <a:spcPts val="850"/>
-              </a:spcAft>
+              </a:spcBef>
+              <a:buClr>
+                <a:srgbClr val="000000"/>
+              </a:buClr>
+              <a:buSzPct val="45000"/>
+              <a:buFont typeface="Wingdings" charset="2"/>
+              <a:buChar char=""/>
             </a:pPr>
             <a:r>
-              <a:rPr b="0" lang="en-GB" sz="1800" spc="-1" strike="noStrike">
+              <a:rPr b="0" lang="en-US" sz="1400" spc="-1" strike="noStrike">
                 <a:solidFill>
-                  <a:srgbClr val="1c1c1c"/>
+                  <a:srgbClr val="000000"/>
                 </a:solidFill>
-                <a:latin typeface="Source Sans Pro Light"/>
+                <a:latin typeface="Arial"/>
               </a:rPr>
               <a:t>Third Outline Level</a:t>
             </a:r>
-            <a:endParaRPr b="0" lang="en-GB" sz="1800" spc="-1" strike="noStrike">
-              <a:solidFill>
-                <a:srgbClr val="1c1c1c"/>
-              </a:solidFill>
-              <a:latin typeface="Source Sans Pro Light"/>
-            </a:endParaRPr>
-          </a:p>
-          <a:p>
-            <a:pPr lvl="3" marL="864000">
-              <a:spcAft>
+            <a:endParaRPr b="0" lang="en-US" sz="1400" spc="-1" strike="noStrike">
+              <a:solidFill>
+                <a:srgbClr val="000000"/>
+              </a:solidFill>
+              <a:latin typeface="Arial"/>
+            </a:endParaRPr>
+          </a:p>
+          <a:p>
+            <a:pPr lvl="3" marL="1728000" indent="-216000">
+              <a:spcBef>
                 <a:spcPts val="567"/>
-              </a:spcAft>
+              </a:spcBef>
+              <a:buClr>
+                <a:srgbClr val="000000"/>
+              </a:buClr>
+              <a:buSzPct val="75000"/>
+              <a:buFont typeface="Symbol" charset="2"/>
+              <a:buChar char=""/>
             </a:pPr>
             <a:r>
-              <a:rPr b="0" lang="en-GB" sz="1600" spc="-1" strike="noStrike">
+              <a:rPr b="0" lang="en-US" sz="1400" spc="-1" strike="noStrike">
                 <a:solidFill>
-                  <a:srgbClr val="1c1c1c"/>
+                  <a:srgbClr val="000000"/>
                 </a:solidFill>
-                <a:latin typeface="Source Sans Pro Light"/>
+                <a:latin typeface="Arial"/>
               </a:rPr>
               <a:t>Fourth Outline Level</a:t>
             </a:r>
-            <a:endParaRPr b="0" lang="en-GB" sz="1600" spc="-1" strike="noStrike">
-              <a:solidFill>
-                <a:srgbClr val="1c1c1c"/>
-              </a:solidFill>
-              <a:latin typeface="Source Sans Pro Light"/>
-            </a:endParaRPr>
-          </a:p>
-          <a:p>
-            <a:pPr lvl="4" marL="1152000">
-              <a:spcAft>
+            <a:endParaRPr b="0" lang="en-US" sz="1400" spc="-1" strike="noStrike">
+              <a:solidFill>
+                <a:srgbClr val="000000"/>
+              </a:solidFill>
+              <a:latin typeface="Arial"/>
+            </a:endParaRPr>
+          </a:p>
+          <a:p>
+            <a:pPr lvl="4" marL="2160000" indent="-216000">
+              <a:spcBef>
                 <a:spcPts val="283"/>
-              </a:spcAft>
+              </a:spcBef>
+              <a:buClr>
+                <a:srgbClr val="000000"/>
+              </a:buClr>
+              <a:buSzPct val="45000"/>
+              <a:buFont typeface="Wingdings" charset="2"/>
+              <a:buChar char=""/>
             </a:pPr>
             <a:r>
-              <a:rPr b="0" lang="en-GB" sz="1600" spc="-1" strike="noStrike">
+              <a:rPr b="0" lang="en-US" sz="2000" spc="-1" strike="noStrike">
                 <a:solidFill>
-                  <a:srgbClr val="1c1c1c"/>
+                  <a:srgbClr val="000000"/>
                 </a:solidFill>
-                <a:latin typeface="Source Sans Pro Light"/>
+                <a:latin typeface="Arial"/>
               </a:rPr>
               <a:t>Fifth Outline Level</a:t>
             </a:r>
-            <a:endParaRPr b="0" lang="en-GB" sz="1600" spc="-1" strike="noStrike">
-              <a:solidFill>
-                <a:srgbClr val="1c1c1c"/>
-              </a:solidFill>
-              <a:latin typeface="Source Sans Pro Light"/>
-            </a:endParaRPr>
-          </a:p>
-          <a:p>
-            <a:pPr lvl="5" marL="1440000">
-              <a:spcAft>
+            <a:endParaRPr b="0" lang="en-US" sz="2000" spc="-1" strike="noStrike">
+              <a:solidFill>
+                <a:srgbClr val="000000"/>
+              </a:solidFill>
+              <a:latin typeface="Arial"/>
+            </a:endParaRPr>
+          </a:p>
+          <a:p>
+            <a:pPr lvl="5" marL="2592000" indent="-216000">
+              <a:spcBef>
                 <a:spcPts val="283"/>
-              </a:spcAft>
+              </a:spcBef>
+              <a:buClr>
+                <a:srgbClr val="000000"/>
+              </a:buClr>
+              <a:buSzPct val="45000"/>
+              <a:buFont typeface="Wingdings" charset="2"/>
+              <a:buChar char=""/>
             </a:pPr>
             <a:r>
-              <a:rPr b="0" lang="en-GB" sz="1600" spc="-1" strike="noStrike">
+              <a:rPr b="0" lang="en-US" sz="2000" spc="-1" strike="noStrike">
                 <a:solidFill>
-                  <a:srgbClr val="1c1c1c"/>
+                  <a:srgbClr val="000000"/>
                 </a:solidFill>
-                <a:latin typeface="Source Sans Pro Light"/>
+                <a:latin typeface="Arial"/>
               </a:rPr>
               <a:t>Sixth Outline Level</a:t>
             </a:r>
-            <a:endParaRPr b="0" lang="en-GB" sz="1600" spc="-1" strike="noStrike">
-              <a:solidFill>
-                <a:srgbClr val="1c1c1c"/>
-              </a:solidFill>
-              <a:latin typeface="Source Sans Pro Light"/>
-            </a:endParaRPr>
-          </a:p>
-          <a:p>
-            <a:pPr lvl="6" marL="1728000">
-              <a:spcAft>
+            <a:endParaRPr b="0" lang="en-US" sz="2000" spc="-1" strike="noStrike">
+              <a:solidFill>
+                <a:srgbClr val="000000"/>
+              </a:solidFill>
+              <a:latin typeface="Arial"/>
+            </a:endParaRPr>
+          </a:p>
+          <a:p>
+            <a:pPr lvl="6" marL="3024000" indent="-216000">
+              <a:spcBef>
                 <a:spcPts val="283"/>
-              </a:spcAft>
+              </a:spcBef>
+              <a:buClr>
+                <a:srgbClr val="000000"/>
+              </a:buClr>
+              <a:buSzPct val="45000"/>
+              <a:buFont typeface="Wingdings" charset="2"/>
+              <a:buChar char=""/>
             </a:pPr>
             <a:r>
-              <a:rPr b="0" lang="en-GB" sz="1600" spc="-1" strike="noStrike">
+              <a:rPr b="0" lang="en-US" sz="2000" spc="-1" strike="noStrike">
                 <a:solidFill>
-                  <a:srgbClr val="1c1c1c"/>
+                  <a:srgbClr val="000000"/>
                 </a:solidFill>
-                <a:latin typeface="Source Sans Pro Light"/>
+                <a:latin typeface="Arial"/>
               </a:rPr>
               <a:t>Seventh Outline Level</a:t>
             </a:r>
-            <a:endParaRPr b="0" lang="en-GB" sz="1600" spc="-1" strike="noStrike">
-              <a:solidFill>
-                <a:srgbClr val="1c1c1c"/>
-              </a:solidFill>
-              <a:latin typeface="Source Sans Pro Light"/>
-            </a:endParaRPr>
-          </a:p>
-        </p:txBody>
-      </p:sp>
-      <p:sp>
-        <p:nvSpPr>
-          <p:cNvPr id="6" name="PlaceHolder 7"/>
-          <p:cNvSpPr>
-            <a:spLocks noGrp="1"/>
-          </p:cNvSpPr>
-          <p:nvPr>
-            <p:ph type="dt"/>
-          </p:nvPr>
-        </p:nvSpPr>
-        <p:spPr>
-          <a:xfrm>
-            <a:off x="7560000" y="6840000"/>
-            <a:ext cx="2340000" cy="521640"/>
-          </a:xfrm>
-          <a:prstGeom prst="rect">
-            <a:avLst/>
-          </a:prstGeom>
-        </p:spPr>
-        <p:txBody>
-          <a:bodyPr lIns="0" rIns="0" tIns="0" bIns="0" anchor="ctr"/>
-          <a:p>
-            <a:pPr algn="r"/>
-            <a:r>
-              <a:rPr b="1" lang="en-GB" sz="1800" spc="-1" strike="noStrike">
-                <a:solidFill>
-                  <a:srgbClr val="ffffff"/>
-                </a:solidFill>
-                <a:latin typeface="Source Sans Pro Black"/>
-              </a:rPr>
-              <a:t>&lt;date/time&gt;</a:t>
-            </a:r>
-            <a:endParaRPr b="1" lang="en-GB" sz="1800" spc="-1" strike="noStrike">
-              <a:solidFill>
-                <a:srgbClr val="ffffff"/>
-              </a:solidFill>
-              <a:latin typeface="Source Sans Pro Black"/>
-            </a:endParaRPr>
-          </a:p>
-        </p:txBody>
-      </p:sp>
-      <p:sp>
-        <p:nvSpPr>
-          <p:cNvPr id="7" name="PlaceHolder 8"/>
-          <p:cNvSpPr>
-            <a:spLocks noGrp="1"/>
-          </p:cNvSpPr>
-          <p:nvPr>
-            <p:ph type="ftr"/>
-          </p:nvPr>
-        </p:nvSpPr>
-        <p:spPr>
-          <a:xfrm>
-            <a:off x="1080000" y="6840000"/>
-            <a:ext cx="3240000" cy="540000"/>
-          </a:xfrm>
-          <a:prstGeom prst="rect">
-            <a:avLst/>
-          </a:prstGeom>
-        </p:spPr>
-        <p:txBody>
-          <a:bodyPr lIns="0" rIns="0" tIns="0" bIns="0" anchor="ctr"/>
-          <a:p>
-            <a:pPr algn="ctr"/>
-            <a:r>
-              <a:rPr b="1" lang="en-GB" sz="1800" spc="-1" strike="noStrike">
-                <a:solidFill>
-                  <a:srgbClr val="ffffff"/>
-                </a:solidFill>
-                <a:latin typeface="Source Sans Pro Black"/>
-              </a:rPr>
-              <a:t>&lt;footer&gt;</a:t>
-            </a:r>
-            <a:endParaRPr b="1" lang="en-GB" sz="1800" spc="-1" strike="noStrike">
-              <a:solidFill>
-                <a:srgbClr val="ffffff"/>
-              </a:solidFill>
-              <a:latin typeface="Source Sans Pro Black"/>
-            </a:endParaRPr>
-          </a:p>
-        </p:txBody>
-      </p:sp>
-      <p:sp>
-        <p:nvSpPr>
-          <p:cNvPr id="8" name="PlaceHolder 9"/>
-          <p:cNvSpPr>
-            <a:spLocks noGrp="1"/>
-          </p:cNvSpPr>
-          <p:nvPr>
-            <p:ph type="sldNum"/>
-          </p:nvPr>
-        </p:nvSpPr>
-        <p:spPr>
-          <a:xfrm>
-            <a:off x="180000" y="6840000"/>
-            <a:ext cx="540000" cy="540000"/>
-          </a:xfrm>
-          <a:prstGeom prst="rect">
-            <a:avLst/>
-          </a:prstGeom>
-        </p:spPr>
-        <p:txBody>
-          <a:bodyPr lIns="0" rIns="0" tIns="0" bIns="0" anchor="ctr"/>
-          <a:p>
-            <a:pPr algn="ctr"/>
-            <a:fld id="{0F31D2FB-D147-4199-8446-D7C687445F82}" type="slidenum">
-              <a:rPr b="1" lang="en-GB" sz="1800" spc="-1" strike="noStrike">
-                <a:solidFill>
-                  <a:srgbClr val="ffffff"/>
-                </a:solidFill>
-                <a:latin typeface="Source Sans Pro Black"/>
-              </a:rPr>
-              <a:t>&lt;number&gt;</a:t>
-            </a:fld>
-            <a:endParaRPr b="1" lang="en-GB" sz="1800" spc="-1" strike="noStrike">
-              <a:solidFill>
-                <a:srgbClr val="ffffff"/>
-              </a:solidFill>
-              <a:latin typeface="Source Sans Pro Black"/>
+            <a:endParaRPr b="0" lang="en-US" sz="2000" spc="-1" strike="noStrike">
+              <a:solidFill>
+                <a:srgbClr val="000000"/>
+              </a:solidFill>
+              <a:latin typeface="Arial"/>
             </a:endParaRPr>
           </a:p>
         </p:txBody>
@@ -3380,14 +3207,14 @@
       </p:grpSpPr>
       <p:sp>
         <p:nvSpPr>
-          <p:cNvPr id="45" name="CustomShape 1"/>
+          <p:cNvPr id="39" name="CustomShape 1"/>
           <p:cNvSpPr/>
           <p:nvPr/>
         </p:nvSpPr>
         <p:spPr>
           <a:xfrm>
-            <a:off x="0" y="3150000"/>
-            <a:ext cx="9720000" cy="1260000"/>
+            <a:off x="0" y="180000"/>
+            <a:ext cx="9719640" cy="1259640"/>
           </a:xfrm>
           <a:prstGeom prst="rect">
             <a:avLst/>
@@ -3408,7 +3235,89 @@
       </p:sp>
       <p:sp>
         <p:nvSpPr>
-          <p:cNvPr id="46" name="PlaceHolder 2"/>
+          <p:cNvPr id="40" name="CustomShape 2"/>
+          <p:cNvSpPr/>
+          <p:nvPr/>
+        </p:nvSpPr>
+        <p:spPr>
+          <a:xfrm>
+            <a:off x="7560000" y="6840000"/>
+            <a:ext cx="2519640" cy="539640"/>
+          </a:xfrm>
+          <a:prstGeom prst="rect">
+            <a:avLst/>
+          </a:prstGeom>
+          <a:solidFill>
+            <a:srgbClr val="e74c3c"/>
+          </a:solidFill>
+          <a:ln>
+            <a:noFill/>
+          </a:ln>
+        </p:spPr>
+        <p:style>
+          <a:lnRef idx="0"/>
+          <a:fillRef idx="0"/>
+          <a:effectRef idx="0"/>
+          <a:fontRef idx="minor"/>
+        </p:style>
+      </p:sp>
+      <p:sp>
+        <p:nvSpPr>
+          <p:cNvPr id="41" name="CustomShape 3"/>
+          <p:cNvSpPr/>
+          <p:nvPr/>
+        </p:nvSpPr>
+        <p:spPr>
+          <a:xfrm>
+            <a:off x="900000" y="6840000"/>
+            <a:ext cx="6479640" cy="539640"/>
+          </a:xfrm>
+          <a:prstGeom prst="rect">
+            <a:avLst/>
+          </a:prstGeom>
+          <a:solidFill>
+            <a:srgbClr val="bdc3c7"/>
+          </a:solidFill>
+          <a:ln>
+            <a:noFill/>
+          </a:ln>
+        </p:spPr>
+        <p:style>
+          <a:lnRef idx="0"/>
+          <a:fillRef idx="0"/>
+          <a:effectRef idx="0"/>
+          <a:fontRef idx="minor"/>
+        </p:style>
+      </p:sp>
+      <p:sp>
+        <p:nvSpPr>
+          <p:cNvPr id="42" name="CustomShape 4"/>
+          <p:cNvSpPr/>
+          <p:nvPr/>
+        </p:nvSpPr>
+        <p:spPr>
+          <a:xfrm>
+            <a:off x="180000" y="6840000"/>
+            <a:ext cx="539640" cy="539640"/>
+          </a:xfrm>
+          <a:prstGeom prst="rect">
+            <a:avLst/>
+          </a:prstGeom>
+          <a:noFill/>
+          <a:ln>
+            <a:noFill/>
+          </a:ln>
+        </p:spPr>
+        <p:style>
+          <a:lnRef idx="0"/>
+          <a:fillRef idx="0"/>
+          <a:effectRef idx="0"/>
+          <a:fontRef idx="minor"/>
+        </p:style>
+      </p:sp>
+      <p:sp>
+        <p:nvSpPr>
+          <p:cNvPr id="43" name="PlaceHolder 5"/>
           <p:cNvSpPr>
             <a:spLocks noGrp="1"/>
           </p:cNvSpPr>
@@ -3418,8 +3327,8 @@
         </p:nvSpPr>
         <p:spPr>
           <a:xfrm>
-            <a:off x="360000" y="3330000"/>
-            <a:ext cx="9360000" cy="900000"/>
+            <a:off x="360000" y="360000"/>
+            <a:ext cx="9359640" cy="899640"/>
           </a:xfrm>
           <a:prstGeom prst="rect">
             <a:avLst/>
@@ -3428,27 +3337,18 @@
         <p:txBody>
           <a:bodyPr lIns="0" rIns="0" tIns="0" bIns="0" anchor="b"/>
           <a:p>
-            <a:r>
-              <a:rPr b="1" lang="en-GB" sz="3200" spc="-1" strike="noStrike">
-                <a:solidFill>
-                  <a:srgbClr val="ffffff"/>
-                </a:solidFill>
-                <a:latin typeface="Source Sans Pro Black"/>
-              </a:rPr>
-              <a:t>Click to edit the title text format</a:t>
-            </a:r>
-            <a:endParaRPr b="1" lang="en-GB" sz="3200" spc="-1" strike="noStrike">
-              <a:solidFill>
-                <a:srgbClr val="ffffff"/>
-              </a:solidFill>
-              <a:latin typeface="Source Sans Pro Black"/>
-            </a:endParaRPr>
-          </a:p>
-        </p:txBody>
-      </p:sp>
-      <p:sp>
-        <p:nvSpPr>
-          <p:cNvPr id="47" name="PlaceHolder 3"/>
+            <a:endParaRPr b="0" lang="en-US" sz="1400" spc="-1" strike="noStrike">
+              <a:solidFill>
+                <a:srgbClr val="000000"/>
+              </a:solidFill>
+              <a:latin typeface="Arial"/>
+            </a:endParaRPr>
+          </a:p>
+        </p:txBody>
+      </p:sp>
+      <p:sp>
+        <p:nvSpPr>
+          <p:cNvPr id="44" name="PlaceHolder 6"/>
           <p:cNvSpPr>
             <a:spLocks noGrp="1"/>
           </p:cNvSpPr>
@@ -3458,8 +3358,8 @@
         </p:nvSpPr>
         <p:spPr>
           <a:xfrm>
-            <a:off x="540000" y="4680000"/>
-            <a:ext cx="9180000" cy="2520000"/>
+            <a:off x="360000" y="1980000"/>
+            <a:ext cx="9179640" cy="4679640"/>
           </a:xfrm>
           <a:prstGeom prst="rect">
             <a:avLst/>
@@ -3470,279 +3370,199 @@
             <a:normAutofit/>
           </a:bodyPr>
           <a:p>
-            <a:pPr>
-              <a:spcAft>
-                <a:spcPts val="1142"/>
-              </a:spcAft>
+            <a:pPr marL="432000" indent="-324000">
+              <a:spcBef>
+                <a:spcPts val="1417"/>
+              </a:spcBef>
+              <a:buClr>
+                <a:srgbClr val="000000"/>
+              </a:buClr>
+              <a:buSzPct val="45000"/>
+              <a:buFont typeface="Wingdings" charset="2"/>
+              <a:buChar char=""/>
             </a:pPr>
             <a:r>
-              <a:rPr b="1" lang="en-GB" sz="2600" spc="-1" strike="noStrike">
+              <a:rPr b="0" lang="en-US" sz="1400" spc="-1" strike="noStrike">
                 <a:solidFill>
-                  <a:srgbClr val="1c1c1c"/>
+                  <a:srgbClr val="000000"/>
                 </a:solidFill>
-                <a:latin typeface="Source Sans Pro Semibold"/>
+                <a:latin typeface="Arial"/>
               </a:rPr>
               <a:t>Click to edit the outline text format</a:t>
             </a:r>
-            <a:endParaRPr b="1" lang="en-GB" sz="2600" spc="-1" strike="noStrike">
-              <a:solidFill>
-                <a:srgbClr val="1c1c1c"/>
-              </a:solidFill>
-              <a:latin typeface="Source Sans Pro Semibold"/>
-            </a:endParaRPr>
-          </a:p>
-          <a:p>
-            <a:pPr lvl="1" marL="288000">
-              <a:spcAft>
-                <a:spcPts val="1131"/>
-              </a:spcAft>
+            <a:endParaRPr b="0" lang="en-US" sz="1400" spc="-1" strike="noStrike">
+              <a:solidFill>
+                <a:srgbClr val="000000"/>
+              </a:solidFill>
+              <a:latin typeface="Arial"/>
+            </a:endParaRPr>
+          </a:p>
+          <a:p>
+            <a:pPr lvl="1" marL="864000" indent="-324000">
+              <a:spcBef>
+                <a:spcPts val="1134"/>
+              </a:spcBef>
+              <a:buClr>
+                <a:srgbClr val="000000"/>
+              </a:buClr>
+              <a:buSzPct val="75000"/>
+              <a:buFont typeface="Symbol" charset="2"/>
+              <a:buChar char=""/>
             </a:pPr>
             <a:r>
-              <a:rPr b="0" lang="en-GB" sz="2200" spc="-1" strike="noStrike">
+              <a:rPr b="0" lang="en-US" sz="1400" spc="-1" strike="noStrike">
                 <a:solidFill>
-                  <a:srgbClr val="1c1c1c"/>
+                  <a:srgbClr val="000000"/>
                 </a:solidFill>
-                <a:latin typeface="Source Sans Pro Light"/>
+                <a:latin typeface="Arial"/>
               </a:rPr>
               <a:t>Second Outline Level</a:t>
             </a:r>
-            <a:endParaRPr b="0" lang="en-GB" sz="2200" spc="-1" strike="noStrike">
-              <a:solidFill>
-                <a:srgbClr val="1c1c1c"/>
-              </a:solidFill>
-              <a:latin typeface="Source Sans Pro Light"/>
-            </a:endParaRPr>
-          </a:p>
-          <a:p>
-            <a:pPr lvl="2" marL="576000">
-              <a:spcAft>
+            <a:endParaRPr b="0" lang="en-US" sz="1400" spc="-1" strike="noStrike">
+              <a:solidFill>
+                <a:srgbClr val="000000"/>
+              </a:solidFill>
+              <a:latin typeface="Arial"/>
+            </a:endParaRPr>
+          </a:p>
+          <a:p>
+            <a:pPr lvl="2" marL="1296000" indent="-288000">
+              <a:spcBef>
                 <a:spcPts val="850"/>
-              </a:spcAft>
+              </a:spcBef>
+              <a:buClr>
+                <a:srgbClr val="000000"/>
+              </a:buClr>
+              <a:buSzPct val="45000"/>
+              <a:buFont typeface="Wingdings" charset="2"/>
+              <a:buChar char=""/>
             </a:pPr>
             <a:r>
-              <a:rPr b="0" lang="en-GB" sz="1800" spc="-1" strike="noStrike">
+              <a:rPr b="0" lang="en-US" sz="1400" spc="-1" strike="noStrike">
                 <a:solidFill>
-                  <a:srgbClr val="1c1c1c"/>
+                  <a:srgbClr val="000000"/>
                 </a:solidFill>
-                <a:latin typeface="Source Sans Pro Light"/>
+                <a:latin typeface="Arial"/>
               </a:rPr>
               <a:t>Third Outline Level</a:t>
             </a:r>
-            <a:endParaRPr b="0" lang="en-GB" sz="1800" spc="-1" strike="noStrike">
-              <a:solidFill>
-                <a:srgbClr val="1c1c1c"/>
-              </a:solidFill>
-              <a:latin typeface="Source Sans Pro Light"/>
-            </a:endParaRPr>
-          </a:p>
-          <a:p>
-            <a:pPr lvl="3" marL="864000">
-              <a:spcAft>
+            <a:endParaRPr b="0" lang="en-US" sz="1400" spc="-1" strike="noStrike">
+              <a:solidFill>
+                <a:srgbClr val="000000"/>
+              </a:solidFill>
+              <a:latin typeface="Arial"/>
+            </a:endParaRPr>
+          </a:p>
+          <a:p>
+            <a:pPr lvl="3" marL="1728000" indent="-216000">
+              <a:spcBef>
                 <a:spcPts val="567"/>
-              </a:spcAft>
+              </a:spcBef>
+              <a:buClr>
+                <a:srgbClr val="000000"/>
+              </a:buClr>
+              <a:buSzPct val="75000"/>
+              <a:buFont typeface="Symbol" charset="2"/>
+              <a:buChar char=""/>
             </a:pPr>
             <a:r>
-              <a:rPr b="0" lang="en-GB" sz="1600" spc="-1" strike="noStrike">
+              <a:rPr b="0" lang="en-US" sz="1400" spc="-1" strike="noStrike">
                 <a:solidFill>
-                  <a:srgbClr val="1c1c1c"/>
+                  <a:srgbClr val="000000"/>
                 </a:solidFill>
-                <a:latin typeface="Source Sans Pro Light"/>
+                <a:latin typeface="Arial"/>
               </a:rPr>
               <a:t>Fourth Outline Level</a:t>
             </a:r>
-            <a:endParaRPr b="0" lang="en-GB" sz="1600" spc="-1" strike="noStrike">
-              <a:solidFill>
-                <a:srgbClr val="1c1c1c"/>
-              </a:solidFill>
-              <a:latin typeface="Source Sans Pro Light"/>
-            </a:endParaRPr>
-          </a:p>
-          <a:p>
-            <a:pPr lvl="4" marL="1152000">
-              <a:spcAft>
+            <a:endParaRPr b="0" lang="en-US" sz="1400" spc="-1" strike="noStrike">
+              <a:solidFill>
+                <a:srgbClr val="000000"/>
+              </a:solidFill>
+              <a:latin typeface="Arial"/>
+            </a:endParaRPr>
+          </a:p>
+          <a:p>
+            <a:pPr lvl="4" marL="2160000" indent="-216000">
+              <a:spcBef>
                 <a:spcPts val="283"/>
-              </a:spcAft>
+              </a:spcBef>
+              <a:buClr>
+                <a:srgbClr val="000000"/>
+              </a:buClr>
+              <a:buSzPct val="45000"/>
+              <a:buFont typeface="Wingdings" charset="2"/>
+              <a:buChar char=""/>
             </a:pPr>
             <a:r>
-              <a:rPr b="0" lang="en-GB" sz="1600" spc="-1" strike="noStrike">
+              <a:rPr b="0" lang="en-US" sz="2000" spc="-1" strike="noStrike">
                 <a:solidFill>
-                  <a:srgbClr val="1c1c1c"/>
+                  <a:srgbClr val="000000"/>
                 </a:solidFill>
-                <a:latin typeface="Source Sans Pro Light"/>
+                <a:latin typeface="Arial"/>
               </a:rPr>
               <a:t>Fifth Outline Level</a:t>
             </a:r>
-            <a:endParaRPr b="0" lang="en-GB" sz="1600" spc="-1" strike="noStrike">
-              <a:solidFill>
-                <a:srgbClr val="1c1c1c"/>
-              </a:solidFill>
-              <a:latin typeface="Source Sans Pro Light"/>
-            </a:endParaRPr>
-          </a:p>
-          <a:p>
-            <a:pPr lvl="5" marL="1440000">
-              <a:spcAft>
+            <a:endParaRPr b="0" lang="en-US" sz="2000" spc="-1" strike="noStrike">
+              <a:solidFill>
+                <a:srgbClr val="000000"/>
+              </a:solidFill>
+              <a:latin typeface="Arial"/>
+            </a:endParaRPr>
+          </a:p>
+          <a:p>
+            <a:pPr lvl="5" marL="2592000" indent="-216000">
+              <a:spcBef>
                 <a:spcPts val="283"/>
-              </a:spcAft>
+              </a:spcBef>
+              <a:buClr>
+                <a:srgbClr val="000000"/>
+              </a:buClr>
+              <a:buSzPct val="45000"/>
+              <a:buFont typeface="Wingdings" charset="2"/>
+              <a:buChar char=""/>
             </a:pPr>
             <a:r>
-              <a:rPr b="0" lang="en-GB" sz="1600" spc="-1" strike="noStrike">
+              <a:rPr b="0" lang="en-US" sz="2000" spc="-1" strike="noStrike">
                 <a:solidFill>
-                  <a:srgbClr val="1c1c1c"/>
+                  <a:srgbClr val="000000"/>
                 </a:solidFill>
-                <a:latin typeface="Source Sans Pro Light"/>
+                <a:latin typeface="Arial"/>
               </a:rPr>
               <a:t>Sixth Outline Level</a:t>
             </a:r>
-            <a:endParaRPr b="0" lang="en-GB" sz="1600" spc="-1" strike="noStrike">
-              <a:solidFill>
-                <a:srgbClr val="1c1c1c"/>
-              </a:solidFill>
-              <a:latin typeface="Source Sans Pro Light"/>
-            </a:endParaRPr>
-          </a:p>
-          <a:p>
-            <a:pPr lvl="6" marL="1728000">
-              <a:spcAft>
+            <a:endParaRPr b="0" lang="en-US" sz="2000" spc="-1" strike="noStrike">
+              <a:solidFill>
+                <a:srgbClr val="000000"/>
+              </a:solidFill>
+              <a:latin typeface="Arial"/>
+            </a:endParaRPr>
+          </a:p>
+          <a:p>
+            <a:pPr lvl="6" marL="3024000" indent="-216000">
+              <a:spcBef>
                 <a:spcPts val="283"/>
-              </a:spcAft>
+              </a:spcBef>
+              <a:buClr>
+                <a:srgbClr val="000000"/>
+              </a:buClr>
+              <a:buSzPct val="45000"/>
+              <a:buFont typeface="Wingdings" charset="2"/>
+              <a:buChar char=""/>
             </a:pPr>
             <a:r>
-              <a:rPr b="0" lang="en-GB" sz="1600" spc="-1" strike="noStrike">
+              <a:rPr b="0" lang="en-US" sz="2000" spc="-1" strike="noStrike">
                 <a:solidFill>
-                  <a:srgbClr val="1c1c1c"/>
+                  <a:srgbClr val="000000"/>
                 </a:solidFill>
-                <a:latin typeface="Source Sans Pro Light"/>
+                <a:latin typeface="Arial"/>
               </a:rPr>
               <a:t>Seventh Outline Level</a:t>
             </a:r>
-            <a:endParaRPr b="0" lang="en-GB" sz="1600" spc="-1" strike="noStrike">
-              <a:solidFill>
-                <a:srgbClr val="1c1c1c"/>
-              </a:solidFill>
-              <a:latin typeface="Source Sans Pro Light"/>
-            </a:endParaRPr>
-          </a:p>
-        </p:txBody>
-      </p:sp>
-      <p:sp>
-        <p:nvSpPr>
-          <p:cNvPr id="48" name="PlaceHolder 4"/>
-          <p:cNvSpPr>
-            <a:spLocks noGrp="1"/>
-          </p:cNvSpPr>
-          <p:nvPr>
-            <p:ph type="dt"/>
-          </p:nvPr>
-        </p:nvSpPr>
-        <p:spPr>
-          <a:xfrm>
-            <a:off x="7560000" y="6840000"/>
-            <a:ext cx="2340000" cy="540000"/>
-          </a:xfrm>
-          <a:prstGeom prst="rect">
-            <a:avLst/>
-          </a:prstGeom>
-        </p:spPr>
-        <p:txBody>
-          <a:bodyPr lIns="0" rIns="0" tIns="0" bIns="0" anchor="ctr"/>
-          <a:p>
-            <a:r>
-              <a:rPr b="1" lang="en-GB" sz="1800" spc="-1" strike="noStrike">
-                <a:solidFill>
-                  <a:srgbClr val="e74c3c"/>
-                </a:solidFill>
-                <a:latin typeface="Source Sans Pro Black"/>
-              </a:rPr>
-              <a:t>&lt;date/time&gt;</a:t>
-            </a:r>
-            <a:endParaRPr b="1" lang="en-GB" sz="1800" spc="-1" strike="noStrike">
-              <a:solidFill>
-                <a:srgbClr val="e74c3c"/>
-              </a:solidFill>
-              <a:latin typeface="Source Sans Pro Black"/>
-            </a:endParaRPr>
-          </a:p>
-        </p:txBody>
-      </p:sp>
-      <p:sp>
-        <p:nvSpPr>
-          <p:cNvPr id="49" name="PlaceHolder 5"/>
-          <p:cNvSpPr>
-            <a:spLocks noGrp="1"/>
-          </p:cNvSpPr>
-          <p:nvPr>
-            <p:ph type="ftr"/>
-          </p:nvPr>
-        </p:nvSpPr>
-        <p:spPr>
-          <a:xfrm>
-            <a:off x="1080000" y="6840000"/>
-            <a:ext cx="3240000" cy="540000"/>
-          </a:xfrm>
-          <a:prstGeom prst="rect">
-            <a:avLst/>
-          </a:prstGeom>
-        </p:spPr>
-        <p:txBody>
-          <a:bodyPr lIns="0" rIns="0" tIns="0" bIns="0" anchor="ctr"/>
-          <a:p>
-            <a:pPr algn="ctr"/>
-            <a:r>
-              <a:rPr b="1" lang="en-GB" sz="1800" spc="-1" strike="noStrike">
-                <a:solidFill>
-                  <a:srgbClr val="e74c3c"/>
-                </a:solidFill>
-                <a:latin typeface="Source Sans Pro Black"/>
-              </a:rPr>
-              <a:t>&lt;footer&gt;</a:t>
-            </a:r>
-            <a:endParaRPr b="1" lang="en-GB" sz="1800" spc="-1" strike="noStrike">
-              <a:solidFill>
-                <a:srgbClr val="e74c3c"/>
-              </a:solidFill>
-              <a:latin typeface="Source Sans Pro Black"/>
-            </a:endParaRPr>
-          </a:p>
-        </p:txBody>
-      </p:sp>
-      <p:sp>
-        <p:nvSpPr>
-          <p:cNvPr id="50" name="PlaceHolder 6"/>
-          <p:cNvSpPr>
-            <a:spLocks noGrp="1"/>
-          </p:cNvSpPr>
-          <p:nvPr>
-            <p:ph type="sldNum"/>
-          </p:nvPr>
-        </p:nvSpPr>
-        <p:spPr>
-          <a:xfrm>
-            <a:off x="180000" y="6840000"/>
-            <a:ext cx="540000" cy="540000"/>
-          </a:xfrm>
-          <a:prstGeom prst="rect">
-            <a:avLst/>
-          </a:prstGeom>
-        </p:spPr>
-        <p:txBody>
-          <a:bodyPr lIns="0" rIns="0" tIns="0" bIns="0"/>
-          <a:p>
-            <a:pPr algn="r"/>
-            <a:fld id="{41AC0F88-CE9E-46C5-AE19-B0EB1B54052C}" type="slidenum">
-              <a:rPr b="1" lang="en-GB" sz="1800" spc="-1" strike="noStrike">
-                <a:solidFill>
-                  <a:srgbClr val="e74c3c"/>
-                </a:solidFill>
-                <a:latin typeface="Source Sans Pro Black"/>
-              </a:rPr>
-              <a:t>&lt;number&gt;</a:t>
-            </a:fld>
-            <a:endParaRPr b="1" lang="en-GB" sz="1800" spc="-1" strike="noStrike">
-              <a:solidFill>
-                <a:srgbClr val="e74c3c"/>
-              </a:solidFill>
-              <a:latin typeface="Source Sans Pro Black"/>
+            <a:endParaRPr b="0" lang="en-US" sz="2000" spc="-1" strike="noStrike">
+              <a:solidFill>
+                <a:srgbClr val="000000"/>
+              </a:solidFill>
+              <a:latin typeface="Arial"/>
             </a:endParaRPr>
           </a:p>
         </p:txBody>
@@ -3786,14 +3606,14 @@
       </p:grpSpPr>
       <p:sp>
         <p:nvSpPr>
-          <p:cNvPr id="87" name="TextShape 1"/>
-          <p:cNvSpPr txBox="1"/>
+          <p:cNvPr id="81" name="CustomShape 1"/>
+          <p:cNvSpPr/>
           <p:nvPr/>
         </p:nvSpPr>
         <p:spPr>
           <a:xfrm>
             <a:off x="360000" y="3330000"/>
-            <a:ext cx="9360000" cy="900000"/>
+            <a:ext cx="9359640" cy="899640"/>
           </a:xfrm>
           <a:prstGeom prst="rect">
             <a:avLst/>
@@ -3803,37 +3623,46 @@
             <a:noFill/>
           </a:ln>
         </p:spPr>
+        <p:style>
+          <a:lnRef idx="0"/>
+          <a:fillRef idx="0"/>
+          <a:effectRef idx="0"/>
+          <a:fontRef idx="minor"/>
+        </p:style>
         <p:txBody>
           <a:bodyPr lIns="0" rIns="0" tIns="0" bIns="0" anchor="b"/>
           <a:p>
+            <a:pPr>
+              <a:lnSpc>
+                <a:spcPct val="100000"/>
+              </a:lnSpc>
+            </a:pPr>
             <a:r>
-              <a:rPr b="1" lang="en-GB" sz="2400" spc="-1" strike="noStrike">
+              <a:rPr b="1" lang="en-US" sz="2400" spc="-1" strike="noStrike">
                 <a:solidFill>
                   <a:srgbClr val="ffffff"/>
                 </a:solidFill>
                 <a:latin typeface="Source Sans Pro Black"/>
+                <a:ea typeface="Source Sans Pro Black"/>
               </a:rPr>
               <a:t>Motion Signal Extraction Framework for the Microsoft Kinect Camera: Point Cloud Registration and its Application as a Motion Correction Metric in PET/CT</a:t>
             </a:r>
-            <a:endParaRPr b="1" lang="en-GB" sz="2400" spc="-1" strike="noStrike">
-              <a:solidFill>
-                <a:srgbClr val="ffffff"/>
-              </a:solidFill>
-              <a:latin typeface="Source Sans Pro Black"/>
-            </a:endParaRPr>
-          </a:p>
-        </p:txBody>
-      </p:sp>
-      <p:sp>
-        <p:nvSpPr>
-          <p:cNvPr id="88" name="TextShape 2"/>
-          <p:cNvSpPr txBox="1"/>
+            <a:endParaRPr b="0" lang="en-US" sz="2400" spc="-1" strike="noStrike">
+              <a:latin typeface="Cambria"/>
+            </a:endParaRPr>
+          </a:p>
+        </p:txBody>
+      </p:sp>
+      <p:sp>
+        <p:nvSpPr>
+          <p:cNvPr id="82" name="CustomShape 2"/>
+          <p:cNvSpPr/>
           <p:nvPr/>
         </p:nvSpPr>
         <p:spPr>
           <a:xfrm>
             <a:off x="540000" y="4680000"/>
-            <a:ext cx="9180000" cy="2520000"/>
+            <a:ext cx="9179640" cy="2519640"/>
           </a:xfrm>
           <a:prstGeom prst="rect">
             <a:avLst/>
@@ -3843,66 +3672,367 @@
             <a:noFill/>
           </a:ln>
         </p:spPr>
+        <p:style>
+          <a:lnRef idx="0"/>
+          <a:fillRef idx="0"/>
+          <a:effectRef idx="0"/>
+          <a:fontRef idx="minor"/>
+        </p:style>
         <p:txBody>
           <a:bodyPr lIns="0" rIns="0" tIns="0" bIns="0"/>
           <a:p>
+            <a:pPr>
+              <a:lnSpc>
+                <a:spcPct val="100000"/>
+              </a:lnSpc>
+            </a:pPr>
             <a:r>
-              <a:rPr b="0" lang="en-GB" sz="2200" spc="-1" strike="noStrike">
+              <a:rPr b="0" lang="en-US" sz="2200" spc="-1" strike="noStrike">
                 <a:solidFill>
                   <a:srgbClr val="1c1c1c"/>
                 </a:solidFill>
                 <a:latin typeface="Source Sans Pro Light"/>
+                <a:ea typeface="Source Sans Pro Light"/>
               </a:rPr>
               <a:t>Dr Nikolaos Efthymiou</a:t>
             </a:r>
             <a:br/>
             <a:r>
-              <a:rPr b="0" lang="en-GB" sz="2200" spc="-1" strike="noStrike">
+              <a:rPr b="0" lang="en-US" sz="2200" spc="-1" strike="noStrike">
                 <a:solidFill>
                   <a:srgbClr val="1c1c1c"/>
                 </a:solidFill>
                 <a:latin typeface="Source Sans Pro Light"/>
+                <a:ea typeface="Source Sans Pro Light"/>
               </a:rPr>
               <a:t>Alexander Whitehead</a:t>
             </a:r>
-            <a:endParaRPr b="0" lang="en-GB" sz="2200" spc="-1" strike="noStrike">
-              <a:solidFill>
-                <a:srgbClr val="1c1c1c"/>
-              </a:solidFill>
-              <a:latin typeface="Source Sans Pro Light"/>
+            <a:endParaRPr b="0" lang="en-US" sz="2200" spc="-1" strike="noStrike">
+              <a:latin typeface="Cambria"/>
             </a:endParaRPr>
           </a:p>
         </p:txBody>
       </p:sp>
     </p:spTree>
   </p:cSld>
-  <p:timing>
-    <p:tnLst>
-      <p:par>
-        <p:cTn id="1" dur="indefinite" restart="never" nodeType="tmRoot">
-          <p:childTnLst>
-            <p:seq>
-              <p:cTn id="2" dur="indefinite" nodeType="mainSeq"/>
-              <p:prevCondLst>
-                <p:cond delay="0" evt="onPrev">
-                  <p:tgtEl>
-                    <p:sldTgt/>
-                  </p:tgtEl>
-                </p:cond>
-              </p:prevCondLst>
-              <p:nextCondLst>
-                <p:cond delay="0" evt="onNext">
-                  <p:tgtEl>
-                    <p:sldTgt/>
-                  </p:tgtEl>
-                </p:cond>
-              </p:nextCondLst>
-            </p:seq>
-          </p:childTnLst>
-        </p:cTn>
-      </p:par>
-    </p:tnLst>
-  </p:timing>
+</p:sld>
+</file>
+
+<file path=ppt/slides/slide10.xml><?xml version="1.0" encoding="utf-8"?>
+<p:sld xmlns:a="http://schemas.openxmlformats.org/drawingml/2006/main" xmlns:p="http://schemas.openxmlformats.org/presentationml/2006/main" xmlns:r="http://schemas.openxmlformats.org/officeDocument/2006/relationships" xmlns:p14="http://schemas.microsoft.com/office/powerpoint/2010/main" xmlns:p15="http://schemas.microsoft.com/office/powerpoint/2012/main" xmlns:mc="http://schemas.openxmlformats.org/markup-compatibility/2006">
+  <p:cSld>
+    <p:spTree>
+      <p:nvGrpSpPr>
+        <p:cNvPr id="1" name=""/>
+        <p:cNvGrpSpPr/>
+        <p:nvPr/>
+      </p:nvGrpSpPr>
+      <p:grpSpPr>
+        <a:xfrm>
+          <a:off x="0" y="0"/>
+          <a:ext cx="0" cy="0"/>
+          <a:chOff x="0" y="0"/>
+          <a:chExt cx="0" cy="0"/>
+        </a:xfrm>
+      </p:grpSpPr>
+      <p:sp>
+        <p:nvSpPr>
+          <p:cNvPr id="113" name="TextShape 1"/>
+          <p:cNvSpPr txBox="1"/>
+          <p:nvPr/>
+        </p:nvSpPr>
+        <p:spPr>
+          <a:xfrm>
+            <a:off x="360000" y="360000"/>
+            <a:ext cx="9359640" cy="899640"/>
+          </a:xfrm>
+          <a:prstGeom prst="rect">
+            <a:avLst/>
+          </a:prstGeom>
+          <a:noFill/>
+          <a:ln>
+            <a:noFill/>
+          </a:ln>
+        </p:spPr>
+        <p:txBody>
+          <a:bodyPr lIns="0" rIns="0" tIns="0" bIns="0" anchor="b"/>
+          <a:p>
+            <a:pPr>
+              <a:lnSpc>
+                <a:spcPct val="100000"/>
+              </a:lnSpc>
+            </a:pPr>
+            <a:r>
+              <a:rPr b="1" lang="en-US" sz="3200" spc="-1" strike="noStrike">
+                <a:solidFill>
+                  <a:srgbClr val="ffffff"/>
+                </a:solidFill>
+                <a:latin typeface="Source Sans Pro Black"/>
+                <a:ea typeface="Source Sans Pro Black"/>
+              </a:rPr>
+              <a:t>Application Output (point cloud)</a:t>
+            </a:r>
+            <a:endParaRPr b="0" lang="en-US" sz="3200" spc="-1" strike="noStrike">
+              <a:solidFill>
+                <a:srgbClr val="000000"/>
+              </a:solidFill>
+              <a:latin typeface="Arial"/>
+            </a:endParaRPr>
+          </a:p>
+        </p:txBody>
+      </p:sp>
+      <p:sp>
+        <p:nvSpPr>
+          <p:cNvPr id="114" name="TextShape 2"/>
+          <p:cNvSpPr txBox="1"/>
+          <p:nvPr/>
+        </p:nvSpPr>
+        <p:spPr>
+          <a:xfrm>
+            <a:off x="360000" y="1980000"/>
+            <a:ext cx="9179640" cy="4679640"/>
+          </a:xfrm>
+          <a:prstGeom prst="rect">
+            <a:avLst/>
+          </a:prstGeom>
+          <a:noFill/>
+          <a:ln>
+            <a:noFill/>
+          </a:ln>
+        </p:spPr>
+        <p:txBody>
+          <a:bodyPr lIns="0" rIns="0" tIns="0" bIns="0"/>
+          <a:p>
+            <a:endParaRPr b="0" lang="en-US" sz="1400" spc="-1" strike="noStrike">
+              <a:solidFill>
+                <a:srgbClr val="000000"/>
+              </a:solidFill>
+              <a:latin typeface="Arial"/>
+            </a:endParaRPr>
+          </a:p>
+        </p:txBody>
+      </p:sp>
+      <p:pic>
+        <p:nvPicPr>
+          <p:cNvPr id="115" name="Google Shape;188;p36" descr=""/>
+          <p:cNvPicPr/>
+          <p:nvPr/>
+        </p:nvPicPr>
+        <p:blipFill>
+          <a:blip r:embed="rId1"/>
+          <a:stretch/>
+        </p:blipFill>
+        <p:spPr>
+          <a:xfrm>
+            <a:off x="360000" y="1980000"/>
+            <a:ext cx="4698000" cy="3822480"/>
+          </a:xfrm>
+          <a:prstGeom prst="rect">
+            <a:avLst/>
+          </a:prstGeom>
+          <a:ln>
+            <a:noFill/>
+          </a:ln>
+        </p:spPr>
+      </p:pic>
+      <p:pic>
+        <p:nvPicPr>
+          <p:cNvPr id="116" name="Google Shape;189;p36" descr=""/>
+          <p:cNvPicPr/>
+          <p:nvPr/>
+        </p:nvPicPr>
+        <p:blipFill>
+          <a:blip r:embed="rId2"/>
+          <a:stretch/>
+        </p:blipFill>
+        <p:spPr>
+          <a:xfrm>
+            <a:off x="6008040" y="1980000"/>
+            <a:ext cx="3531600" cy="3822480"/>
+          </a:xfrm>
+          <a:prstGeom prst="rect">
+            <a:avLst/>
+          </a:prstGeom>
+          <a:ln>
+            <a:noFill/>
+          </a:ln>
+        </p:spPr>
+      </p:pic>
+    </p:spTree>
+  </p:cSld>
+</p:sld>
+</file>
+
+<file path=ppt/slides/slide11.xml><?xml version="1.0" encoding="utf-8"?>
+<p:sld xmlns:a="http://schemas.openxmlformats.org/drawingml/2006/main" xmlns:p="http://schemas.openxmlformats.org/presentationml/2006/main" xmlns:r="http://schemas.openxmlformats.org/officeDocument/2006/relationships" xmlns:p14="http://schemas.microsoft.com/office/powerpoint/2010/main" xmlns:p15="http://schemas.microsoft.com/office/powerpoint/2012/main" xmlns:mc="http://schemas.openxmlformats.org/markup-compatibility/2006">
+  <p:cSld>
+    <p:spTree>
+      <p:nvGrpSpPr>
+        <p:cNvPr id="1" name=""/>
+        <p:cNvGrpSpPr/>
+        <p:nvPr/>
+      </p:nvGrpSpPr>
+      <p:grpSpPr>
+        <a:xfrm>
+          <a:off x="0" y="0"/>
+          <a:ext cx="0" cy="0"/>
+          <a:chOff x="0" y="0"/>
+          <a:chExt cx="0" cy="0"/>
+        </a:xfrm>
+      </p:grpSpPr>
+      <p:sp>
+        <p:nvSpPr>
+          <p:cNvPr id="117" name="TextShape 1"/>
+          <p:cNvSpPr txBox="1"/>
+          <p:nvPr/>
+        </p:nvSpPr>
+        <p:spPr>
+          <a:xfrm>
+            <a:off x="360000" y="360000"/>
+            <a:ext cx="9359640" cy="899640"/>
+          </a:xfrm>
+          <a:prstGeom prst="rect">
+            <a:avLst/>
+          </a:prstGeom>
+          <a:noFill/>
+          <a:ln>
+            <a:noFill/>
+          </a:ln>
+        </p:spPr>
+        <p:txBody>
+          <a:bodyPr lIns="0" rIns="0" tIns="0" bIns="0" anchor="b"/>
+          <a:p>
+            <a:pPr>
+              <a:lnSpc>
+                <a:spcPct val="100000"/>
+              </a:lnSpc>
+            </a:pPr>
+            <a:r>
+              <a:rPr b="1" lang="en-US" sz="3200" spc="-1" strike="noStrike">
+                <a:solidFill>
+                  <a:srgbClr val="ffffff"/>
+                </a:solidFill>
+                <a:latin typeface="Source Sans Pro Black"/>
+                <a:ea typeface="Source Sans Pro Black"/>
+              </a:rPr>
+              <a:t>Next Steps</a:t>
+            </a:r>
+            <a:endParaRPr b="0" lang="en-US" sz="3200" spc="-1" strike="noStrike">
+              <a:solidFill>
+                <a:srgbClr val="000000"/>
+              </a:solidFill>
+              <a:latin typeface="Arial"/>
+            </a:endParaRPr>
+          </a:p>
+        </p:txBody>
+      </p:sp>
+      <p:sp>
+        <p:nvSpPr>
+          <p:cNvPr id="118" name="TextShape 2"/>
+          <p:cNvSpPr txBox="1"/>
+          <p:nvPr/>
+        </p:nvSpPr>
+        <p:spPr>
+          <a:xfrm>
+            <a:off x="360000" y="1980000"/>
+            <a:ext cx="9179640" cy="4679640"/>
+          </a:xfrm>
+          <a:prstGeom prst="rect">
+            <a:avLst/>
+          </a:prstGeom>
+          <a:noFill/>
+          <a:ln>
+            <a:noFill/>
+          </a:ln>
+        </p:spPr>
+        <p:txBody>
+          <a:bodyPr lIns="0" rIns="0" tIns="0" bIns="0"/>
+          <a:p>
+            <a:pPr>
+              <a:lnSpc>
+                <a:spcPct val="100000"/>
+              </a:lnSpc>
+            </a:pPr>
+            <a:r>
+              <a:rPr b="0" lang="en-US" sz="1800" spc="-1" strike="noStrike">
+                <a:solidFill>
+                  <a:srgbClr val="000000"/>
+                </a:solidFill>
+                <a:latin typeface="Arial"/>
+                <a:ea typeface="Arial"/>
+              </a:rPr>
+              <a:t>The next steps for this project are to convert the existing code to use the PCL PCD file format.</a:t>
+            </a:r>
+            <a:endParaRPr b="0" lang="en-US" sz="1800" spc="-1" strike="noStrike">
+              <a:solidFill>
+                <a:srgbClr val="000000"/>
+              </a:solidFill>
+              <a:latin typeface="Arial"/>
+            </a:endParaRPr>
+          </a:p>
+          <a:p>
+            <a:pPr>
+              <a:lnSpc>
+                <a:spcPct val="100000"/>
+              </a:lnSpc>
+            </a:pPr>
+            <a:r>
+              <a:rPr b="0" lang="en-US" sz="1800" spc="-1" strike="noStrike">
+                <a:solidFill>
+                  <a:srgbClr val="000000"/>
+                </a:solidFill>
+                <a:latin typeface="Arial"/>
+                <a:ea typeface="Arial"/>
+              </a:rPr>
+              <a:t>This is necessary as the goal of this project is to eventually try to find the changes between each point cloud in the m_objects list.</a:t>
+            </a:r>
+            <a:endParaRPr b="0" lang="en-US" sz="1800" spc="-1" strike="noStrike">
+              <a:solidFill>
+                <a:srgbClr val="000000"/>
+              </a:solidFill>
+              <a:latin typeface="Arial"/>
+            </a:endParaRPr>
+          </a:p>
+          <a:p>
+            <a:pPr>
+              <a:lnSpc>
+                <a:spcPct val="100000"/>
+              </a:lnSpc>
+            </a:pPr>
+            <a:endParaRPr b="0" lang="en-US" sz="1800" spc="-1" strike="noStrike">
+              <a:solidFill>
+                <a:srgbClr val="000000"/>
+              </a:solidFill>
+              <a:latin typeface="Arial"/>
+            </a:endParaRPr>
+          </a:p>
+          <a:p>
+            <a:pPr>
+              <a:lnSpc>
+                <a:spcPct val="100000"/>
+              </a:lnSpc>
+            </a:pPr>
+            <a:r>
+              <a:rPr b="0" lang="en-US" sz="1800" spc="-1" strike="noStrike">
+                <a:solidFill>
+                  <a:srgbClr val="000000"/>
+                </a:solidFill>
+                <a:latin typeface="Arial"/>
+                <a:ea typeface="Arial"/>
+              </a:rPr>
+              <a:t>To do this registration algorithms from the PCL will be used.</a:t>
+            </a:r>
+            <a:endParaRPr b="0" lang="en-US" sz="1800" spc="-1" strike="noStrike">
+              <a:solidFill>
+                <a:srgbClr val="000000"/>
+              </a:solidFill>
+              <a:latin typeface="Arial"/>
+            </a:endParaRPr>
+          </a:p>
+        </p:txBody>
+      </p:sp>
+    </p:spTree>
+  </p:cSld>
 </p:sld>
 </file>
 
@@ -3925,14 +4055,14 @@
       </p:grpSpPr>
       <p:sp>
         <p:nvSpPr>
-          <p:cNvPr id="89" name="TextShape 1"/>
-          <p:cNvSpPr txBox="1"/>
+          <p:cNvPr id="83" name="CustomShape 1"/>
+          <p:cNvSpPr/>
           <p:nvPr/>
         </p:nvSpPr>
         <p:spPr>
           <a:xfrm>
             <a:off x="360000" y="360000"/>
-            <a:ext cx="9360000" cy="900000"/>
+            <a:ext cx="9359640" cy="899640"/>
           </a:xfrm>
           <a:prstGeom prst="rect">
             <a:avLst/>
@@ -3942,30 +4072,39 @@
             <a:noFill/>
           </a:ln>
         </p:spPr>
+        <p:style>
+          <a:lnRef idx="0"/>
+          <a:fillRef idx="0"/>
+          <a:effectRef idx="0"/>
+          <a:fontRef idx="minor"/>
+        </p:style>
         <p:txBody>
           <a:bodyPr lIns="0" rIns="0" tIns="0" bIns="0" anchor="b"/>
           <a:p>
+            <a:pPr>
+              <a:lnSpc>
+                <a:spcPct val="100000"/>
+              </a:lnSpc>
+            </a:pPr>
             <a:r>
-              <a:rPr b="1" lang="en-GB" sz="3200" spc="-1" strike="noStrike">
+              <a:rPr b="1" lang="en-US" sz="3200" spc="-1" strike="noStrike">
                 <a:solidFill>
                   <a:srgbClr val="ffffff"/>
                 </a:solidFill>
                 <a:latin typeface="Source Sans Pro Black"/>
+                <a:ea typeface="Source Sans Pro Black"/>
               </a:rPr>
               <a:t>OpenGL Visualisation Output (Depth)</a:t>
             </a:r>
-            <a:endParaRPr b="1" lang="en-GB" sz="3200" spc="-1" strike="noStrike">
-              <a:solidFill>
-                <a:srgbClr val="ffffff"/>
-              </a:solidFill>
-              <a:latin typeface="Source Sans Pro Black"/>
+            <a:endParaRPr b="0" lang="en-US" sz="3200" spc="-1" strike="noStrike">
+              <a:latin typeface="Cambria"/>
             </a:endParaRPr>
           </a:p>
         </p:txBody>
       </p:sp>
       <p:pic>
         <p:nvPicPr>
-          <p:cNvPr id="90" name="" descr=""/>
+          <p:cNvPr id="84" name="Google Shape;125;p28" descr=""/>
           <p:cNvPicPr/>
           <p:nvPr/>
         </p:nvPicPr>
@@ -3975,8 +4114,8 @@
         </p:blipFill>
         <p:spPr>
           <a:xfrm>
-            <a:off x="1811880" y="1980000"/>
-            <a:ext cx="6275880" cy="4680000"/>
+            <a:off x="3471480" y="1889640"/>
+            <a:ext cx="3137760" cy="2340000"/>
           </a:xfrm>
           <a:prstGeom prst="rect">
             <a:avLst/>
@@ -3986,35 +4125,108 @@
           </a:ln>
         </p:spPr>
       </p:pic>
+      <p:sp>
+        <p:nvSpPr>
+          <p:cNvPr id="85" name="CustomShape 2"/>
+          <p:cNvSpPr/>
+          <p:nvPr/>
+        </p:nvSpPr>
+        <p:spPr>
+          <a:xfrm>
+            <a:off x="924840" y="4473360"/>
+            <a:ext cx="8794800" cy="1859400"/>
+          </a:xfrm>
+          <a:prstGeom prst="rect">
+            <a:avLst/>
+          </a:prstGeom>
+          <a:noFill/>
+          <a:ln>
+            <a:noFill/>
+          </a:ln>
+        </p:spPr>
+        <p:style>
+          <a:lnRef idx="0"/>
+          <a:fillRef idx="0"/>
+          <a:effectRef idx="0"/>
+          <a:fontRef idx="minor"/>
+        </p:style>
+        <p:txBody>
+          <a:bodyPr tIns="91440" bIns="91440"/>
+          <a:p>
+            <a:pPr>
+              <a:lnSpc>
+                <a:spcPct val="100000"/>
+              </a:lnSpc>
+            </a:pPr>
+            <a:r>
+              <a:rPr b="0" lang="en-US" sz="1400" spc="-1" strike="noStrike">
+                <a:solidFill>
+                  <a:srgbClr val="000000"/>
+                </a:solidFill>
+                <a:latin typeface="Arial"/>
+                <a:ea typeface="Arial"/>
+              </a:rPr>
+              <a:t>The image above shows the output from an OpenGL viewer which is receiving a data stream from a Kinect V1 camera.</a:t>
+            </a:r>
+            <a:br/>
+            <a:r>
+              <a:rPr b="0" lang="en-US" sz="1400" spc="-1" strike="noStrike">
+                <a:solidFill>
+                  <a:srgbClr val="000000"/>
+                </a:solidFill>
+                <a:latin typeface="Arial"/>
+                <a:ea typeface="Arial"/>
+              </a:rPr>
+              <a:t>The image contains, at the bottom in red a desk upon which two cylindrical objects are sat, a board is positioned behind these objects.</a:t>
+            </a:r>
+            <a:endParaRPr b="0" lang="en-US" sz="1400" spc="-1" strike="noStrike">
+              <a:latin typeface="Cambria"/>
+            </a:endParaRPr>
+          </a:p>
+          <a:p>
+            <a:pPr>
+              <a:lnSpc>
+                <a:spcPct val="100000"/>
+              </a:lnSpc>
+            </a:pPr>
+            <a:r>
+              <a:rPr b="0" lang="en-US" sz="1400" spc="-1" strike="noStrike">
+                <a:solidFill>
+                  <a:srgbClr val="000000"/>
+                </a:solidFill>
+                <a:latin typeface="Arial"/>
+                <a:ea typeface="Arial"/>
+              </a:rPr>
+              <a:t>The colours in this visualisation represent the distance at which the objects are located, red is closer and blue is further away.</a:t>
+            </a:r>
+            <a:endParaRPr b="0" lang="en-US" sz="1400" spc="-1" strike="noStrike">
+              <a:latin typeface="Cambria"/>
+            </a:endParaRPr>
+          </a:p>
+          <a:p>
+            <a:pPr>
+              <a:lnSpc>
+                <a:spcPct val="100000"/>
+              </a:lnSpc>
+            </a:pPr>
+            <a:r>
+              <a:rPr b="0" lang="en-US" sz="1400" spc="-1" strike="noStrike">
+                <a:solidFill>
+                  <a:srgbClr val="000000"/>
+                </a:solidFill>
+                <a:latin typeface="Arial"/>
+                <a:ea typeface="Arial"/>
+              </a:rPr>
+              <a:t>The black bars along the left hand side of each object is caused by the parallax of the camera's sensor.</a:t>
+            </a:r>
+            <a:endParaRPr b="0" lang="en-US" sz="1400" spc="-1" strike="noStrike">
+              <a:latin typeface="Cambria"/>
+            </a:endParaRPr>
+          </a:p>
+        </p:txBody>
+      </p:sp>
     </p:spTree>
   </p:cSld>
-  <p:timing>
-    <p:tnLst>
-      <p:par>
-        <p:cTn id="3" dur="indefinite" restart="never" nodeType="tmRoot">
-          <p:childTnLst>
-            <p:seq>
-              <p:cTn id="4" dur="indefinite" nodeType="mainSeq"/>
-              <p:prevCondLst>
-                <p:cond delay="0" evt="onPrev">
-                  <p:tgtEl>
-                    <p:sldTgt/>
-                  </p:tgtEl>
-                </p:cond>
-              </p:prevCondLst>
-              <p:nextCondLst>
-                <p:cond delay="0" evt="onNext">
-                  <p:tgtEl>
-                    <p:sldTgt/>
-                  </p:tgtEl>
-                </p:cond>
-              </p:nextCondLst>
-            </p:seq>
-          </p:childTnLst>
-        </p:cTn>
-      </p:par>
-    </p:tnLst>
-  </p:timing>
 </p:sld>
 </file>
 
@@ -4037,14 +4249,14 @@
       </p:grpSpPr>
       <p:sp>
         <p:nvSpPr>
-          <p:cNvPr id="91" name="TextShape 1"/>
-          <p:cNvSpPr txBox="1"/>
+          <p:cNvPr id="86" name="CustomShape 1"/>
+          <p:cNvSpPr/>
           <p:nvPr/>
         </p:nvSpPr>
         <p:spPr>
           <a:xfrm>
             <a:off x="360000" y="360000"/>
-            <a:ext cx="9360000" cy="900000"/>
+            <a:ext cx="9359640" cy="899640"/>
           </a:xfrm>
           <a:prstGeom prst="rect">
             <a:avLst/>
@@ -4054,30 +4266,39 @@
             <a:noFill/>
           </a:ln>
         </p:spPr>
+        <p:style>
+          <a:lnRef idx="0"/>
+          <a:fillRef idx="0"/>
+          <a:effectRef idx="0"/>
+          <a:fontRef idx="minor"/>
+        </p:style>
         <p:txBody>
           <a:bodyPr lIns="0" rIns="0" tIns="0" bIns="0" anchor="b"/>
           <a:p>
+            <a:pPr>
+              <a:lnSpc>
+                <a:spcPct val="100000"/>
+              </a:lnSpc>
+            </a:pPr>
             <a:r>
-              <a:rPr b="1" lang="en-GB" sz="3200" spc="-1" strike="noStrike">
+              <a:rPr b="1" lang="en-US" sz="3200" spc="-1" strike="noStrike">
                 <a:solidFill>
                   <a:srgbClr val="ffffff"/>
                 </a:solidFill>
                 <a:latin typeface="Source Sans Pro Black"/>
+                <a:ea typeface="Source Sans Pro Black"/>
               </a:rPr>
               <a:t>OpenGL Visualisation Output</a:t>
             </a:r>
-            <a:endParaRPr b="1" lang="en-GB" sz="3200" spc="-1" strike="noStrike">
-              <a:solidFill>
-                <a:srgbClr val="ffffff"/>
-              </a:solidFill>
-              <a:latin typeface="Source Sans Pro Black"/>
+            <a:endParaRPr b="0" lang="en-US" sz="3200" spc="-1" strike="noStrike">
+              <a:latin typeface="Cambria"/>
             </a:endParaRPr>
           </a:p>
         </p:txBody>
       </p:sp>
       <p:pic>
         <p:nvPicPr>
-          <p:cNvPr id="92" name="" descr=""/>
+          <p:cNvPr id="87" name="Google Shape;132;p29" descr=""/>
           <p:cNvPicPr/>
           <p:nvPr/>
         </p:nvPicPr>
@@ -4087,8 +4308,8 @@
         </p:blipFill>
         <p:spPr>
           <a:xfrm>
-            <a:off x="360000" y="2603880"/>
-            <a:ext cx="9180000" cy="3432240"/>
+            <a:off x="2745360" y="2199240"/>
+            <a:ext cx="4589640" cy="1720800"/>
           </a:xfrm>
           <a:prstGeom prst="rect">
             <a:avLst/>
@@ -4098,35 +4319,98 @@
           </a:ln>
         </p:spPr>
       </p:pic>
+      <p:sp>
+        <p:nvSpPr>
+          <p:cNvPr id="88" name="CustomShape 2"/>
+          <p:cNvSpPr/>
+          <p:nvPr/>
+        </p:nvSpPr>
+        <p:spPr>
+          <a:xfrm>
+            <a:off x="924840" y="4473360"/>
+            <a:ext cx="8794800" cy="1859400"/>
+          </a:xfrm>
+          <a:prstGeom prst="rect">
+            <a:avLst/>
+          </a:prstGeom>
+          <a:noFill/>
+          <a:ln>
+            <a:noFill/>
+          </a:ln>
+        </p:spPr>
+        <p:style>
+          <a:lnRef idx="0"/>
+          <a:fillRef idx="0"/>
+          <a:effectRef idx="0"/>
+          <a:fontRef idx="minor"/>
+        </p:style>
+        <p:txBody>
+          <a:bodyPr tIns="91440" bIns="91440"/>
+          <a:p>
+            <a:pPr>
+              <a:lnSpc>
+                <a:spcPct val="100000"/>
+              </a:lnSpc>
+            </a:pPr>
+            <a:r>
+              <a:rPr b="0" lang="en-US" sz="1400" spc="-1" strike="noStrike">
+                <a:solidFill>
+                  <a:srgbClr val="000000"/>
+                </a:solidFill>
+                <a:latin typeface="Arial"/>
+                <a:ea typeface="Arial"/>
+              </a:rPr>
+              <a:t>The image above shows the output from an OpenGL viewer which is receiving a data stream from a Kinect V1 camera.</a:t>
+            </a:r>
+            <a:br/>
+            <a:r>
+              <a:rPr b="0" lang="en-US" sz="1400" spc="-1" strike="noStrike">
+                <a:solidFill>
+                  <a:srgbClr val="000000"/>
+                </a:solidFill>
+                <a:latin typeface="Arial"/>
+                <a:ea typeface="Arial"/>
+              </a:rPr>
+              <a:t>The image contains, the same objects as before but now a rectangular book has been placed to the left of the previous objects.</a:t>
+            </a:r>
+            <a:endParaRPr b="0" lang="en-US" sz="1400" spc="-1" strike="noStrike">
+              <a:latin typeface="Cambria"/>
+            </a:endParaRPr>
+          </a:p>
+          <a:p>
+            <a:pPr>
+              <a:lnSpc>
+                <a:spcPct val="100000"/>
+              </a:lnSpc>
+            </a:pPr>
+            <a:endParaRPr b="0" lang="en-US" sz="1400" spc="-1" strike="noStrike">
+              <a:latin typeface="Cambria"/>
+            </a:endParaRPr>
+          </a:p>
+          <a:p>
+            <a:pPr>
+              <a:lnSpc>
+                <a:spcPct val="100000"/>
+              </a:lnSpc>
+            </a:pPr>
+            <a:r>
+              <a:rPr b="0" lang="en-US" sz="1400" spc="-1" strike="noStrike">
+                <a:solidFill>
+                  <a:srgbClr val="000000"/>
+                </a:solidFill>
+                <a:latin typeface="Arial"/>
+                <a:ea typeface="Arial"/>
+              </a:rPr>
+              <a:t>The image to the right shows the RGB data stream from the camera.</a:t>
+            </a:r>
+            <a:endParaRPr b="0" lang="en-US" sz="1400" spc="-1" strike="noStrike">
+              <a:latin typeface="Cambria"/>
+            </a:endParaRPr>
+          </a:p>
+        </p:txBody>
+      </p:sp>
     </p:spTree>
   </p:cSld>
-  <p:timing>
-    <p:tnLst>
-      <p:par>
-        <p:cTn id="5" dur="indefinite" restart="never" nodeType="tmRoot">
-          <p:childTnLst>
-            <p:seq>
-              <p:cTn id="6" dur="indefinite" nodeType="mainSeq"/>
-              <p:prevCondLst>
-                <p:cond delay="0" evt="onPrev">
-                  <p:tgtEl>
-                    <p:sldTgt/>
-                  </p:tgtEl>
-                </p:cond>
-              </p:prevCondLst>
-              <p:nextCondLst>
-                <p:cond delay="0" evt="onNext">
-                  <p:tgtEl>
-                    <p:sldTgt/>
-                  </p:tgtEl>
-                </p:cond>
-              </p:nextCondLst>
-            </p:seq>
-          </p:childTnLst>
-        </p:cTn>
-      </p:par>
-    </p:tnLst>
-  </p:timing>
 </p:sld>
 </file>
 
@@ -4147,9 +4431,86 @@
           <a:chExt cx="0" cy="0"/>
         </a:xfrm>
       </p:grpSpPr>
+      <p:sp>
+        <p:nvSpPr>
+          <p:cNvPr id="89" name="TextShape 1"/>
+          <p:cNvSpPr txBox="1"/>
+          <p:nvPr/>
+        </p:nvSpPr>
+        <p:spPr>
+          <a:xfrm>
+            <a:off x="360000" y="360000"/>
+            <a:ext cx="9359640" cy="899640"/>
+          </a:xfrm>
+          <a:prstGeom prst="rect">
+            <a:avLst/>
+          </a:prstGeom>
+          <a:noFill/>
+          <a:ln>
+            <a:noFill/>
+          </a:ln>
+        </p:spPr>
+        <p:txBody>
+          <a:bodyPr lIns="0" rIns="0" tIns="0" bIns="0" anchor="b"/>
+          <a:p>
+            <a:pPr>
+              <a:lnSpc>
+                <a:spcPct val="100000"/>
+              </a:lnSpc>
+            </a:pPr>
+            <a:r>
+              <a:rPr b="1" lang="en-US" sz="3200" spc="-1" strike="noStrike">
+                <a:solidFill>
+                  <a:srgbClr val="ffffff"/>
+                </a:solidFill>
+                <a:latin typeface="Source Sans Pro Black"/>
+                <a:ea typeface="Source Sans Pro Black"/>
+              </a:rPr>
+              <a:t>Point Cloud</a:t>
+            </a:r>
+            <a:endParaRPr b="0" lang="en-US" sz="3200" spc="-1" strike="noStrike">
+              <a:solidFill>
+                <a:srgbClr val="000000"/>
+              </a:solidFill>
+              <a:latin typeface="Arial"/>
+            </a:endParaRPr>
+          </a:p>
+        </p:txBody>
+      </p:sp>
+      <p:sp>
+        <p:nvSpPr>
+          <p:cNvPr id="90" name="TextShape 2"/>
+          <p:cNvSpPr txBox="1"/>
+          <p:nvPr/>
+        </p:nvSpPr>
+        <p:spPr>
+          <a:xfrm>
+            <a:off x="360000" y="1980000"/>
+            <a:ext cx="9179640" cy="4679640"/>
+          </a:xfrm>
+          <a:prstGeom prst="rect">
+            <a:avLst/>
+          </a:prstGeom>
+          <a:noFill/>
+          <a:ln>
+            <a:noFill/>
+          </a:ln>
+        </p:spPr>
+        <p:txBody>
+          <a:bodyPr lIns="0" rIns="0" tIns="0" bIns="0"/>
+          <a:p>
+            <a:endParaRPr b="0" lang="en-US" sz="1400" spc="-1" strike="noStrike">
+              <a:solidFill>
+                <a:srgbClr val="000000"/>
+              </a:solidFill>
+              <a:latin typeface="Arial"/>
+            </a:endParaRPr>
+          </a:p>
+        </p:txBody>
+      </p:sp>
       <p:pic>
         <p:nvPicPr>
-          <p:cNvPr id="93" name="" descr=""/>
+          <p:cNvPr id="91" name="Google Shape;140;p30" descr=""/>
           <p:cNvPicPr/>
           <p:nvPr/>
         </p:nvPicPr>
@@ -4159,8 +4520,8 @@
         </p:blipFill>
         <p:spPr>
           <a:xfrm>
-            <a:off x="6336000" y="3168000"/>
-            <a:ext cx="3600000" cy="3488400"/>
+            <a:off x="2745360" y="2104200"/>
+            <a:ext cx="2349000" cy="1910880"/>
           </a:xfrm>
           <a:prstGeom prst="rect">
             <a:avLst/>
@@ -4170,49 +4531,9 @@
           </a:ln>
         </p:spPr>
       </p:pic>
-      <p:sp>
-        <p:nvSpPr>
-          <p:cNvPr id="94" name="TextShape 1"/>
-          <p:cNvSpPr txBox="1"/>
-          <p:nvPr/>
-        </p:nvSpPr>
-        <p:spPr>
-          <a:xfrm>
-            <a:off x="360000" y="360000"/>
-            <a:ext cx="9360000" cy="900000"/>
-          </a:xfrm>
-          <a:prstGeom prst="rect">
-            <a:avLst/>
-          </a:prstGeom>
-          <a:noFill/>
-          <a:ln>
-            <a:noFill/>
-          </a:ln>
-        </p:spPr>
-        <p:txBody>
-          <a:bodyPr lIns="0" rIns="0" tIns="0" bIns="0" anchor="b"/>
-          <a:p>
-            <a:r>
-              <a:rPr b="1" lang="en-GB" sz="3200" spc="-1" strike="noStrike">
-                <a:solidFill>
-                  <a:srgbClr val="ffffff"/>
-                </a:solidFill>
-                <a:latin typeface="Source Sans Pro Black"/>
-              </a:rPr>
-              <a:t>Point Cloud Online Visualisation</a:t>
-            </a:r>
-            <a:endParaRPr b="1" lang="en-GB" sz="3200" spc="-1" strike="noStrike">
-              <a:solidFill>
-                <a:srgbClr val="ffffff"/>
-              </a:solidFill>
-              <a:latin typeface="Source Sans Pro Black"/>
-            </a:endParaRPr>
-          </a:p>
-        </p:txBody>
-      </p:sp>
       <p:pic>
         <p:nvPicPr>
-          <p:cNvPr id="95" name="" descr=""/>
+          <p:cNvPr id="92" name="Google Shape;141;p30" descr=""/>
           <p:cNvPicPr/>
           <p:nvPr/>
         </p:nvPicPr>
@@ -4222,8 +4543,8 @@
         </p:blipFill>
         <p:spPr>
           <a:xfrm>
-            <a:off x="216000" y="2541600"/>
-            <a:ext cx="3600000" cy="4082400"/>
+            <a:off x="5569200" y="2104200"/>
+            <a:ext cx="1765800" cy="1910880"/>
           </a:xfrm>
           <a:prstGeom prst="rect">
             <a:avLst/>
@@ -4233,9 +4554,215 @@
           </a:ln>
         </p:spPr>
       </p:pic>
+      <p:sp>
+        <p:nvSpPr>
+          <p:cNvPr id="93" name="CustomShape 3"/>
+          <p:cNvSpPr/>
+          <p:nvPr/>
+        </p:nvSpPr>
+        <p:spPr>
+          <a:xfrm>
+            <a:off x="924840" y="4473360"/>
+            <a:ext cx="8794800" cy="1859400"/>
+          </a:xfrm>
+          <a:prstGeom prst="rect">
+            <a:avLst/>
+          </a:prstGeom>
+          <a:noFill/>
+          <a:ln>
+            <a:noFill/>
+          </a:ln>
+        </p:spPr>
+        <p:style>
+          <a:lnRef idx="0"/>
+          <a:fillRef idx="0"/>
+          <a:effectRef idx="0"/>
+          <a:fontRef idx="minor"/>
+        </p:style>
+        <p:txBody>
+          <a:bodyPr tIns="91440" bIns="91440"/>
+          <a:p>
+            <a:pPr>
+              <a:lnSpc>
+                <a:spcPct val="100000"/>
+              </a:lnSpc>
+            </a:pPr>
+            <a:r>
+              <a:rPr b="0" lang="en-US" sz="1400" spc="-1" strike="noStrike">
+                <a:solidFill>
+                  <a:srgbClr val="000000"/>
+                </a:solidFill>
+                <a:latin typeface="Arial"/>
+                <a:ea typeface="Arial"/>
+              </a:rPr>
+              <a:t>The image above shows a point cloud visualisation of data which was similar to what was visualised in the previous slides previously.</a:t>
+            </a:r>
+            <a:endParaRPr b="0" lang="en-US" sz="1400" spc="-1" strike="noStrike">
+              <a:latin typeface="Cambria"/>
+            </a:endParaRPr>
+          </a:p>
+          <a:p>
+            <a:pPr>
+              <a:lnSpc>
+                <a:spcPct val="100000"/>
+              </a:lnSpc>
+            </a:pPr>
+            <a:r>
+              <a:rPr b="0" lang="en-US" sz="1400" spc="-1" strike="noStrike">
+                <a:solidFill>
+                  <a:srgbClr val="000000"/>
+                </a:solidFill>
+                <a:latin typeface="Arial"/>
+                <a:ea typeface="Arial"/>
+              </a:rPr>
+              <a:t>A point cloud is a collection of points which represent the position of objects in 3D space. Each point here represents one piece of depth information which was gathered from the Kinect camera.</a:t>
+            </a:r>
+            <a:endParaRPr b="0" lang="en-US" sz="1400" spc="-1" strike="noStrike">
+              <a:latin typeface="Cambria"/>
+            </a:endParaRPr>
+          </a:p>
+          <a:p>
+            <a:pPr>
+              <a:lnSpc>
+                <a:spcPct val="100000"/>
+              </a:lnSpc>
+            </a:pPr>
+            <a:r>
+              <a:rPr b="0" lang="en-US" sz="1400" spc="-1" strike="noStrike">
+                <a:solidFill>
+                  <a:srgbClr val="000000"/>
+                </a:solidFill>
+                <a:latin typeface="Arial"/>
+                <a:ea typeface="Arial"/>
+              </a:rPr>
+              <a:t>A point cloud can be manipulated, eg. rotating and scaling.</a:t>
+            </a:r>
+            <a:endParaRPr b="0" lang="en-US" sz="1400" spc="-1" strike="noStrike">
+              <a:latin typeface="Cambria"/>
+            </a:endParaRPr>
+          </a:p>
+        </p:txBody>
+      </p:sp>
+    </p:spTree>
+  </p:cSld>
+</p:sld>
+</file>
+
+<file path=ppt/slides/slide5.xml><?xml version="1.0" encoding="utf-8"?>
+<p:sld xmlns:a="http://schemas.openxmlformats.org/drawingml/2006/main" xmlns:p="http://schemas.openxmlformats.org/presentationml/2006/main" xmlns:r="http://schemas.openxmlformats.org/officeDocument/2006/relationships" xmlns:p14="http://schemas.microsoft.com/office/powerpoint/2010/main" xmlns:p15="http://schemas.microsoft.com/office/powerpoint/2012/main" xmlns:mc="http://schemas.openxmlformats.org/markup-compatibility/2006">
+  <p:cSld>
+    <p:spTree>
+      <p:nvGrpSpPr>
+        <p:cNvPr id="1" name=""/>
+        <p:cNvGrpSpPr/>
+        <p:nvPr/>
+      </p:nvGrpSpPr>
+      <p:grpSpPr>
+        <a:xfrm>
+          <a:off x="0" y="0"/>
+          <a:ext cx="0" cy="0"/>
+          <a:chOff x="0" y="0"/>
+          <a:chExt cx="0" cy="0"/>
+        </a:xfrm>
+      </p:grpSpPr>
       <p:pic>
         <p:nvPicPr>
-          <p:cNvPr id="96" name="" descr=""/>
+          <p:cNvPr id="94" name="Google Shape;147;p31" descr=""/>
+          <p:cNvPicPr/>
+          <p:nvPr/>
+        </p:nvPicPr>
+        <p:blipFill>
+          <a:blip r:embed="rId1"/>
+          <a:stretch/>
+        </p:blipFill>
+        <p:spPr>
+          <a:xfrm>
+            <a:off x="6336000" y="3168000"/>
+            <a:ext cx="3599640" cy="3488040"/>
+          </a:xfrm>
+          <a:prstGeom prst="rect">
+            <a:avLst/>
+          </a:prstGeom>
+          <a:ln>
+            <a:noFill/>
+          </a:ln>
+        </p:spPr>
+      </p:pic>
+      <p:sp>
+        <p:nvSpPr>
+          <p:cNvPr id="95" name="CustomShape 1"/>
+          <p:cNvSpPr/>
+          <p:nvPr/>
+        </p:nvSpPr>
+        <p:spPr>
+          <a:xfrm>
+            <a:off x="360000" y="360000"/>
+            <a:ext cx="9359640" cy="899640"/>
+          </a:xfrm>
+          <a:prstGeom prst="rect">
+            <a:avLst/>
+          </a:prstGeom>
+          <a:noFill/>
+          <a:ln>
+            <a:noFill/>
+          </a:ln>
+        </p:spPr>
+        <p:style>
+          <a:lnRef idx="0"/>
+          <a:fillRef idx="0"/>
+          <a:effectRef idx="0"/>
+          <a:fontRef idx="minor"/>
+        </p:style>
+        <p:txBody>
+          <a:bodyPr lIns="0" rIns="0" tIns="0" bIns="0" anchor="b"/>
+          <a:p>
+            <a:pPr>
+              <a:lnSpc>
+                <a:spcPct val="100000"/>
+              </a:lnSpc>
+            </a:pPr>
+            <a:r>
+              <a:rPr b="1" lang="en-US" sz="3200" spc="-1" strike="noStrike">
+                <a:solidFill>
+                  <a:srgbClr val="ffffff"/>
+                </a:solidFill>
+                <a:latin typeface="Source Sans Pro Black"/>
+                <a:ea typeface="Source Sans Pro Black"/>
+              </a:rPr>
+              <a:t>Point Cloud Online Visualisation</a:t>
+            </a:r>
+            <a:endParaRPr b="0" lang="en-US" sz="3200" spc="-1" strike="noStrike">
+              <a:latin typeface="Cambria"/>
+            </a:endParaRPr>
+          </a:p>
+        </p:txBody>
+      </p:sp>
+      <p:pic>
+        <p:nvPicPr>
+          <p:cNvPr id="96" name="Google Shape;149;p31" descr=""/>
+          <p:cNvPicPr/>
+          <p:nvPr/>
+        </p:nvPicPr>
+        <p:blipFill>
+          <a:blip r:embed="rId2"/>
+          <a:stretch/>
+        </p:blipFill>
+        <p:spPr>
+          <a:xfrm>
+            <a:off x="216000" y="2541600"/>
+            <a:ext cx="3599640" cy="4082040"/>
+          </a:xfrm>
+          <a:prstGeom prst="rect">
+            <a:avLst/>
+          </a:prstGeom>
+          <a:ln>
+            <a:noFill/>
+          </a:ln>
+        </p:spPr>
+      </p:pic>
+      <p:pic>
+        <p:nvPicPr>
+          <p:cNvPr id="97" name="Google Shape;150;p31" descr=""/>
           <p:cNvPicPr/>
           <p:nvPr/>
         </p:nvPicPr>
@@ -4246,7 +4773,7 @@
         <p:spPr>
           <a:xfrm>
             <a:off x="3297600" y="1575360"/>
-            <a:ext cx="3600000" cy="2779200"/>
+            <a:ext cx="3599640" cy="2778840"/>
           </a:xfrm>
           <a:prstGeom prst="rect">
             <a:avLst/>
@@ -4256,35 +4783,775 @@
           </a:ln>
         </p:spPr>
       </p:pic>
+      <p:sp>
+        <p:nvSpPr>
+          <p:cNvPr id="98" name="CustomShape 2"/>
+          <p:cNvSpPr/>
+          <p:nvPr/>
+        </p:nvSpPr>
+        <p:spPr>
+          <a:xfrm>
+            <a:off x="3930480" y="4473360"/>
+            <a:ext cx="2270880" cy="2149920"/>
+          </a:xfrm>
+          <a:prstGeom prst="rect">
+            <a:avLst/>
+          </a:prstGeom>
+          <a:noFill/>
+          <a:ln>
+            <a:noFill/>
+          </a:ln>
+        </p:spPr>
+        <p:style>
+          <a:lnRef idx="0"/>
+          <a:fillRef idx="0"/>
+          <a:effectRef idx="0"/>
+          <a:fontRef idx="minor"/>
+        </p:style>
+        <p:txBody>
+          <a:bodyPr tIns="91440" bIns="91440"/>
+          <a:p>
+            <a:pPr>
+              <a:lnSpc>
+                <a:spcPct val="100000"/>
+              </a:lnSpc>
+            </a:pPr>
+            <a:r>
+              <a:rPr b="0" lang="en-US" sz="1400" spc="-1" strike="noStrike">
+                <a:solidFill>
+                  <a:srgbClr val="000000"/>
+                </a:solidFill>
+                <a:latin typeface="Arial"/>
+                <a:ea typeface="Arial"/>
+              </a:rPr>
+              <a:t>Point Cloud visualisation of two people with a wall and window.</a:t>
+            </a:r>
+            <a:endParaRPr b="0" lang="en-US" sz="1400" spc="-1" strike="noStrike">
+              <a:latin typeface="Cambria"/>
+            </a:endParaRPr>
+          </a:p>
+          <a:p>
+            <a:pPr>
+              <a:lnSpc>
+                <a:spcPct val="100000"/>
+              </a:lnSpc>
+            </a:pPr>
+            <a:br/>
+            <a:r>
+              <a:rPr b="0" lang="en-US" sz="1400" spc="-1" strike="noStrike">
+                <a:solidFill>
+                  <a:srgbClr val="000000"/>
+                </a:solidFill>
+                <a:latin typeface="Arial"/>
+                <a:ea typeface="Arial"/>
+              </a:rPr>
+              <a:t>Person 1 is blue, person 2 is orange, wall is red, window is black circle.</a:t>
+            </a:r>
+            <a:endParaRPr b="0" lang="en-US" sz="1400" spc="-1" strike="noStrike">
+              <a:latin typeface="Cambria"/>
+            </a:endParaRPr>
+          </a:p>
+        </p:txBody>
+      </p:sp>
     </p:spTree>
   </p:cSld>
-  <p:timing>
-    <p:tnLst>
-      <p:par>
-        <p:cTn id="7" dur="indefinite" restart="never" nodeType="tmRoot">
-          <p:childTnLst>
-            <p:seq>
-              <p:cTn id="8" dur="indefinite" nodeType="mainSeq"/>
-              <p:prevCondLst>
-                <p:cond delay="0" evt="onPrev">
-                  <p:tgtEl>
-                    <p:sldTgt/>
-                  </p:tgtEl>
-                </p:cond>
-              </p:prevCondLst>
-              <p:nextCondLst>
-                <p:cond delay="0" evt="onNext">
-                  <p:tgtEl>
-                    <p:sldTgt/>
-                  </p:tgtEl>
-                </p:cond>
-              </p:nextCondLst>
-            </p:seq>
-          </p:childTnLst>
-        </p:cTn>
-      </p:par>
-    </p:tnLst>
-  </p:timing>
+</p:sld>
+</file>
+
+<file path=ppt/slides/slide6.xml><?xml version="1.0" encoding="utf-8"?>
+<p:sld xmlns:a="http://schemas.openxmlformats.org/drawingml/2006/main" xmlns:p="http://schemas.openxmlformats.org/presentationml/2006/main" xmlns:r="http://schemas.openxmlformats.org/officeDocument/2006/relationships" xmlns:p14="http://schemas.microsoft.com/office/powerpoint/2010/main" xmlns:p15="http://schemas.microsoft.com/office/powerpoint/2012/main" xmlns:mc="http://schemas.openxmlformats.org/markup-compatibility/2006">
+  <p:cSld>
+    <p:spTree>
+      <p:nvGrpSpPr>
+        <p:cNvPr id="1" name=""/>
+        <p:cNvGrpSpPr/>
+        <p:nvPr/>
+      </p:nvGrpSpPr>
+      <p:grpSpPr>
+        <a:xfrm>
+          <a:off x="0" y="0"/>
+          <a:ext cx="0" cy="0"/>
+          <a:chOff x="0" y="0"/>
+          <a:chExt cx="0" cy="0"/>
+        </a:xfrm>
+      </p:grpSpPr>
+      <p:sp>
+        <p:nvSpPr>
+          <p:cNvPr id="99" name="TextShape 1"/>
+          <p:cNvSpPr txBox="1"/>
+          <p:nvPr/>
+        </p:nvSpPr>
+        <p:spPr>
+          <a:xfrm>
+            <a:off x="360000" y="360000"/>
+            <a:ext cx="9359640" cy="899640"/>
+          </a:xfrm>
+          <a:prstGeom prst="rect">
+            <a:avLst/>
+          </a:prstGeom>
+          <a:noFill/>
+          <a:ln>
+            <a:noFill/>
+          </a:ln>
+        </p:spPr>
+        <p:txBody>
+          <a:bodyPr lIns="0" rIns="0" tIns="0" bIns="0" anchor="b"/>
+          <a:p>
+            <a:pPr>
+              <a:lnSpc>
+                <a:spcPct val="100000"/>
+              </a:lnSpc>
+            </a:pPr>
+            <a:r>
+              <a:rPr b="1" lang="en-US" sz="3200" spc="-1" strike="noStrike">
+                <a:solidFill>
+                  <a:srgbClr val="ffffff"/>
+                </a:solidFill>
+                <a:latin typeface="Source Sans Pro Black"/>
+                <a:ea typeface="Source Sans Pro Black"/>
+              </a:rPr>
+              <a:t>Depth image to Point Cloud Code</a:t>
+            </a:r>
+            <a:endParaRPr b="0" lang="en-US" sz="3200" spc="-1" strike="noStrike">
+              <a:solidFill>
+                <a:srgbClr val="000000"/>
+              </a:solidFill>
+              <a:latin typeface="Arial"/>
+            </a:endParaRPr>
+          </a:p>
+        </p:txBody>
+      </p:sp>
+      <p:sp>
+        <p:nvSpPr>
+          <p:cNvPr id="100" name="TextShape 2"/>
+          <p:cNvSpPr txBox="1"/>
+          <p:nvPr/>
+        </p:nvSpPr>
+        <p:spPr>
+          <a:xfrm>
+            <a:off x="360000" y="1980000"/>
+            <a:ext cx="9179640" cy="4679640"/>
+          </a:xfrm>
+          <a:prstGeom prst="rect">
+            <a:avLst/>
+          </a:prstGeom>
+          <a:noFill/>
+          <a:ln>
+            <a:noFill/>
+          </a:ln>
+        </p:spPr>
+        <p:txBody>
+          <a:bodyPr lIns="0" rIns="0" tIns="0" bIns="0"/>
+          <a:p>
+            <a:endParaRPr b="0" lang="en-US" sz="1400" spc="-1" strike="noStrike">
+              <a:solidFill>
+                <a:srgbClr val="000000"/>
+              </a:solidFill>
+              <a:latin typeface="Arial"/>
+            </a:endParaRPr>
+          </a:p>
+        </p:txBody>
+      </p:sp>
+      <p:pic>
+        <p:nvPicPr>
+          <p:cNvPr id="101" name="Google Shape;158;p32" descr=""/>
+          <p:cNvPicPr/>
+          <p:nvPr/>
+        </p:nvPicPr>
+        <p:blipFill>
+          <a:blip r:embed="rId1"/>
+          <a:stretch/>
+        </p:blipFill>
+        <p:spPr>
+          <a:xfrm>
+            <a:off x="504000" y="1457640"/>
+            <a:ext cx="9072360" cy="3348000"/>
+          </a:xfrm>
+          <a:prstGeom prst="rect">
+            <a:avLst/>
+          </a:prstGeom>
+          <a:ln>
+            <a:noFill/>
+          </a:ln>
+        </p:spPr>
+      </p:pic>
+      <p:sp>
+        <p:nvSpPr>
+          <p:cNvPr id="102" name="CustomShape 3"/>
+          <p:cNvSpPr/>
+          <p:nvPr/>
+        </p:nvSpPr>
+        <p:spPr>
+          <a:xfrm>
+            <a:off x="924840" y="4650120"/>
+            <a:ext cx="8794800" cy="1859400"/>
+          </a:xfrm>
+          <a:prstGeom prst="rect">
+            <a:avLst/>
+          </a:prstGeom>
+          <a:noFill/>
+          <a:ln>
+            <a:noFill/>
+          </a:ln>
+        </p:spPr>
+        <p:style>
+          <a:lnRef idx="0"/>
+          <a:fillRef idx="0"/>
+          <a:effectRef idx="0"/>
+          <a:fontRef idx="minor"/>
+        </p:style>
+        <p:txBody>
+          <a:bodyPr tIns="91440" bIns="91440"/>
+          <a:p>
+            <a:pPr>
+              <a:lnSpc>
+                <a:spcPct val="100000"/>
+              </a:lnSpc>
+            </a:pPr>
+            <a:r>
+              <a:rPr b="0" lang="en-US" sz="1400" spc="-1" strike="noStrike">
+                <a:solidFill>
+                  <a:srgbClr val="000000"/>
+                </a:solidFill>
+                <a:latin typeface="Arial"/>
+                <a:ea typeface="Arial"/>
+              </a:rPr>
+              <a:t>This image shows the code which is used to convert from a depth image to a point cloud.</a:t>
+            </a:r>
+            <a:endParaRPr b="0" lang="en-US" sz="1400" spc="-1" strike="noStrike">
+              <a:latin typeface="Cambria"/>
+            </a:endParaRPr>
+          </a:p>
+          <a:p>
+            <a:pPr>
+              <a:lnSpc>
+                <a:spcPct val="100000"/>
+              </a:lnSpc>
+            </a:pPr>
+            <a:endParaRPr b="0" lang="en-US" sz="1400" spc="-1" strike="noStrike">
+              <a:latin typeface="Cambria"/>
+            </a:endParaRPr>
+          </a:p>
+          <a:p>
+            <a:pPr>
+              <a:lnSpc>
+                <a:spcPct val="100000"/>
+              </a:lnSpc>
+            </a:pPr>
+            <a:r>
+              <a:rPr b="0" lang="en-US" sz="1400" spc="-1" strike="noStrike">
+                <a:solidFill>
+                  <a:srgbClr val="000000"/>
+                </a:solidFill>
+                <a:latin typeface="Arial"/>
+                <a:ea typeface="Arial"/>
+              </a:rPr>
+              <a:t>In this instance a number of depth images are being passed into the method as part of the m_objects list, a depth image is stored as a list of numbers.</a:t>
+            </a:r>
+            <a:endParaRPr b="0" lang="en-US" sz="1400" spc="-1" strike="noStrike">
+              <a:latin typeface="Cambria"/>
+            </a:endParaRPr>
+          </a:p>
+          <a:p>
+            <a:pPr>
+              <a:lnSpc>
+                <a:spcPct val="100000"/>
+              </a:lnSpc>
+            </a:pPr>
+            <a:r>
+              <a:rPr b="0" lang="en-US" sz="1400" spc="-1" strike="noStrike">
+                <a:solidFill>
+                  <a:srgbClr val="000000"/>
+                </a:solidFill>
+                <a:latin typeface="Arial"/>
+                <a:ea typeface="Arial"/>
+              </a:rPr>
+              <a:t>The point cloud is passed out as a list of lists of numbers, in this case the second list is being used to hold the individual X Y Z components, this is to mirror the format of the PCL PCD file format.</a:t>
+            </a:r>
+            <a:endParaRPr b="0" lang="en-US" sz="1400" spc="-1" strike="noStrike">
+              <a:latin typeface="Cambria"/>
+            </a:endParaRPr>
+          </a:p>
+          <a:p>
+            <a:pPr>
+              <a:lnSpc>
+                <a:spcPct val="100000"/>
+              </a:lnSpc>
+            </a:pPr>
+            <a:endParaRPr b="0" lang="en-US" sz="1400" spc="-1" strike="noStrike">
+              <a:latin typeface="Cambria"/>
+            </a:endParaRPr>
+          </a:p>
+          <a:p>
+            <a:pPr>
+              <a:lnSpc>
+                <a:spcPct val="100000"/>
+              </a:lnSpc>
+            </a:pPr>
+            <a:r>
+              <a:rPr b="0" lang="en-US" sz="1400" spc="-1" strike="noStrike">
+                <a:solidFill>
+                  <a:srgbClr val="000000"/>
+                </a:solidFill>
+                <a:latin typeface="Arial"/>
+                <a:ea typeface="Arial"/>
+              </a:rPr>
+              <a:t>The values of 10 and 0.0021 have been sourced from the OpenKinect documentation.</a:t>
+            </a:r>
+            <a:endParaRPr b="0" lang="en-US" sz="1400" spc="-1" strike="noStrike">
+              <a:latin typeface="Cambria"/>
+            </a:endParaRPr>
+          </a:p>
+        </p:txBody>
+      </p:sp>
+    </p:spTree>
+  </p:cSld>
+</p:sld>
+</file>
+
+<file path=ppt/slides/slide7.xml><?xml version="1.0" encoding="utf-8"?>
+<p:sld xmlns:a="http://schemas.openxmlformats.org/drawingml/2006/main" xmlns:p="http://schemas.openxmlformats.org/presentationml/2006/main" xmlns:r="http://schemas.openxmlformats.org/officeDocument/2006/relationships" xmlns:p14="http://schemas.microsoft.com/office/powerpoint/2010/main" xmlns:p15="http://schemas.microsoft.com/office/powerpoint/2012/main" xmlns:mc="http://schemas.openxmlformats.org/markup-compatibility/2006">
+  <p:cSld>
+    <p:spTree>
+      <p:nvGrpSpPr>
+        <p:cNvPr id="1" name=""/>
+        <p:cNvGrpSpPr/>
+        <p:nvPr/>
+      </p:nvGrpSpPr>
+      <p:grpSpPr>
+        <a:xfrm>
+          <a:off x="0" y="0"/>
+          <a:ext cx="0" cy="0"/>
+          <a:chOff x="0" y="0"/>
+          <a:chExt cx="0" cy="0"/>
+        </a:xfrm>
+      </p:grpSpPr>
+      <p:sp>
+        <p:nvSpPr>
+          <p:cNvPr id="103" name="TextShape 1"/>
+          <p:cNvSpPr txBox="1"/>
+          <p:nvPr/>
+        </p:nvSpPr>
+        <p:spPr>
+          <a:xfrm>
+            <a:off x="360000" y="360000"/>
+            <a:ext cx="9359640" cy="899640"/>
+          </a:xfrm>
+          <a:prstGeom prst="rect">
+            <a:avLst/>
+          </a:prstGeom>
+          <a:noFill/>
+          <a:ln>
+            <a:noFill/>
+          </a:ln>
+        </p:spPr>
+        <p:txBody>
+          <a:bodyPr lIns="0" rIns="0" tIns="0" bIns="0" anchor="b"/>
+          <a:p>
+            <a:pPr>
+              <a:lnSpc>
+                <a:spcPct val="100000"/>
+              </a:lnSpc>
+            </a:pPr>
+            <a:r>
+              <a:rPr b="1" lang="en-US" sz="3200" spc="-1" strike="noStrike">
+                <a:solidFill>
+                  <a:srgbClr val="ffffff"/>
+                </a:solidFill>
+                <a:latin typeface="Source Sans Pro Black"/>
+                <a:ea typeface="Source Sans Pro Black"/>
+              </a:rPr>
+              <a:t>Depth image to Point Cloud Code</a:t>
+            </a:r>
+            <a:endParaRPr b="0" lang="en-US" sz="3200" spc="-1" strike="noStrike">
+              <a:solidFill>
+                <a:srgbClr val="000000"/>
+              </a:solidFill>
+              <a:latin typeface="Arial"/>
+            </a:endParaRPr>
+          </a:p>
+        </p:txBody>
+      </p:sp>
+      <p:sp>
+        <p:nvSpPr>
+          <p:cNvPr id="104" name="TextShape 2"/>
+          <p:cNvSpPr txBox="1"/>
+          <p:nvPr/>
+        </p:nvSpPr>
+        <p:spPr>
+          <a:xfrm>
+            <a:off x="360000" y="1980000"/>
+            <a:ext cx="9179640" cy="4679640"/>
+          </a:xfrm>
+          <a:prstGeom prst="rect">
+            <a:avLst/>
+          </a:prstGeom>
+          <a:noFill/>
+          <a:ln>
+            <a:noFill/>
+          </a:ln>
+        </p:spPr>
+        <p:txBody>
+          <a:bodyPr lIns="0" rIns="0" tIns="0" bIns="0"/>
+          <a:p>
+            <a:endParaRPr b="0" lang="en-US" sz="1400" spc="-1" strike="noStrike">
+              <a:solidFill>
+                <a:srgbClr val="000000"/>
+              </a:solidFill>
+              <a:latin typeface="Arial"/>
+            </a:endParaRPr>
+          </a:p>
+        </p:txBody>
+      </p:sp>
+      <p:sp>
+        <p:nvSpPr>
+          <p:cNvPr id="105" name="CustomShape 3"/>
+          <p:cNvSpPr/>
+          <p:nvPr/>
+        </p:nvSpPr>
+        <p:spPr>
+          <a:xfrm>
+            <a:off x="371880" y="4986000"/>
+            <a:ext cx="9179640" cy="1673280"/>
+          </a:xfrm>
+          <a:prstGeom prst="rect">
+            <a:avLst/>
+          </a:prstGeom>
+          <a:noFill/>
+          <a:ln>
+            <a:noFill/>
+          </a:ln>
+        </p:spPr>
+        <p:style>
+          <a:lnRef idx="0"/>
+          <a:fillRef idx="0"/>
+          <a:effectRef idx="0"/>
+          <a:fontRef idx="minor"/>
+        </p:style>
+        <p:txBody>
+          <a:bodyPr tIns="91440" bIns="91440"/>
+          <a:p>
+            <a:pPr algn="ctr">
+              <a:lnSpc>
+                <a:spcPct val="100000"/>
+              </a:lnSpc>
+            </a:pPr>
+            <a:r>
+              <a:rPr b="0" lang="en-US" sz="2400" spc="-1" strike="noStrike">
+                <a:solidFill>
+                  <a:srgbClr val="000000"/>
+                </a:solidFill>
+                <a:latin typeface="Arial"/>
+                <a:ea typeface="Arial"/>
+              </a:rPr>
+              <a:t>Px = (xi - Cx) * (Dx / BA)</a:t>
+            </a:r>
+            <a:br/>
+            <a:r>
+              <a:rPr b="0" lang="en-US" sz="2400" spc="-1" strike="noStrike">
+                <a:solidFill>
+                  <a:srgbClr val="000000"/>
+                </a:solidFill>
+                <a:latin typeface="Arial"/>
+                <a:ea typeface="Arial"/>
+              </a:rPr>
+              <a:t>Py = (yi - Cy) * (Dy / BA)</a:t>
+            </a:r>
+            <a:endParaRPr b="0" lang="en-US" sz="2400" spc="-1" strike="noStrike">
+              <a:latin typeface="Cambria"/>
+            </a:endParaRPr>
+          </a:p>
+          <a:p>
+            <a:pPr algn="ctr">
+              <a:lnSpc>
+                <a:spcPct val="100000"/>
+              </a:lnSpc>
+            </a:pPr>
+            <a:r>
+              <a:rPr b="0" lang="en-US" sz="2400" spc="-1" strike="noStrike">
+                <a:solidFill>
+                  <a:srgbClr val="000000"/>
+                </a:solidFill>
+                <a:latin typeface="Arial"/>
+                <a:ea typeface="Arial"/>
+              </a:rPr>
+              <a:t>Pz = zi;</a:t>
+            </a:r>
+            <a:endParaRPr b="0" lang="en-US" sz="2400" spc="-1" strike="noStrike">
+              <a:latin typeface="Cambria"/>
+            </a:endParaRPr>
+          </a:p>
+        </p:txBody>
+      </p:sp>
+      <p:pic>
+        <p:nvPicPr>
+          <p:cNvPr id="106" name="Google Shape;167;p33" descr=""/>
+          <p:cNvPicPr/>
+          <p:nvPr/>
+        </p:nvPicPr>
+        <p:blipFill>
+          <a:blip r:embed="rId1"/>
+          <a:stretch/>
+        </p:blipFill>
+        <p:spPr>
+          <a:xfrm>
+            <a:off x="504000" y="1457640"/>
+            <a:ext cx="9072360" cy="3348000"/>
+          </a:xfrm>
+          <a:prstGeom prst="rect">
+            <a:avLst/>
+          </a:prstGeom>
+          <a:ln>
+            <a:noFill/>
+          </a:ln>
+        </p:spPr>
+      </p:pic>
+    </p:spTree>
+  </p:cSld>
+</p:sld>
+</file>
+
+<file path=ppt/slides/slide8.xml><?xml version="1.0" encoding="utf-8"?>
+<p:sld xmlns:a="http://schemas.openxmlformats.org/drawingml/2006/main" xmlns:p="http://schemas.openxmlformats.org/presentationml/2006/main" xmlns:r="http://schemas.openxmlformats.org/officeDocument/2006/relationships" xmlns:p14="http://schemas.microsoft.com/office/powerpoint/2010/main" xmlns:p15="http://schemas.microsoft.com/office/powerpoint/2012/main" xmlns:mc="http://schemas.openxmlformats.org/markup-compatibility/2006">
+  <p:cSld>
+    <p:spTree>
+      <p:nvGrpSpPr>
+        <p:cNvPr id="1" name=""/>
+        <p:cNvGrpSpPr/>
+        <p:nvPr/>
+      </p:nvGrpSpPr>
+      <p:grpSpPr>
+        <a:xfrm>
+          <a:off x="0" y="0"/>
+          <a:ext cx="0" cy="0"/>
+          <a:chOff x="0" y="0"/>
+          <a:chExt cx="0" cy="0"/>
+        </a:xfrm>
+      </p:grpSpPr>
+      <p:sp>
+        <p:nvSpPr>
+          <p:cNvPr id="107" name="TextShape 1"/>
+          <p:cNvSpPr txBox="1"/>
+          <p:nvPr/>
+        </p:nvSpPr>
+        <p:spPr>
+          <a:xfrm>
+            <a:off x="360000" y="360000"/>
+            <a:ext cx="9359640" cy="899640"/>
+          </a:xfrm>
+          <a:prstGeom prst="rect">
+            <a:avLst/>
+          </a:prstGeom>
+          <a:noFill/>
+          <a:ln>
+            <a:noFill/>
+          </a:ln>
+        </p:spPr>
+        <p:txBody>
+          <a:bodyPr lIns="0" rIns="0" tIns="0" bIns="0" anchor="b"/>
+          <a:p>
+            <a:pPr>
+              <a:lnSpc>
+                <a:spcPct val="100000"/>
+              </a:lnSpc>
+            </a:pPr>
+            <a:r>
+              <a:rPr b="1" lang="en-US" sz="3200" spc="-1" strike="noStrike">
+                <a:solidFill>
+                  <a:srgbClr val="ffffff"/>
+                </a:solidFill>
+                <a:latin typeface="Source Sans Pro Black"/>
+                <a:ea typeface="Source Sans Pro Black"/>
+              </a:rPr>
+              <a:t>Application Output (video)</a:t>
+            </a:r>
+            <a:endParaRPr b="0" lang="en-US" sz="3200" spc="-1" strike="noStrike">
+              <a:solidFill>
+                <a:srgbClr val="000000"/>
+              </a:solidFill>
+              <a:latin typeface="Arial"/>
+            </a:endParaRPr>
+          </a:p>
+        </p:txBody>
+      </p:sp>
+      <p:sp>
+        <p:nvSpPr>
+          <p:cNvPr id="108" name="TextShape 2"/>
+          <p:cNvSpPr txBox="1"/>
+          <p:nvPr/>
+        </p:nvSpPr>
+        <p:spPr>
+          <a:xfrm>
+            <a:off x="360000" y="1980000"/>
+            <a:ext cx="9179640" cy="4679640"/>
+          </a:xfrm>
+          <a:prstGeom prst="rect">
+            <a:avLst/>
+          </a:prstGeom>
+          <a:noFill/>
+          <a:ln>
+            <a:noFill/>
+          </a:ln>
+        </p:spPr>
+        <p:txBody>
+          <a:bodyPr lIns="0" rIns="0" tIns="0" bIns="0"/>
+          <a:p>
+            <a:endParaRPr b="0" lang="en-US" sz="1400" spc="-1" strike="noStrike">
+              <a:solidFill>
+                <a:srgbClr val="000000"/>
+              </a:solidFill>
+              <a:latin typeface="Arial"/>
+            </a:endParaRPr>
+          </a:p>
+        </p:txBody>
+      </p:sp>
+      <p:pic>
+        <p:nvPicPr>
+          <p:cNvPr id="109" name="Google Shape;174;p34" descr=""/>
+          <p:cNvPicPr/>
+          <p:nvPr/>
+        </p:nvPicPr>
+        <p:blipFill>
+          <a:blip r:embed="rId1"/>
+          <a:stretch/>
+        </p:blipFill>
+        <p:spPr>
+          <a:xfrm>
+            <a:off x="2030400" y="1992960"/>
+            <a:ext cx="6019560" cy="4524120"/>
+          </a:xfrm>
+          <a:prstGeom prst="rect">
+            <a:avLst/>
+          </a:prstGeom>
+          <a:ln>
+            <a:noFill/>
+          </a:ln>
+        </p:spPr>
+      </p:pic>
+    </p:spTree>
+  </p:cSld>
+</p:sld>
+</file>
+
+<file path=ppt/slides/slide9.xml><?xml version="1.0" encoding="utf-8"?>
+<p:sld xmlns:a="http://schemas.openxmlformats.org/drawingml/2006/main" xmlns:p="http://schemas.openxmlformats.org/presentationml/2006/main" xmlns:r="http://schemas.openxmlformats.org/officeDocument/2006/relationships" xmlns:p14="http://schemas.microsoft.com/office/powerpoint/2010/main" xmlns:p15="http://schemas.microsoft.com/office/powerpoint/2012/main" xmlns:mc="http://schemas.openxmlformats.org/markup-compatibility/2006">
+  <p:cSld>
+    <p:spTree>
+      <p:nvGrpSpPr>
+        <p:cNvPr id="1" name=""/>
+        <p:cNvGrpSpPr/>
+        <p:nvPr/>
+      </p:nvGrpSpPr>
+      <p:grpSpPr>
+        <a:xfrm>
+          <a:off x="0" y="0"/>
+          <a:ext cx="0" cy="0"/>
+          <a:chOff x="0" y="0"/>
+          <a:chExt cx="0" cy="0"/>
+        </a:xfrm>
+      </p:grpSpPr>
+      <p:sp>
+        <p:nvSpPr>
+          <p:cNvPr id="110" name="TextShape 1"/>
+          <p:cNvSpPr txBox="1"/>
+          <p:nvPr/>
+        </p:nvSpPr>
+        <p:spPr>
+          <a:xfrm>
+            <a:off x="360000" y="360000"/>
+            <a:ext cx="9359640" cy="899640"/>
+          </a:xfrm>
+          <a:prstGeom prst="rect">
+            <a:avLst/>
+          </a:prstGeom>
+          <a:noFill/>
+          <a:ln>
+            <a:noFill/>
+          </a:ln>
+        </p:spPr>
+        <p:txBody>
+          <a:bodyPr lIns="0" rIns="0" tIns="0" bIns="0" anchor="b"/>
+          <a:p>
+            <a:pPr>
+              <a:lnSpc>
+                <a:spcPct val="100000"/>
+              </a:lnSpc>
+            </a:pPr>
+            <a:r>
+              <a:rPr b="1" lang="en-US" sz="3200" spc="-1" strike="noStrike">
+                <a:solidFill>
+                  <a:srgbClr val="ffffff"/>
+                </a:solidFill>
+                <a:latin typeface="Source Sans Pro Black"/>
+                <a:ea typeface="Source Sans Pro Black"/>
+              </a:rPr>
+              <a:t>Application Output (depth)</a:t>
+            </a:r>
+            <a:endParaRPr b="0" lang="en-US" sz="3200" spc="-1" strike="noStrike">
+              <a:solidFill>
+                <a:srgbClr val="000000"/>
+              </a:solidFill>
+              <a:latin typeface="Arial"/>
+            </a:endParaRPr>
+          </a:p>
+        </p:txBody>
+      </p:sp>
+      <p:sp>
+        <p:nvSpPr>
+          <p:cNvPr id="111" name="TextShape 2"/>
+          <p:cNvSpPr txBox="1"/>
+          <p:nvPr/>
+        </p:nvSpPr>
+        <p:spPr>
+          <a:xfrm>
+            <a:off x="360000" y="1980000"/>
+            <a:ext cx="9179640" cy="4679640"/>
+          </a:xfrm>
+          <a:prstGeom prst="rect">
+            <a:avLst/>
+          </a:prstGeom>
+          <a:noFill/>
+          <a:ln>
+            <a:noFill/>
+          </a:ln>
+        </p:spPr>
+        <p:txBody>
+          <a:bodyPr lIns="0" rIns="0" tIns="0" bIns="0"/>
+          <a:p>
+            <a:endParaRPr b="0" lang="en-US" sz="1400" spc="-1" strike="noStrike">
+              <a:solidFill>
+                <a:srgbClr val="000000"/>
+              </a:solidFill>
+              <a:latin typeface="Arial"/>
+            </a:endParaRPr>
+          </a:p>
+        </p:txBody>
+      </p:sp>
+      <p:pic>
+        <p:nvPicPr>
+          <p:cNvPr id="112" name="Google Shape;181;p35" descr=""/>
+          <p:cNvPicPr/>
+          <p:nvPr/>
+        </p:nvPicPr>
+        <p:blipFill>
+          <a:blip r:embed="rId1"/>
+          <a:stretch/>
+        </p:blipFill>
+        <p:spPr>
+          <a:xfrm>
+            <a:off x="2006640" y="1980000"/>
+            <a:ext cx="6067080" cy="4552560"/>
+          </a:xfrm>
+          <a:prstGeom prst="rect">
+            <a:avLst/>
+          </a:prstGeom>
+          <a:ln>
+            <a:noFill/>
+          </a:ln>
+        </p:spPr>
+      </p:pic>
+    </p:spTree>
+  </p:cSld>
 </p:sld>
 </file>
 
